--- a/Java_2021/SpringBoot_Signup_Signin/User_Signin_Signup_Security.pptx
+++ b/Java_2021/SpringBoot_Signup_Signin/User_Signin_Signup_Security.pptx
@@ -5,7 +5,7 @@
     <p:sldMasterId id="2147483672" r:id="rId1"/>
   </p:sldMasterIdLst>
   <p:notesMasterIdLst>
-    <p:notesMasterId r:id="rId13"/>
+    <p:notesMasterId r:id="rId18"/>
   </p:notesMasterIdLst>
   <p:sldIdLst>
     <p:sldId id="467" r:id="rId2"/>
@@ -19,6 +19,11 @@
     <p:sldId id="474" r:id="rId10"/>
     <p:sldId id="475" r:id="rId11"/>
     <p:sldId id="476" r:id="rId12"/>
+    <p:sldId id="477" r:id="rId13"/>
+    <p:sldId id="478" r:id="rId14"/>
+    <p:sldId id="479" r:id="rId15"/>
+    <p:sldId id="480" r:id="rId16"/>
+    <p:sldId id="481" r:id="rId17"/>
   </p:sldIdLst>
   <p:sldSz cx="12192000" cy="6858000"/>
   <p:notesSz cx="6858000" cy="9144000"/>
@@ -232,7 +237,7 @@
           <a:p>
             <a:fld id="{62274EC6-3890-417B-9308-14EFBD00FA63}" type="datetimeFigureOut">
               <a:rPr lang="en-US" smtClean="0"/>
-              <a:t>8/13/2021</a:t>
+              <a:t>8/26/2021</a:t>
             </a:fld>
             <a:endParaRPr lang="en-US" dirty="0"/>
           </a:p>
@@ -766,6 +771,451 @@
 </p:notes>
 </file>
 
+<file path=ppt/notesSlides/notesSlide12.xml><?xml version="1.0" encoding="utf-8"?>
+<p:notes xmlns:a="http://schemas.openxmlformats.org/drawingml/2006/main" xmlns:r="http://schemas.openxmlformats.org/officeDocument/2006/relationships" xmlns:p="http://schemas.openxmlformats.org/presentationml/2006/main">
+  <p:cSld>
+    <p:spTree>
+      <p:nvGrpSpPr>
+        <p:cNvPr id="1" name=""/>
+        <p:cNvGrpSpPr/>
+        <p:nvPr/>
+      </p:nvGrpSpPr>
+      <p:grpSpPr>
+        <a:xfrm>
+          <a:off x="0" y="0"/>
+          <a:ext cx="0" cy="0"/>
+          <a:chOff x="0" y="0"/>
+          <a:chExt cx="0" cy="0"/>
+        </a:xfrm>
+      </p:grpSpPr>
+      <p:sp>
+        <p:nvSpPr>
+          <p:cNvPr id="2" name="Slide Image Placeholder 1"/>
+          <p:cNvSpPr>
+            <a:spLocks noGrp="1" noRot="1" noChangeAspect="1"/>
+          </p:cNvSpPr>
+          <p:nvPr>
+            <p:ph type="sldImg"/>
+          </p:nvPr>
+        </p:nvSpPr>
+        <p:spPr>
+          <a:xfrm>
+            <a:off x="381000" y="685800"/>
+            <a:ext cx="6096000" cy="3429000"/>
+          </a:xfrm>
+        </p:spPr>
+      </p:sp>
+      <p:sp>
+        <p:nvSpPr>
+          <p:cNvPr id="3" name="Notes Placeholder 2"/>
+          <p:cNvSpPr>
+            <a:spLocks noGrp="1"/>
+          </p:cNvSpPr>
+          <p:nvPr>
+            <p:ph type="body" idx="1"/>
+          </p:nvPr>
+        </p:nvSpPr>
+        <p:spPr/>
+        <p:txBody>
+          <a:bodyPr/>
+          <a:lstStyle/>
+          <a:p>
+            <a:endParaRPr lang="en-US" dirty="0"/>
+          </a:p>
+        </p:txBody>
+      </p:sp>
+      <p:sp>
+        <p:nvSpPr>
+          <p:cNvPr id="4" name="Slide Number Placeholder 3"/>
+          <p:cNvSpPr>
+            <a:spLocks noGrp="1"/>
+          </p:cNvSpPr>
+          <p:nvPr>
+            <p:ph type="sldNum" sz="quarter" idx="10"/>
+          </p:nvPr>
+        </p:nvSpPr>
+        <p:spPr/>
+        <p:txBody>
+          <a:bodyPr/>
+          <a:lstStyle/>
+          <a:p>
+            <a:fld id="{A883C400-BD9D-4609-A213-F91E9750031E}" type="slidenum">
+              <a:rPr lang="en-US" smtClean="0"/>
+              <a:t>12</a:t>
+            </a:fld>
+            <a:endParaRPr lang="en-US" dirty="0"/>
+          </a:p>
+        </p:txBody>
+      </p:sp>
+    </p:spTree>
+    <p:extLst>
+      <p:ext uri="{BB962C8B-B14F-4D97-AF65-F5344CB8AC3E}">
+        <p14:creationId xmlns:p14="http://schemas.microsoft.com/office/powerpoint/2010/main" val="2035018508"/>
+      </p:ext>
+    </p:extLst>
+  </p:cSld>
+  <p:clrMapOvr>
+    <a:masterClrMapping/>
+  </p:clrMapOvr>
+</p:notes>
+</file>
+
+<file path=ppt/notesSlides/notesSlide13.xml><?xml version="1.0" encoding="utf-8"?>
+<p:notes xmlns:a="http://schemas.openxmlformats.org/drawingml/2006/main" xmlns:r="http://schemas.openxmlformats.org/officeDocument/2006/relationships" xmlns:p="http://schemas.openxmlformats.org/presentationml/2006/main">
+  <p:cSld>
+    <p:spTree>
+      <p:nvGrpSpPr>
+        <p:cNvPr id="1" name=""/>
+        <p:cNvGrpSpPr/>
+        <p:nvPr/>
+      </p:nvGrpSpPr>
+      <p:grpSpPr>
+        <a:xfrm>
+          <a:off x="0" y="0"/>
+          <a:ext cx="0" cy="0"/>
+          <a:chOff x="0" y="0"/>
+          <a:chExt cx="0" cy="0"/>
+        </a:xfrm>
+      </p:grpSpPr>
+      <p:sp>
+        <p:nvSpPr>
+          <p:cNvPr id="2" name="Slide Image Placeholder 1"/>
+          <p:cNvSpPr>
+            <a:spLocks noGrp="1" noRot="1" noChangeAspect="1"/>
+          </p:cNvSpPr>
+          <p:nvPr>
+            <p:ph type="sldImg"/>
+          </p:nvPr>
+        </p:nvSpPr>
+        <p:spPr>
+          <a:xfrm>
+            <a:off x="381000" y="685800"/>
+            <a:ext cx="6096000" cy="3429000"/>
+          </a:xfrm>
+        </p:spPr>
+      </p:sp>
+      <p:sp>
+        <p:nvSpPr>
+          <p:cNvPr id="3" name="Notes Placeholder 2"/>
+          <p:cNvSpPr>
+            <a:spLocks noGrp="1"/>
+          </p:cNvSpPr>
+          <p:nvPr>
+            <p:ph type="body" idx="1"/>
+          </p:nvPr>
+        </p:nvSpPr>
+        <p:spPr/>
+        <p:txBody>
+          <a:bodyPr/>
+          <a:lstStyle/>
+          <a:p>
+            <a:endParaRPr lang="en-US" dirty="0"/>
+          </a:p>
+        </p:txBody>
+      </p:sp>
+      <p:sp>
+        <p:nvSpPr>
+          <p:cNvPr id="4" name="Slide Number Placeholder 3"/>
+          <p:cNvSpPr>
+            <a:spLocks noGrp="1"/>
+          </p:cNvSpPr>
+          <p:nvPr>
+            <p:ph type="sldNum" sz="quarter" idx="10"/>
+          </p:nvPr>
+        </p:nvSpPr>
+        <p:spPr/>
+        <p:txBody>
+          <a:bodyPr/>
+          <a:lstStyle/>
+          <a:p>
+            <a:fld id="{A883C400-BD9D-4609-A213-F91E9750031E}" type="slidenum">
+              <a:rPr lang="en-US" smtClean="0"/>
+              <a:t>13</a:t>
+            </a:fld>
+            <a:endParaRPr lang="en-US" dirty="0"/>
+          </a:p>
+        </p:txBody>
+      </p:sp>
+    </p:spTree>
+    <p:extLst>
+      <p:ext uri="{BB962C8B-B14F-4D97-AF65-F5344CB8AC3E}">
+        <p14:creationId xmlns:p14="http://schemas.microsoft.com/office/powerpoint/2010/main" val="3152247440"/>
+      </p:ext>
+    </p:extLst>
+  </p:cSld>
+  <p:clrMapOvr>
+    <a:masterClrMapping/>
+  </p:clrMapOvr>
+</p:notes>
+</file>
+
+<file path=ppt/notesSlides/notesSlide14.xml><?xml version="1.0" encoding="utf-8"?>
+<p:notes xmlns:a="http://schemas.openxmlformats.org/drawingml/2006/main" xmlns:r="http://schemas.openxmlformats.org/officeDocument/2006/relationships" xmlns:p="http://schemas.openxmlformats.org/presentationml/2006/main">
+  <p:cSld>
+    <p:spTree>
+      <p:nvGrpSpPr>
+        <p:cNvPr id="1" name=""/>
+        <p:cNvGrpSpPr/>
+        <p:nvPr/>
+      </p:nvGrpSpPr>
+      <p:grpSpPr>
+        <a:xfrm>
+          <a:off x="0" y="0"/>
+          <a:ext cx="0" cy="0"/>
+          <a:chOff x="0" y="0"/>
+          <a:chExt cx="0" cy="0"/>
+        </a:xfrm>
+      </p:grpSpPr>
+      <p:sp>
+        <p:nvSpPr>
+          <p:cNvPr id="2" name="Slide Image Placeholder 1"/>
+          <p:cNvSpPr>
+            <a:spLocks noGrp="1" noRot="1" noChangeAspect="1"/>
+          </p:cNvSpPr>
+          <p:nvPr>
+            <p:ph type="sldImg"/>
+          </p:nvPr>
+        </p:nvSpPr>
+        <p:spPr>
+          <a:xfrm>
+            <a:off x="381000" y="685800"/>
+            <a:ext cx="6096000" cy="3429000"/>
+          </a:xfrm>
+        </p:spPr>
+      </p:sp>
+      <p:sp>
+        <p:nvSpPr>
+          <p:cNvPr id="3" name="Notes Placeholder 2"/>
+          <p:cNvSpPr>
+            <a:spLocks noGrp="1"/>
+          </p:cNvSpPr>
+          <p:nvPr>
+            <p:ph type="body" idx="1"/>
+          </p:nvPr>
+        </p:nvSpPr>
+        <p:spPr/>
+        <p:txBody>
+          <a:bodyPr/>
+          <a:lstStyle/>
+          <a:p>
+            <a:endParaRPr lang="en-US" dirty="0"/>
+          </a:p>
+        </p:txBody>
+      </p:sp>
+      <p:sp>
+        <p:nvSpPr>
+          <p:cNvPr id="4" name="Slide Number Placeholder 3"/>
+          <p:cNvSpPr>
+            <a:spLocks noGrp="1"/>
+          </p:cNvSpPr>
+          <p:nvPr>
+            <p:ph type="sldNum" sz="quarter" idx="10"/>
+          </p:nvPr>
+        </p:nvSpPr>
+        <p:spPr/>
+        <p:txBody>
+          <a:bodyPr/>
+          <a:lstStyle/>
+          <a:p>
+            <a:fld id="{A883C400-BD9D-4609-A213-F91E9750031E}" type="slidenum">
+              <a:rPr lang="en-US" smtClean="0"/>
+              <a:t>14</a:t>
+            </a:fld>
+            <a:endParaRPr lang="en-US" dirty="0"/>
+          </a:p>
+        </p:txBody>
+      </p:sp>
+    </p:spTree>
+    <p:extLst>
+      <p:ext uri="{BB962C8B-B14F-4D97-AF65-F5344CB8AC3E}">
+        <p14:creationId xmlns:p14="http://schemas.microsoft.com/office/powerpoint/2010/main" val="3455753742"/>
+      </p:ext>
+    </p:extLst>
+  </p:cSld>
+  <p:clrMapOvr>
+    <a:masterClrMapping/>
+  </p:clrMapOvr>
+</p:notes>
+</file>
+
+<file path=ppt/notesSlides/notesSlide15.xml><?xml version="1.0" encoding="utf-8"?>
+<p:notes xmlns:a="http://schemas.openxmlformats.org/drawingml/2006/main" xmlns:r="http://schemas.openxmlformats.org/officeDocument/2006/relationships" xmlns:p="http://schemas.openxmlformats.org/presentationml/2006/main">
+  <p:cSld>
+    <p:spTree>
+      <p:nvGrpSpPr>
+        <p:cNvPr id="1" name=""/>
+        <p:cNvGrpSpPr/>
+        <p:nvPr/>
+      </p:nvGrpSpPr>
+      <p:grpSpPr>
+        <a:xfrm>
+          <a:off x="0" y="0"/>
+          <a:ext cx="0" cy="0"/>
+          <a:chOff x="0" y="0"/>
+          <a:chExt cx="0" cy="0"/>
+        </a:xfrm>
+      </p:grpSpPr>
+      <p:sp>
+        <p:nvSpPr>
+          <p:cNvPr id="2" name="Slide Image Placeholder 1"/>
+          <p:cNvSpPr>
+            <a:spLocks noGrp="1" noRot="1" noChangeAspect="1"/>
+          </p:cNvSpPr>
+          <p:nvPr>
+            <p:ph type="sldImg"/>
+          </p:nvPr>
+        </p:nvSpPr>
+        <p:spPr>
+          <a:xfrm>
+            <a:off x="381000" y="685800"/>
+            <a:ext cx="6096000" cy="3429000"/>
+          </a:xfrm>
+        </p:spPr>
+      </p:sp>
+      <p:sp>
+        <p:nvSpPr>
+          <p:cNvPr id="3" name="Notes Placeholder 2"/>
+          <p:cNvSpPr>
+            <a:spLocks noGrp="1"/>
+          </p:cNvSpPr>
+          <p:nvPr>
+            <p:ph type="body" idx="1"/>
+          </p:nvPr>
+        </p:nvSpPr>
+        <p:spPr/>
+        <p:txBody>
+          <a:bodyPr/>
+          <a:lstStyle/>
+          <a:p>
+            <a:endParaRPr lang="en-US" dirty="0"/>
+          </a:p>
+        </p:txBody>
+      </p:sp>
+      <p:sp>
+        <p:nvSpPr>
+          <p:cNvPr id="4" name="Slide Number Placeholder 3"/>
+          <p:cNvSpPr>
+            <a:spLocks noGrp="1"/>
+          </p:cNvSpPr>
+          <p:nvPr>
+            <p:ph type="sldNum" sz="quarter" idx="10"/>
+          </p:nvPr>
+        </p:nvSpPr>
+        <p:spPr/>
+        <p:txBody>
+          <a:bodyPr/>
+          <a:lstStyle/>
+          <a:p>
+            <a:fld id="{A883C400-BD9D-4609-A213-F91E9750031E}" type="slidenum">
+              <a:rPr lang="en-US" smtClean="0"/>
+              <a:t>15</a:t>
+            </a:fld>
+            <a:endParaRPr lang="en-US" dirty="0"/>
+          </a:p>
+        </p:txBody>
+      </p:sp>
+    </p:spTree>
+    <p:extLst>
+      <p:ext uri="{BB962C8B-B14F-4D97-AF65-F5344CB8AC3E}">
+        <p14:creationId xmlns:p14="http://schemas.microsoft.com/office/powerpoint/2010/main" val="273385370"/>
+      </p:ext>
+    </p:extLst>
+  </p:cSld>
+  <p:clrMapOvr>
+    <a:masterClrMapping/>
+  </p:clrMapOvr>
+</p:notes>
+</file>
+
+<file path=ppt/notesSlides/notesSlide16.xml><?xml version="1.0" encoding="utf-8"?>
+<p:notes xmlns:a="http://schemas.openxmlformats.org/drawingml/2006/main" xmlns:r="http://schemas.openxmlformats.org/officeDocument/2006/relationships" xmlns:p="http://schemas.openxmlformats.org/presentationml/2006/main">
+  <p:cSld>
+    <p:spTree>
+      <p:nvGrpSpPr>
+        <p:cNvPr id="1" name=""/>
+        <p:cNvGrpSpPr/>
+        <p:nvPr/>
+      </p:nvGrpSpPr>
+      <p:grpSpPr>
+        <a:xfrm>
+          <a:off x="0" y="0"/>
+          <a:ext cx="0" cy="0"/>
+          <a:chOff x="0" y="0"/>
+          <a:chExt cx="0" cy="0"/>
+        </a:xfrm>
+      </p:grpSpPr>
+      <p:sp>
+        <p:nvSpPr>
+          <p:cNvPr id="2" name="Slide Image Placeholder 1"/>
+          <p:cNvSpPr>
+            <a:spLocks noGrp="1" noRot="1" noChangeAspect="1"/>
+          </p:cNvSpPr>
+          <p:nvPr>
+            <p:ph type="sldImg"/>
+          </p:nvPr>
+        </p:nvSpPr>
+        <p:spPr>
+          <a:xfrm>
+            <a:off x="381000" y="685800"/>
+            <a:ext cx="6096000" cy="3429000"/>
+          </a:xfrm>
+        </p:spPr>
+      </p:sp>
+      <p:sp>
+        <p:nvSpPr>
+          <p:cNvPr id="3" name="Notes Placeholder 2"/>
+          <p:cNvSpPr>
+            <a:spLocks noGrp="1"/>
+          </p:cNvSpPr>
+          <p:nvPr>
+            <p:ph type="body" idx="1"/>
+          </p:nvPr>
+        </p:nvSpPr>
+        <p:spPr/>
+        <p:txBody>
+          <a:bodyPr/>
+          <a:lstStyle/>
+          <a:p>
+            <a:endParaRPr lang="en-US" dirty="0"/>
+          </a:p>
+        </p:txBody>
+      </p:sp>
+      <p:sp>
+        <p:nvSpPr>
+          <p:cNvPr id="4" name="Slide Number Placeholder 3"/>
+          <p:cNvSpPr>
+            <a:spLocks noGrp="1"/>
+          </p:cNvSpPr>
+          <p:nvPr>
+            <p:ph type="sldNum" sz="quarter" idx="10"/>
+          </p:nvPr>
+        </p:nvSpPr>
+        <p:spPr/>
+        <p:txBody>
+          <a:bodyPr/>
+          <a:lstStyle/>
+          <a:p>
+            <a:fld id="{A883C400-BD9D-4609-A213-F91E9750031E}" type="slidenum">
+              <a:rPr lang="en-US" smtClean="0"/>
+              <a:t>16</a:t>
+            </a:fld>
+            <a:endParaRPr lang="en-US" dirty="0"/>
+          </a:p>
+        </p:txBody>
+      </p:sp>
+    </p:spTree>
+    <p:extLst>
+      <p:ext uri="{BB962C8B-B14F-4D97-AF65-F5344CB8AC3E}">
+        <p14:creationId xmlns:p14="http://schemas.microsoft.com/office/powerpoint/2010/main" val="2281744390"/>
+      </p:ext>
+    </p:extLst>
+  </p:cSld>
+  <p:clrMapOvr>
+    <a:masterClrMapping/>
+  </p:clrMapOvr>
+</p:notes>
+</file>
+
 <file path=ppt/notesSlides/notesSlide2.xml><?xml version="1.0" encoding="utf-8"?>
 <p:notes xmlns:a="http://schemas.openxmlformats.org/drawingml/2006/main" xmlns:r="http://schemas.openxmlformats.org/officeDocument/2006/relationships" xmlns:p="http://schemas.openxmlformats.org/presentationml/2006/main">
   <p:cSld>
@@ -1658,7 +2108,7 @@
             <a:fld id="{1D8BD707-D9CF-40AE-B4C6-C98DA3205C09}" type="datetimeFigureOut">
               <a:rPr lang="en-US" smtClean="0"/>
               <a:pPr/>
-              <a:t>8/13/2021</a:t>
+              <a:t>8/26/2021</a:t>
             </a:fld>
             <a:endParaRPr lang="en-US" dirty="0"/>
           </a:p>
@@ -1828,7 +2278,7 @@
             <a:fld id="{1D8BD707-D9CF-40AE-B4C6-C98DA3205C09}" type="datetimeFigureOut">
               <a:rPr lang="en-US" smtClean="0"/>
               <a:pPr/>
-              <a:t>8/13/2021</a:t>
+              <a:t>8/26/2021</a:t>
             </a:fld>
             <a:endParaRPr lang="en-US" dirty="0"/>
           </a:p>
@@ -2008,7 +2458,7 @@
             <a:fld id="{1D8BD707-D9CF-40AE-B4C6-C98DA3205C09}" type="datetimeFigureOut">
               <a:rPr lang="en-US" smtClean="0"/>
               <a:pPr/>
-              <a:t>8/13/2021</a:t>
+              <a:t>8/26/2021</a:t>
             </a:fld>
             <a:endParaRPr lang="en-US" dirty="0"/>
           </a:p>
@@ -2178,7 +2628,7 @@
             <a:fld id="{1D8BD707-D9CF-40AE-B4C6-C98DA3205C09}" type="datetimeFigureOut">
               <a:rPr lang="en-US" smtClean="0"/>
               <a:pPr/>
-              <a:t>8/13/2021</a:t>
+              <a:t>8/26/2021</a:t>
             </a:fld>
             <a:endParaRPr lang="en-US" dirty="0"/>
           </a:p>
@@ -2425,7 +2875,7 @@
             <a:fld id="{1D8BD707-D9CF-40AE-B4C6-C98DA3205C09}" type="datetimeFigureOut">
               <a:rPr lang="en-US" smtClean="0"/>
               <a:pPr/>
-              <a:t>8/13/2021</a:t>
+              <a:t>8/26/2021</a:t>
             </a:fld>
             <a:endParaRPr lang="en-US" dirty="0"/>
           </a:p>
@@ -2712,7 +3162,7 @@
             <a:fld id="{1D8BD707-D9CF-40AE-B4C6-C98DA3205C09}" type="datetimeFigureOut">
               <a:rPr lang="en-US" smtClean="0"/>
               <a:pPr/>
-              <a:t>8/13/2021</a:t>
+              <a:t>8/26/2021</a:t>
             </a:fld>
             <a:endParaRPr lang="en-US" dirty="0"/>
           </a:p>
@@ -3138,7 +3588,7 @@
             <a:fld id="{1D8BD707-D9CF-40AE-B4C6-C98DA3205C09}" type="datetimeFigureOut">
               <a:rPr lang="en-US" smtClean="0"/>
               <a:pPr/>
-              <a:t>8/13/2021</a:t>
+              <a:t>8/26/2021</a:t>
             </a:fld>
             <a:endParaRPr lang="en-US" dirty="0"/>
           </a:p>
@@ -3257,7 +3707,7 @@
             <a:fld id="{1D8BD707-D9CF-40AE-B4C6-C98DA3205C09}" type="datetimeFigureOut">
               <a:rPr lang="en-US" smtClean="0"/>
               <a:pPr/>
-              <a:t>8/13/2021</a:t>
+              <a:t>8/26/2021</a:t>
             </a:fld>
             <a:endParaRPr lang="en-US" dirty="0"/>
           </a:p>
@@ -3354,7 +3804,7 @@
             <a:fld id="{1D8BD707-D9CF-40AE-B4C6-C98DA3205C09}" type="datetimeFigureOut">
               <a:rPr lang="en-US" smtClean="0"/>
               <a:pPr/>
-              <a:t>8/13/2021</a:t>
+              <a:t>8/26/2021</a:t>
             </a:fld>
             <a:endParaRPr lang="en-US" dirty="0"/>
           </a:p>
@@ -3631,7 +4081,7 @@
             <a:fld id="{1D8BD707-D9CF-40AE-B4C6-C98DA3205C09}" type="datetimeFigureOut">
               <a:rPr lang="en-US" smtClean="0"/>
               <a:pPr/>
-              <a:t>8/13/2021</a:t>
+              <a:t>8/26/2021</a:t>
             </a:fld>
             <a:endParaRPr lang="en-US" dirty="0"/>
           </a:p>
@@ -3885,7 +4335,7 @@
             <a:fld id="{1D8BD707-D9CF-40AE-B4C6-C98DA3205C09}" type="datetimeFigureOut">
               <a:rPr lang="en-US" smtClean="0"/>
               <a:pPr/>
-              <a:t>8/13/2021</a:t>
+              <a:t>8/26/2021</a:t>
             </a:fld>
             <a:endParaRPr lang="en-US" dirty="0"/>
           </a:p>
@@ -4098,7 +4548,7 @@
             <a:fld id="{1D8BD707-D9CF-40AE-B4C6-C98DA3205C09}" type="datetimeFigureOut">
               <a:rPr lang="en-US" smtClean="0"/>
               <a:pPr/>
-              <a:t>8/13/2021</a:t>
+              <a:t>8/26/2021</a:t>
             </a:fld>
             <a:endParaRPr lang="en-US" dirty="0"/>
           </a:p>
@@ -6094,6 +6544,1514 @@
     <p:extLst>
       <p:ext uri="{BB962C8B-B14F-4D97-AF65-F5344CB8AC3E}">
         <p14:creationId xmlns:p14="http://schemas.microsoft.com/office/powerpoint/2010/main" val="3850646935"/>
+      </p:ext>
+    </p:extLst>
+  </p:cSld>
+  <p:clrMapOvr>
+    <a:masterClrMapping/>
+  </p:clrMapOvr>
+</p:sld>
+</file>
+
+<file path=ppt/slides/slide12.xml><?xml version="1.0" encoding="utf-8"?>
+<p:sld xmlns:a="http://schemas.openxmlformats.org/drawingml/2006/main" xmlns:r="http://schemas.openxmlformats.org/officeDocument/2006/relationships" xmlns:p="http://schemas.openxmlformats.org/presentationml/2006/main">
+  <p:cSld>
+    <p:spTree>
+      <p:nvGrpSpPr>
+        <p:cNvPr id="1" name=""/>
+        <p:cNvGrpSpPr/>
+        <p:nvPr/>
+      </p:nvGrpSpPr>
+      <p:grpSpPr>
+        <a:xfrm>
+          <a:off x="0" y="0"/>
+          <a:ext cx="0" cy="0"/>
+          <a:chOff x="0" y="0"/>
+          <a:chExt cx="0" cy="0"/>
+        </a:xfrm>
+      </p:grpSpPr>
+      <p:sp>
+        <p:nvSpPr>
+          <p:cNvPr id="3" name="AutoShape 2" descr="data:image/png;base64,iVBORw0KGgoAAAANSUhEUgAAANEAAADxCAMAAABiSKLrAAAAbFBMVEWIiIj////6+vr29vb19fX4+Pj5+fnu7u77+/v39/f9/f3z8/P+/v709PT8/Pyqqqrt7e3v7+/w8PDx8fHy8vK+vr7Q0NCjo6OBgYHY2Njk5OTHx8eNjY3c3NzGxsbn5+eWlpa1tbWcnJx6enob4+f+AAAIqklEQVR4nO3dCZuaOhQGYEZAh0FkX2W1//8/lkVMICeIkRmOPHz22lYg5OVEZLFzJRNrnC+xSGt3nJvQekMUYktnEiM1ouDrjCs/pukLkzoRtpjmNRcloRUFoiS8oo5UvLwsYpEgCaXoHLYiMRJqkRAJt0iEhFwkQMIqCgJRElpRLErCL3r1oxavSJSEWCRIQikyOtGQNPd8CaXICc04FiXhFomQkIsESChFbmhmwiT0opf3eBivMzSjLuORnh49oKxRKxIloayR24oESShFRScSI6EUJaGZCJNwiwhp/skFcpFAlbCLXiehF71MQisSJiEVVYkwqRP9oEpXI1HSXXRuWjo/2jz3f3v8YfjS7871lbU1EiT1IjrAKrvX/2iurzisijkk8OQC5ah7iERIyEUCJOyi10noRU9J490DUpFPRAApniJhFVnzSaOdOF6RKAmlKGhFgiTMohdIyYeIhEh30aV99E9NLo8VXLqn++Q/mIuIREid6DJsv32s91Ityi1hEtJRl5+ESX2NMKUR2ZYoCbNIjIRV5FiiJIyicx7mriVEKnCKfvxadBIloRQ1NTqJkcICpcgPr7rjOPYJZnFNbZVwikw/YHNlXmDi4xW9kU70jSnNqOu/xL4R0aWg3yNMgNHWp0I66i7Dy5PsdXFuApw1Eg8RndfuykLZa4Q/512EPrsIfzYtOmwje43wh4h+1u7KQvm5bk601wh9NlijXYQ+uwh/HqLrZkTXh+h4PDQP8lQ/PvAlSrT2xl0oRHQ5biOXXYQ+uwh/dhH+7CL82bRI3Ua2XKPvtTfuQvneReizi/BnF+HPLsKfTYu0bYQWsd5PfImIDmtv3IVy2EXos4vwZxfhzy7CH0okbyO7CH+2/D46rr1xF8pxF6HPLsKfXYQ/uwh/KJGyjWxatPZwWShEpK69cReKuovQZxfhzy7Cn12EP0SkGduItmHRzFF3P3r63ZHzTl4YdYqsHg/e/YdF2e7xcFRVrba109gMFp2evGhmjzpFVZLcvJVpl7K8hWaVB1liNVNdJh7VZ4Wd7P4aaa5I866lFEnDRHWksC5eVgtH8VWy8PHGTE5V/rr+QqSocTnm9CpTM+SMmRhVVJcPKbPYv5VFcs7x1F3P1eeikl1sXZHGB0lRLH+eSI75ICk6KZ8nctkOkaQN+cNEWjBRIimU0YpkHY4hmxOgqNIMHRaRJo6giLO+dyM/F1nsvpfqWVAv92Eihe0u3bNE+TgR/FkURfWhUHPMIBsguh6N0yKNs7o/EGkVIEpj+XA8fltJ0GzqDxMdQwBka+2gqQ/p9FYkpaNIiEXuje3OddQfg738rFCTcYmME9sdKXntbY1MBOy802JrotJ6bSUiInLia7y2+aZEbXuyxXbn5vXXGQazDs+6xUWGoql2kXU/DDrOssLWNFmZ65oQufeflwvU6PHDdO8ki/0xu/Rb7RVRvZNJgupW7y3bU+T6JLnej97MPLNUhbPIbJEV9U2y/eknHds5lfhfNMo/sb23oRX5LQXWGUmpGdtz3nxEpOiep7eP+5MFUEZJj+0SCnsCVX/CkrZUQFRvQG+8RkNOzHTi5LL0rW6x8YL0bwolGtdolqir0fQxAyQCNrdsVczFmdFS6fXp+4kSecPMEqntrAYkkklTYI288frkYKI+j+XCYtzRUdCIdMV/7mkWTDNmY6AU6bo5C9QknqwSEpFuzAdJUjZFQiJSoFMWfhIDu0ievDjD5ubquEV6AjVet3krU3B/Hvn8cYdDBJxUSlKVaJqmWvENMiXcImEQKcCYi26W1nZaN9SAXXFkcos0JZpxXLeICDpLDnVSBDkDusAtEhGN72p5J78LcMbn9+nudemgiDSlASLF66cC20NKbZ3qCnAnIfKp9gcxiIjVPj8/8mbVCBY9VsNes42C4YgBrgyUJ06NpkRdCuD8yB418pYIOkl2hyuQ2SOkKOMMO4M76vrBB4sG84Cjjrr5Cooeo4TdLwyGbLsC4IKgD93dHY66lUQye7gQxfqgfdcDhr7JeSOtLoL2dOn4KEdX2E+s0hp24j3RaUERsPnLLBmlYPceaYJVBB0Bja85p8ANn3rXgFX02kEqaSGAeywoGs7zjghYdqYoxyp68USCtMDZfX+wqHomav53fkBcWDSYx4NEBpkuAyLj3oSwSDIVsMM6ETVAp/3V/KG2tP/xRPRccI1IW7Comyr8PupE9052bbW/0yLHpX/1T1wRmQuskULa4oqcd/Z1pjLu6li0zqgDP49m5fmo+2NR3z50zFBYczLsBB6Rxx6y8Q5wRoE7LCaylhM5BnTs7cGdmZP1RZzdygeLXOjW9fg94jYXUnjjbBHRcJ5nImVKBA67fFgkL/HzIE4KRW7vM0/i/kQ0WSPHg75KldHdqc+h7pfZ0jKs/GuDM3hvNSLizSEqoroE1Yia7ELf00kIWS/o09z+EmLA6bC3hMh9TwRskDq51x47e4Zzhc73Qt64wyByPOjmUVT6cZZkcQV+0zxNflX05qgD36tSe3MilcCr1FLEe9sPRDYYjmgwD1wjMl1hm4h0ugF43PETVd6wB3RbKES2Pu+2cr9waHFBWESO+8JtyxrkckFYRDa8dxAAoRHNH3hRNTHkUIlsY9Z3TqR6LzcFokScSsKi4TzPRMYske0VT78XJJkJZ8uTzojV6FdEtmNkE9/diqLUzJTpAtmzalQyF6FvI5ETA9+OpraQwTYhwRvQMYqryX6sNn8vq8AynnqoGuXuCY7N/vMR3R7N47DzePR04J+gjJt4rM7V3SzwzbC8FzYtb2Z1jQtDd3nLDOLmD1E9v90++qfT4Lfh5N+cq/508shXb5st6Ll1cWa2RYu2EUo0p6QfkF2EP7sIf3YR/hCRs3ZXFoqzYdEGR92su1D4Q486yzq1D/L0iS85W67R2l1ZKLsIfzYs4l05+bg8rpxU/lZS3UXbyvZE/wFXu+LXNTDaDQAAAABJRU5ErkJggg=="/>
+          <p:cNvSpPr>
+            <a:spLocks noChangeAspect="1" noChangeArrowheads="1"/>
+          </p:cNvSpPr>
+          <p:nvPr/>
+        </p:nvSpPr>
+        <p:spPr bwMode="auto">
+          <a:xfrm>
+            <a:off x="207436" y="-116412"/>
+            <a:ext cx="406400" cy="406402"/>
+          </a:xfrm>
+          <a:prstGeom prst="rect">
+            <a:avLst/>
+          </a:prstGeom>
+          <a:noFill/>
+          <a:extLst>
+            <a:ext uri="{909E8E84-426E-40DD-AFC4-6F175D3DCCD1}">
+              <a14:hiddenFill xmlns:a14="http://schemas.microsoft.com/office/drawing/2010/main">
+                <a:solidFill>
+                  <a:srgbClr val="FFFFFF"/>
+                </a:solidFill>
+              </a14:hiddenFill>
+            </a:ext>
+          </a:extLst>
+        </p:spPr>
+        <p:txBody>
+          <a:bodyPr vert="horz" wrap="square" lIns="121920" tIns="60960" rIns="121920" bIns="60960" numCol="1" anchor="t" anchorCtr="0" compatLnSpc="1">
+            <a:prstTxWarp prst="textNoShape">
+              <a:avLst/>
+            </a:prstTxWarp>
+          </a:bodyPr>
+          <a:lstStyle/>
+          <a:p>
+            <a:endParaRPr lang="en-US" sz="1600" dirty="0"/>
+          </a:p>
+        </p:txBody>
+      </p:sp>
+      <p:sp>
+        <p:nvSpPr>
+          <p:cNvPr id="2" name="AutoShape 2" descr="Image result for file"/>
+          <p:cNvSpPr>
+            <a:spLocks noChangeAspect="1" noChangeArrowheads="1"/>
+          </p:cNvSpPr>
+          <p:nvPr/>
+        </p:nvSpPr>
+        <p:spPr bwMode="auto">
+          <a:xfrm>
+            <a:off x="410635" y="86789"/>
+            <a:ext cx="406400" cy="406402"/>
+          </a:xfrm>
+          <a:prstGeom prst="rect">
+            <a:avLst/>
+          </a:prstGeom>
+          <a:noFill/>
+          <a:extLst>
+            <a:ext uri="{909E8E84-426E-40DD-AFC4-6F175D3DCCD1}">
+              <a14:hiddenFill xmlns:a14="http://schemas.microsoft.com/office/drawing/2010/main">
+                <a:solidFill>
+                  <a:srgbClr val="FFFFFF"/>
+                </a:solidFill>
+              </a14:hiddenFill>
+            </a:ext>
+          </a:extLst>
+        </p:spPr>
+        <p:txBody>
+          <a:bodyPr vert="horz" wrap="square" lIns="121920" tIns="60960" rIns="121920" bIns="60960" numCol="1" anchor="t" anchorCtr="0" compatLnSpc="1">
+            <a:prstTxWarp prst="textNoShape">
+              <a:avLst/>
+            </a:prstTxWarp>
+          </a:bodyPr>
+          <a:lstStyle/>
+          <a:p>
+            <a:endParaRPr lang="en-US" sz="2400" dirty="0"/>
+          </a:p>
+        </p:txBody>
+      </p:sp>
+      <p:sp>
+        <p:nvSpPr>
+          <p:cNvPr id="6" name="AutoShape 2" descr="Image result for activemq image"/>
+          <p:cNvSpPr>
+            <a:spLocks noChangeAspect="1" noChangeArrowheads="1"/>
+          </p:cNvSpPr>
+          <p:nvPr/>
+        </p:nvSpPr>
+        <p:spPr bwMode="auto">
+          <a:xfrm>
+            <a:off x="1020234" y="289990"/>
+            <a:ext cx="406400" cy="406402"/>
+          </a:xfrm>
+          <a:prstGeom prst="rect">
+            <a:avLst/>
+          </a:prstGeom>
+          <a:noFill/>
+          <a:extLst>
+            <a:ext uri="{909E8E84-426E-40DD-AFC4-6F175D3DCCD1}">
+              <a14:hiddenFill xmlns:a14="http://schemas.microsoft.com/office/drawing/2010/main">
+                <a:solidFill>
+                  <a:srgbClr val="FFFFFF"/>
+                </a:solidFill>
+              </a14:hiddenFill>
+            </a:ext>
+          </a:extLst>
+        </p:spPr>
+        <p:txBody>
+          <a:bodyPr vert="horz" wrap="square" lIns="121920" tIns="60960" rIns="121920" bIns="60960" numCol="1" anchor="t" anchorCtr="0" compatLnSpc="1">
+            <a:prstTxWarp prst="textNoShape">
+              <a:avLst/>
+            </a:prstTxWarp>
+          </a:bodyPr>
+          <a:lstStyle/>
+          <a:p>
+            <a:endParaRPr lang="en-US" sz="2400" dirty="0"/>
+          </a:p>
+        </p:txBody>
+      </p:sp>
+      <p:sp>
+        <p:nvSpPr>
+          <p:cNvPr id="14" name="Rectangle 13"/>
+          <p:cNvSpPr/>
+          <p:nvPr/>
+        </p:nvSpPr>
+        <p:spPr>
+          <a:xfrm>
+            <a:off x="3276600" y="38475"/>
+            <a:ext cx="5715000" cy="400110"/>
+          </a:xfrm>
+          <a:prstGeom prst="rect">
+            <a:avLst/>
+          </a:prstGeom>
+        </p:spPr>
+        <p:style>
+          <a:lnRef idx="1">
+            <a:schemeClr val="accent4"/>
+          </a:lnRef>
+          <a:fillRef idx="3">
+            <a:schemeClr val="accent4"/>
+          </a:fillRef>
+          <a:effectRef idx="2">
+            <a:schemeClr val="accent4"/>
+          </a:effectRef>
+          <a:fontRef idx="minor">
+            <a:schemeClr val="lt1"/>
+          </a:fontRef>
+        </p:style>
+        <p:txBody>
+          <a:bodyPr wrap="square">
+            <a:spAutoFit/>
+          </a:bodyPr>
+          <a:lstStyle>
+            <a:defPPr>
+              <a:defRPr lang="en-US"/>
+            </a:defPPr>
+            <a:lvl1pPr marL="0" algn="l" defTabSz="914400" rtl="0" eaLnBrk="1" latinLnBrk="0" hangingPunct="1">
+              <a:defRPr sz="1800" kern="1200">
+                <a:solidFill>
+                  <a:schemeClr val="lt1"/>
+                </a:solidFill>
+                <a:latin typeface="+mn-lt"/>
+                <a:ea typeface="+mn-ea"/>
+                <a:cs typeface="+mn-cs"/>
+              </a:defRPr>
+            </a:lvl1pPr>
+            <a:lvl2pPr marL="457200" algn="l" defTabSz="914400" rtl="0" eaLnBrk="1" latinLnBrk="0" hangingPunct="1">
+              <a:defRPr sz="1800" kern="1200">
+                <a:solidFill>
+                  <a:schemeClr val="lt1"/>
+                </a:solidFill>
+                <a:latin typeface="+mn-lt"/>
+                <a:ea typeface="+mn-ea"/>
+                <a:cs typeface="+mn-cs"/>
+              </a:defRPr>
+            </a:lvl2pPr>
+            <a:lvl3pPr marL="914400" algn="l" defTabSz="914400" rtl="0" eaLnBrk="1" latinLnBrk="0" hangingPunct="1">
+              <a:defRPr sz="1800" kern="1200">
+                <a:solidFill>
+                  <a:schemeClr val="lt1"/>
+                </a:solidFill>
+                <a:latin typeface="+mn-lt"/>
+                <a:ea typeface="+mn-ea"/>
+                <a:cs typeface="+mn-cs"/>
+              </a:defRPr>
+            </a:lvl3pPr>
+            <a:lvl4pPr marL="1371600" algn="l" defTabSz="914400" rtl="0" eaLnBrk="1" latinLnBrk="0" hangingPunct="1">
+              <a:defRPr sz="1800" kern="1200">
+                <a:solidFill>
+                  <a:schemeClr val="lt1"/>
+                </a:solidFill>
+                <a:latin typeface="+mn-lt"/>
+                <a:ea typeface="+mn-ea"/>
+                <a:cs typeface="+mn-cs"/>
+              </a:defRPr>
+            </a:lvl4pPr>
+            <a:lvl5pPr marL="1828800" algn="l" defTabSz="914400" rtl="0" eaLnBrk="1" latinLnBrk="0" hangingPunct="1">
+              <a:defRPr sz="1800" kern="1200">
+                <a:solidFill>
+                  <a:schemeClr val="lt1"/>
+                </a:solidFill>
+                <a:latin typeface="+mn-lt"/>
+                <a:ea typeface="+mn-ea"/>
+                <a:cs typeface="+mn-cs"/>
+              </a:defRPr>
+            </a:lvl5pPr>
+            <a:lvl6pPr marL="2286000" algn="l" defTabSz="914400" rtl="0" eaLnBrk="1" latinLnBrk="0" hangingPunct="1">
+              <a:defRPr sz="1800" kern="1200">
+                <a:solidFill>
+                  <a:schemeClr val="lt1"/>
+                </a:solidFill>
+                <a:latin typeface="+mn-lt"/>
+                <a:ea typeface="+mn-ea"/>
+                <a:cs typeface="+mn-cs"/>
+              </a:defRPr>
+            </a:lvl6pPr>
+            <a:lvl7pPr marL="2743200" algn="l" defTabSz="914400" rtl="0" eaLnBrk="1" latinLnBrk="0" hangingPunct="1">
+              <a:defRPr sz="1800" kern="1200">
+                <a:solidFill>
+                  <a:schemeClr val="lt1"/>
+                </a:solidFill>
+                <a:latin typeface="+mn-lt"/>
+                <a:ea typeface="+mn-ea"/>
+                <a:cs typeface="+mn-cs"/>
+              </a:defRPr>
+            </a:lvl7pPr>
+            <a:lvl8pPr marL="3200400" algn="l" defTabSz="914400" rtl="0" eaLnBrk="1" latinLnBrk="0" hangingPunct="1">
+              <a:defRPr sz="1800" kern="1200">
+                <a:solidFill>
+                  <a:schemeClr val="lt1"/>
+                </a:solidFill>
+                <a:latin typeface="+mn-lt"/>
+                <a:ea typeface="+mn-ea"/>
+                <a:cs typeface="+mn-cs"/>
+              </a:defRPr>
+            </a:lvl8pPr>
+            <a:lvl9pPr marL="3657600" algn="l" defTabSz="914400" rtl="0" eaLnBrk="1" latinLnBrk="0" hangingPunct="1">
+              <a:defRPr sz="1800" kern="1200">
+                <a:solidFill>
+                  <a:schemeClr val="lt1"/>
+                </a:solidFill>
+                <a:latin typeface="+mn-lt"/>
+                <a:ea typeface="+mn-ea"/>
+                <a:cs typeface="+mn-cs"/>
+              </a:defRPr>
+            </a:lvl9pPr>
+          </a:lstStyle>
+          <a:p>
+            <a:pPr algn="ctr"/>
+            <a:r>
+              <a:rPr lang="en-US" sz="2000" dirty="0"/>
+              <a:t>Implementing Get User Details Web Service Endpoint</a:t>
+            </a:r>
+          </a:p>
+        </p:txBody>
+      </p:sp>
+      <p:pic>
+        <p:nvPicPr>
+          <p:cNvPr id="7" name="Picture 6">
+            <a:extLst>
+              <a:ext uri="{FF2B5EF4-FFF2-40B4-BE49-F238E27FC236}">
+                <a16:creationId xmlns:a16="http://schemas.microsoft.com/office/drawing/2014/main" id="{B3820F3A-6EEA-4419-89D4-E3ED9177F799}"/>
+              </a:ext>
+            </a:extLst>
+          </p:cNvPr>
+          <p:cNvPicPr>
+            <a:picLocks noChangeAspect="1"/>
+          </p:cNvPicPr>
+          <p:nvPr/>
+        </p:nvPicPr>
+        <p:blipFill>
+          <a:blip r:embed="rId3"/>
+          <a:stretch>
+            <a:fillRect/>
+          </a:stretch>
+        </p:blipFill>
+        <p:spPr>
+          <a:xfrm>
+            <a:off x="810409" y="2438400"/>
+            <a:ext cx="10563329" cy="2286000"/>
+          </a:xfrm>
+          <a:prstGeom prst="rect">
+            <a:avLst/>
+          </a:prstGeom>
+        </p:spPr>
+        <p:style>
+          <a:lnRef idx="1">
+            <a:schemeClr val="accent5"/>
+          </a:lnRef>
+          <a:fillRef idx="2">
+            <a:schemeClr val="accent5"/>
+          </a:fillRef>
+          <a:effectRef idx="1">
+            <a:schemeClr val="accent5"/>
+          </a:effectRef>
+          <a:fontRef idx="minor">
+            <a:schemeClr val="dk1"/>
+          </a:fontRef>
+        </p:style>
+      </p:pic>
+    </p:spTree>
+    <p:extLst>
+      <p:ext uri="{BB962C8B-B14F-4D97-AF65-F5344CB8AC3E}">
+        <p14:creationId xmlns:p14="http://schemas.microsoft.com/office/powerpoint/2010/main" val="1914175151"/>
+      </p:ext>
+    </p:extLst>
+  </p:cSld>
+  <p:clrMapOvr>
+    <a:masterClrMapping/>
+  </p:clrMapOvr>
+</p:sld>
+</file>
+
+<file path=ppt/slides/slide13.xml><?xml version="1.0" encoding="utf-8"?>
+<p:sld xmlns:a="http://schemas.openxmlformats.org/drawingml/2006/main" xmlns:r="http://schemas.openxmlformats.org/officeDocument/2006/relationships" xmlns:p="http://schemas.openxmlformats.org/presentationml/2006/main">
+  <p:cSld>
+    <p:spTree>
+      <p:nvGrpSpPr>
+        <p:cNvPr id="1" name=""/>
+        <p:cNvGrpSpPr/>
+        <p:nvPr/>
+      </p:nvGrpSpPr>
+      <p:grpSpPr>
+        <a:xfrm>
+          <a:off x="0" y="0"/>
+          <a:ext cx="0" cy="0"/>
+          <a:chOff x="0" y="0"/>
+          <a:chExt cx="0" cy="0"/>
+        </a:xfrm>
+      </p:grpSpPr>
+      <p:sp>
+        <p:nvSpPr>
+          <p:cNvPr id="3" name="AutoShape 2" descr="data:image/png;base64,iVBORw0KGgoAAAANSUhEUgAAANEAAADxCAMAAABiSKLrAAAAbFBMVEWIiIj////6+vr29vb19fX4+Pj5+fnu7u77+/v39/f9/f3z8/P+/v709PT8/Pyqqqrt7e3v7+/w8PDx8fHy8vK+vr7Q0NCjo6OBgYHY2Njk5OTHx8eNjY3c3NzGxsbn5+eWlpa1tbWcnJx6enob4+f+AAAIqklEQVR4nO3dCZuaOhQGYEZAh0FkX2W1//8/lkVMICeIkRmOPHz22lYg5OVEZLFzJRNrnC+xSGt3nJvQekMUYktnEiM1ouDrjCs/pukLkzoRtpjmNRcloRUFoiS8oo5UvLwsYpEgCaXoHLYiMRJqkRAJt0iEhFwkQMIqCgJRElpRLErCL3r1oxavSJSEWCRIQikyOtGQNPd8CaXICc04FiXhFomQkIsESChFbmhmwiT0opf3eBivMzSjLuORnh49oKxRKxIloayR24oESShFRScSI6EUJaGZCJNwiwhp/skFcpFAlbCLXiehF71MQisSJiEVVYkwqRP9oEpXI1HSXXRuWjo/2jz3f3v8YfjS7871lbU1EiT1IjrAKrvX/2iurzisijkk8OQC5ah7iERIyEUCJOyi10noRU9J490DUpFPRAApniJhFVnzSaOdOF6RKAmlKGhFgiTMohdIyYeIhEh30aV99E9NLo8VXLqn++Q/mIuIREid6DJsv32s91Ityi1hEtJRl5+ESX2NMKUR2ZYoCbNIjIRV5FiiJIyicx7mriVEKnCKfvxadBIloRQ1NTqJkcICpcgPr7rjOPYJZnFNbZVwikw/YHNlXmDi4xW9kU70jSnNqOu/xL4R0aWg3yNMgNHWp0I66i7Dy5PsdXFuApw1Eg8RndfuykLZa4Q/512EPrsIfzYtOmwje43wh4h+1u7KQvm5bk601wh9NlijXYQ+uwh/HqLrZkTXh+h4PDQP8lQ/PvAlSrT2xl0oRHQ5biOXXYQ+uwh/dhH+7CL82bRI3Ua2XKPvtTfuQvneReizi/BnF+HPLsKfTYu0bYQWsd5PfImIDmtv3IVy2EXos4vwZxfhzy7CH0okbyO7CH+2/D46rr1xF8pxF6HPLsKfXYQ/uwh/KJGyjWxatPZwWShEpK69cReKuovQZxfhzy7Cn12EP0SkGduItmHRzFF3P3r63ZHzTl4YdYqsHg/e/YdF2e7xcFRVrba109gMFp2evGhmjzpFVZLcvJVpl7K8hWaVB1liNVNdJh7VZ4Wd7P4aaa5I866lFEnDRHWksC5eVgtH8VWy8PHGTE5V/rr+QqSocTnm9CpTM+SMmRhVVJcPKbPYv5VFcs7x1F3P1eeikl1sXZHGB0lRLH+eSI75ICk6KZ8nctkOkaQN+cNEWjBRIimU0YpkHY4hmxOgqNIMHRaRJo6giLO+dyM/F1nsvpfqWVAv92Eihe0u3bNE+TgR/FkURfWhUHPMIBsguh6N0yKNs7o/EGkVIEpj+XA8fltJ0GzqDxMdQwBka+2gqQ/p9FYkpaNIiEXuje3OddQfg738rFCTcYmME9sdKXntbY1MBOy802JrotJ6bSUiInLia7y2+aZEbXuyxXbn5vXXGQazDs+6xUWGoql2kXU/DDrOssLWNFmZ65oQufeflwvU6PHDdO8ki/0xu/Rb7RVRvZNJgupW7y3bU+T6JLnej97MPLNUhbPIbJEV9U2y/eknHds5lfhfNMo/sb23oRX5LQXWGUmpGdtz3nxEpOiep7eP+5MFUEZJj+0SCnsCVX/CkrZUQFRvQG+8RkNOzHTi5LL0rW6x8YL0bwolGtdolqir0fQxAyQCNrdsVczFmdFS6fXp+4kSecPMEqntrAYkkklTYI288frkYKI+j+XCYtzRUdCIdMV/7mkWTDNmY6AU6bo5C9QknqwSEpFuzAdJUjZFQiJSoFMWfhIDu0ievDjD5ubquEV6AjVet3krU3B/Hvn8cYdDBJxUSlKVaJqmWvENMiXcImEQKcCYi26W1nZaN9SAXXFkcos0JZpxXLeICDpLDnVSBDkDusAtEhGN72p5J78LcMbn9+nudemgiDSlASLF66cC20NKbZ3qCnAnIfKp9gcxiIjVPj8/8mbVCBY9VsNes42C4YgBrgyUJ06NpkRdCuD8yB418pYIOkl2hyuQ2SOkKOMMO4M76vrBB4sG84Cjjrr5Cooeo4TdLwyGbLsC4IKgD93dHY66lUQye7gQxfqgfdcDhr7JeSOtLoL2dOn4KEdX2E+s0hp24j3RaUERsPnLLBmlYPceaYJVBB0Bja85p8ANn3rXgFX02kEqaSGAeywoGs7zjghYdqYoxyp68USCtMDZfX+wqHomav53fkBcWDSYx4NEBpkuAyLj3oSwSDIVsMM6ETVAp/3V/KG2tP/xRPRccI1IW7Comyr8PupE9052bbW/0yLHpX/1T1wRmQuskULa4oqcd/Z1pjLu6li0zqgDP49m5fmo+2NR3z50zFBYczLsBB6Rxx6y8Q5wRoE7LCaylhM5BnTs7cGdmZP1RZzdygeLXOjW9fg94jYXUnjjbBHRcJ5nImVKBA67fFgkL/HzIE4KRW7vM0/i/kQ0WSPHg75KldHdqc+h7pfZ0jKs/GuDM3hvNSLizSEqoroE1Yia7ELf00kIWS/o09z+EmLA6bC3hMh9TwRskDq51x47e4Zzhc73Qt64wyByPOjmUVT6cZZkcQV+0zxNflX05qgD36tSe3MilcCr1FLEe9sPRDYYjmgwD1wjMl1hm4h0ugF43PETVd6wB3RbKES2Pu+2cr9waHFBWESO+8JtyxrkckFYRDa8dxAAoRHNH3hRNTHkUIlsY9Z3TqR6LzcFokScSsKi4TzPRMYske0VT78XJJkJZ8uTzojV6FdEtmNkE9/diqLUzJTpAtmzalQyF6FvI5ETA9+OpraQwTYhwRvQMYqryX6sNn8vq8AynnqoGuXuCY7N/vMR3R7N47DzePR04J+gjJt4rM7V3SzwzbC8FzYtb2Z1jQtDd3nLDOLmD1E9v90++qfT4Lfh5N+cq/508shXb5st6Ll1cWa2RYu2EUo0p6QfkF2EP7sIf3YR/hCRs3ZXFoqzYdEGR92su1D4Q486yzq1D/L0iS85W67R2l1ZKLsIfzYs4l05+bg8rpxU/lZS3UXbyvZE/wFXu+LXNTDaDQAAAABJRU5ErkJggg=="/>
+          <p:cNvSpPr>
+            <a:spLocks noChangeAspect="1" noChangeArrowheads="1"/>
+          </p:cNvSpPr>
+          <p:nvPr/>
+        </p:nvSpPr>
+        <p:spPr bwMode="auto">
+          <a:xfrm>
+            <a:off x="207436" y="-116412"/>
+            <a:ext cx="406400" cy="406402"/>
+          </a:xfrm>
+          <a:prstGeom prst="rect">
+            <a:avLst/>
+          </a:prstGeom>
+          <a:noFill/>
+          <a:extLst>
+            <a:ext uri="{909E8E84-426E-40DD-AFC4-6F175D3DCCD1}">
+              <a14:hiddenFill xmlns:a14="http://schemas.microsoft.com/office/drawing/2010/main">
+                <a:solidFill>
+                  <a:srgbClr val="FFFFFF"/>
+                </a:solidFill>
+              </a14:hiddenFill>
+            </a:ext>
+          </a:extLst>
+        </p:spPr>
+        <p:txBody>
+          <a:bodyPr vert="horz" wrap="square" lIns="121920" tIns="60960" rIns="121920" bIns="60960" numCol="1" anchor="t" anchorCtr="0" compatLnSpc="1">
+            <a:prstTxWarp prst="textNoShape">
+              <a:avLst/>
+            </a:prstTxWarp>
+          </a:bodyPr>
+          <a:lstStyle/>
+          <a:p>
+            <a:endParaRPr lang="en-US" sz="1600" dirty="0"/>
+          </a:p>
+        </p:txBody>
+      </p:sp>
+      <p:sp>
+        <p:nvSpPr>
+          <p:cNvPr id="2" name="AutoShape 2" descr="Image result for file"/>
+          <p:cNvSpPr>
+            <a:spLocks noChangeAspect="1" noChangeArrowheads="1"/>
+          </p:cNvSpPr>
+          <p:nvPr/>
+        </p:nvSpPr>
+        <p:spPr bwMode="auto">
+          <a:xfrm>
+            <a:off x="410635" y="86789"/>
+            <a:ext cx="406400" cy="406402"/>
+          </a:xfrm>
+          <a:prstGeom prst="rect">
+            <a:avLst/>
+          </a:prstGeom>
+          <a:noFill/>
+          <a:extLst>
+            <a:ext uri="{909E8E84-426E-40DD-AFC4-6F175D3DCCD1}">
+              <a14:hiddenFill xmlns:a14="http://schemas.microsoft.com/office/drawing/2010/main">
+                <a:solidFill>
+                  <a:srgbClr val="FFFFFF"/>
+                </a:solidFill>
+              </a14:hiddenFill>
+            </a:ext>
+          </a:extLst>
+        </p:spPr>
+        <p:txBody>
+          <a:bodyPr vert="horz" wrap="square" lIns="121920" tIns="60960" rIns="121920" bIns="60960" numCol="1" anchor="t" anchorCtr="0" compatLnSpc="1">
+            <a:prstTxWarp prst="textNoShape">
+              <a:avLst/>
+            </a:prstTxWarp>
+          </a:bodyPr>
+          <a:lstStyle/>
+          <a:p>
+            <a:endParaRPr lang="en-US" sz="2400" dirty="0"/>
+          </a:p>
+        </p:txBody>
+      </p:sp>
+      <p:sp>
+        <p:nvSpPr>
+          <p:cNvPr id="6" name="AutoShape 2" descr="Image result for activemq image"/>
+          <p:cNvSpPr>
+            <a:spLocks noChangeAspect="1" noChangeArrowheads="1"/>
+          </p:cNvSpPr>
+          <p:nvPr/>
+        </p:nvSpPr>
+        <p:spPr bwMode="auto">
+          <a:xfrm>
+            <a:off x="1020234" y="289990"/>
+            <a:ext cx="406400" cy="406402"/>
+          </a:xfrm>
+          <a:prstGeom prst="rect">
+            <a:avLst/>
+          </a:prstGeom>
+          <a:noFill/>
+          <a:extLst>
+            <a:ext uri="{909E8E84-426E-40DD-AFC4-6F175D3DCCD1}">
+              <a14:hiddenFill xmlns:a14="http://schemas.microsoft.com/office/drawing/2010/main">
+                <a:solidFill>
+                  <a:srgbClr val="FFFFFF"/>
+                </a:solidFill>
+              </a14:hiddenFill>
+            </a:ext>
+          </a:extLst>
+        </p:spPr>
+        <p:txBody>
+          <a:bodyPr vert="horz" wrap="square" lIns="121920" tIns="60960" rIns="121920" bIns="60960" numCol="1" anchor="t" anchorCtr="0" compatLnSpc="1">
+            <a:prstTxWarp prst="textNoShape">
+              <a:avLst/>
+            </a:prstTxWarp>
+          </a:bodyPr>
+          <a:lstStyle/>
+          <a:p>
+            <a:endParaRPr lang="en-US" sz="2400" dirty="0"/>
+          </a:p>
+        </p:txBody>
+      </p:sp>
+      <p:sp>
+        <p:nvSpPr>
+          <p:cNvPr id="14" name="Rectangle 13"/>
+          <p:cNvSpPr/>
+          <p:nvPr/>
+        </p:nvSpPr>
+        <p:spPr>
+          <a:xfrm>
+            <a:off x="3810000" y="38475"/>
+            <a:ext cx="4343400" cy="400110"/>
+          </a:xfrm>
+          <a:prstGeom prst="rect">
+            <a:avLst/>
+          </a:prstGeom>
+        </p:spPr>
+        <p:style>
+          <a:lnRef idx="1">
+            <a:schemeClr val="accent4"/>
+          </a:lnRef>
+          <a:fillRef idx="3">
+            <a:schemeClr val="accent4"/>
+          </a:fillRef>
+          <a:effectRef idx="2">
+            <a:schemeClr val="accent4"/>
+          </a:effectRef>
+          <a:fontRef idx="minor">
+            <a:schemeClr val="lt1"/>
+          </a:fontRef>
+        </p:style>
+        <p:txBody>
+          <a:bodyPr wrap="square">
+            <a:spAutoFit/>
+          </a:bodyPr>
+          <a:lstStyle>
+            <a:defPPr>
+              <a:defRPr lang="en-US"/>
+            </a:defPPr>
+            <a:lvl1pPr marL="0" algn="l" defTabSz="914400" rtl="0" eaLnBrk="1" latinLnBrk="0" hangingPunct="1">
+              <a:defRPr sz="1800" kern="1200">
+                <a:solidFill>
+                  <a:schemeClr val="lt1"/>
+                </a:solidFill>
+                <a:latin typeface="+mn-lt"/>
+                <a:ea typeface="+mn-ea"/>
+                <a:cs typeface="+mn-cs"/>
+              </a:defRPr>
+            </a:lvl1pPr>
+            <a:lvl2pPr marL="457200" algn="l" defTabSz="914400" rtl="0" eaLnBrk="1" latinLnBrk="0" hangingPunct="1">
+              <a:defRPr sz="1800" kern="1200">
+                <a:solidFill>
+                  <a:schemeClr val="lt1"/>
+                </a:solidFill>
+                <a:latin typeface="+mn-lt"/>
+                <a:ea typeface="+mn-ea"/>
+                <a:cs typeface="+mn-cs"/>
+              </a:defRPr>
+            </a:lvl2pPr>
+            <a:lvl3pPr marL="914400" algn="l" defTabSz="914400" rtl="0" eaLnBrk="1" latinLnBrk="0" hangingPunct="1">
+              <a:defRPr sz="1800" kern="1200">
+                <a:solidFill>
+                  <a:schemeClr val="lt1"/>
+                </a:solidFill>
+                <a:latin typeface="+mn-lt"/>
+                <a:ea typeface="+mn-ea"/>
+                <a:cs typeface="+mn-cs"/>
+              </a:defRPr>
+            </a:lvl3pPr>
+            <a:lvl4pPr marL="1371600" algn="l" defTabSz="914400" rtl="0" eaLnBrk="1" latinLnBrk="0" hangingPunct="1">
+              <a:defRPr sz="1800" kern="1200">
+                <a:solidFill>
+                  <a:schemeClr val="lt1"/>
+                </a:solidFill>
+                <a:latin typeface="+mn-lt"/>
+                <a:ea typeface="+mn-ea"/>
+                <a:cs typeface="+mn-cs"/>
+              </a:defRPr>
+            </a:lvl4pPr>
+            <a:lvl5pPr marL="1828800" algn="l" defTabSz="914400" rtl="0" eaLnBrk="1" latinLnBrk="0" hangingPunct="1">
+              <a:defRPr sz="1800" kern="1200">
+                <a:solidFill>
+                  <a:schemeClr val="lt1"/>
+                </a:solidFill>
+                <a:latin typeface="+mn-lt"/>
+                <a:ea typeface="+mn-ea"/>
+                <a:cs typeface="+mn-cs"/>
+              </a:defRPr>
+            </a:lvl5pPr>
+            <a:lvl6pPr marL="2286000" algn="l" defTabSz="914400" rtl="0" eaLnBrk="1" latinLnBrk="0" hangingPunct="1">
+              <a:defRPr sz="1800" kern="1200">
+                <a:solidFill>
+                  <a:schemeClr val="lt1"/>
+                </a:solidFill>
+                <a:latin typeface="+mn-lt"/>
+                <a:ea typeface="+mn-ea"/>
+                <a:cs typeface="+mn-cs"/>
+              </a:defRPr>
+            </a:lvl6pPr>
+            <a:lvl7pPr marL="2743200" algn="l" defTabSz="914400" rtl="0" eaLnBrk="1" latinLnBrk="0" hangingPunct="1">
+              <a:defRPr sz="1800" kern="1200">
+                <a:solidFill>
+                  <a:schemeClr val="lt1"/>
+                </a:solidFill>
+                <a:latin typeface="+mn-lt"/>
+                <a:ea typeface="+mn-ea"/>
+                <a:cs typeface="+mn-cs"/>
+              </a:defRPr>
+            </a:lvl7pPr>
+            <a:lvl8pPr marL="3200400" algn="l" defTabSz="914400" rtl="0" eaLnBrk="1" latinLnBrk="0" hangingPunct="1">
+              <a:defRPr sz="1800" kern="1200">
+                <a:solidFill>
+                  <a:schemeClr val="lt1"/>
+                </a:solidFill>
+                <a:latin typeface="+mn-lt"/>
+                <a:ea typeface="+mn-ea"/>
+                <a:cs typeface="+mn-cs"/>
+              </a:defRPr>
+            </a:lvl8pPr>
+            <a:lvl9pPr marL="3657600" algn="l" defTabSz="914400" rtl="0" eaLnBrk="1" latinLnBrk="0" hangingPunct="1">
+              <a:defRPr sz="1800" kern="1200">
+                <a:solidFill>
+                  <a:schemeClr val="lt1"/>
+                </a:solidFill>
+                <a:latin typeface="+mn-lt"/>
+                <a:ea typeface="+mn-ea"/>
+                <a:cs typeface="+mn-cs"/>
+              </a:defRPr>
+            </a:lvl9pPr>
+          </a:lstStyle>
+          <a:p>
+            <a:pPr algn="ctr"/>
+            <a:r>
+              <a:rPr lang="en-US" sz="2000" dirty="0"/>
+              <a:t>Adding XML Support &amp; JSON Support</a:t>
+            </a:r>
+          </a:p>
+        </p:txBody>
+      </p:sp>
+      <p:pic>
+        <p:nvPicPr>
+          <p:cNvPr id="4" name="Picture 3">
+            <a:extLst>
+              <a:ext uri="{FF2B5EF4-FFF2-40B4-BE49-F238E27FC236}">
+                <a16:creationId xmlns:a16="http://schemas.microsoft.com/office/drawing/2014/main" id="{1F20453D-5BE3-40F3-A769-7A5098D32CB4}"/>
+              </a:ext>
+            </a:extLst>
+          </p:cNvPr>
+          <p:cNvPicPr>
+            <a:picLocks noChangeAspect="1"/>
+          </p:cNvPicPr>
+          <p:nvPr/>
+        </p:nvPicPr>
+        <p:blipFill>
+          <a:blip r:embed="rId3"/>
+          <a:stretch>
+            <a:fillRect/>
+          </a:stretch>
+        </p:blipFill>
+        <p:spPr>
+          <a:xfrm>
+            <a:off x="1818136" y="2421686"/>
+            <a:ext cx="8327128" cy="2014627"/>
+          </a:xfrm>
+          <a:prstGeom prst="rect">
+            <a:avLst/>
+          </a:prstGeom>
+        </p:spPr>
+        <p:style>
+          <a:lnRef idx="2">
+            <a:schemeClr val="accent4"/>
+          </a:lnRef>
+          <a:fillRef idx="1">
+            <a:schemeClr val="lt1"/>
+          </a:fillRef>
+          <a:effectRef idx="0">
+            <a:schemeClr val="accent4"/>
+          </a:effectRef>
+          <a:fontRef idx="minor">
+            <a:schemeClr val="dk1"/>
+          </a:fontRef>
+        </p:style>
+      </p:pic>
+    </p:spTree>
+    <p:extLst>
+      <p:ext uri="{BB962C8B-B14F-4D97-AF65-F5344CB8AC3E}">
+        <p14:creationId xmlns:p14="http://schemas.microsoft.com/office/powerpoint/2010/main" val="2716358725"/>
+      </p:ext>
+    </p:extLst>
+  </p:cSld>
+  <p:clrMapOvr>
+    <a:masterClrMapping/>
+  </p:clrMapOvr>
+</p:sld>
+</file>
+
+<file path=ppt/slides/slide14.xml><?xml version="1.0" encoding="utf-8"?>
+<p:sld xmlns:a="http://schemas.openxmlformats.org/drawingml/2006/main" xmlns:r="http://schemas.openxmlformats.org/officeDocument/2006/relationships" xmlns:p="http://schemas.openxmlformats.org/presentationml/2006/main">
+  <p:cSld>
+    <p:spTree>
+      <p:nvGrpSpPr>
+        <p:cNvPr id="1" name=""/>
+        <p:cNvGrpSpPr/>
+        <p:nvPr/>
+      </p:nvGrpSpPr>
+      <p:grpSpPr>
+        <a:xfrm>
+          <a:off x="0" y="0"/>
+          <a:ext cx="0" cy="0"/>
+          <a:chOff x="0" y="0"/>
+          <a:chExt cx="0" cy="0"/>
+        </a:xfrm>
+      </p:grpSpPr>
+      <p:sp>
+        <p:nvSpPr>
+          <p:cNvPr id="3" name="AutoShape 2" descr="data:image/png;base64,iVBORw0KGgoAAAANSUhEUgAAANEAAADxCAMAAABiSKLrAAAAbFBMVEWIiIj////6+vr29vb19fX4+Pj5+fnu7u77+/v39/f9/f3z8/P+/v709PT8/Pyqqqrt7e3v7+/w8PDx8fHy8vK+vr7Q0NCjo6OBgYHY2Njk5OTHx8eNjY3c3NzGxsbn5+eWlpa1tbWcnJx6enob4+f+AAAIqklEQVR4nO3dCZuaOhQGYEZAh0FkX2W1//8/lkVMICeIkRmOPHz22lYg5OVEZLFzJRNrnC+xSGt3nJvQekMUYktnEiM1ouDrjCs/pukLkzoRtpjmNRcloRUFoiS8oo5UvLwsYpEgCaXoHLYiMRJqkRAJt0iEhFwkQMIqCgJRElpRLErCL3r1oxavSJSEWCRIQikyOtGQNPd8CaXICc04FiXhFomQkIsESChFbmhmwiT0opf3eBivMzSjLuORnh49oKxRKxIloayR24oESShFRScSI6EUJaGZCJNwiwhp/skFcpFAlbCLXiehF71MQisSJiEVVYkwqRP9oEpXI1HSXXRuWjo/2jz3f3v8YfjS7871lbU1EiT1IjrAKrvX/2iurzisijkk8OQC5ah7iERIyEUCJOyi10noRU9J490DUpFPRAApniJhFVnzSaOdOF6RKAmlKGhFgiTMohdIyYeIhEh30aV99E9NLo8VXLqn++Q/mIuIREid6DJsv32s91Ityi1hEtJRl5+ESX2NMKUR2ZYoCbNIjIRV5FiiJIyicx7mriVEKnCKfvxadBIloRQ1NTqJkcICpcgPr7rjOPYJZnFNbZVwikw/YHNlXmDi4xW9kU70jSnNqOu/xL4R0aWg3yNMgNHWp0I66i7Dy5PsdXFuApw1Eg8RndfuykLZa4Q/512EPrsIfzYtOmwje43wh4h+1u7KQvm5bk601wh9NlijXYQ+uwh/HqLrZkTXh+h4PDQP8lQ/PvAlSrT2xl0oRHQ5biOXXYQ+uwh/dhH+7CL82bRI3Ua2XKPvtTfuQvneReizi/BnF+HPLsKfTYu0bYQWsd5PfImIDmtv3IVy2EXos4vwZxfhzy7CH0okbyO7CH+2/D46rr1xF8pxF6HPLsKfXYQ/uwh/KJGyjWxatPZwWShEpK69cReKuovQZxfhzy7Cn12EP0SkGduItmHRzFF3P3r63ZHzTl4YdYqsHg/e/YdF2e7xcFRVrba109gMFp2evGhmjzpFVZLcvJVpl7K8hWaVB1liNVNdJh7VZ4Wd7P4aaa5I866lFEnDRHWksC5eVgtH8VWy8PHGTE5V/rr+QqSocTnm9CpTM+SMmRhVVJcPKbPYv5VFcs7x1F3P1eeikl1sXZHGB0lRLH+eSI75ICk6KZ8nctkOkaQN+cNEWjBRIimU0YpkHY4hmxOgqNIMHRaRJo6giLO+dyM/F1nsvpfqWVAv92Eihe0u3bNE+TgR/FkURfWhUHPMIBsguh6N0yKNs7o/EGkVIEpj+XA8fltJ0GzqDxMdQwBka+2gqQ/p9FYkpaNIiEXuje3OddQfg738rFCTcYmME9sdKXntbY1MBOy802JrotJ6bSUiInLia7y2+aZEbXuyxXbn5vXXGQazDs+6xUWGoql2kXU/DDrOssLWNFmZ65oQufeflwvU6PHDdO8ki/0xu/Rb7RVRvZNJgupW7y3bU+T6JLnej97MPLNUhbPIbJEV9U2y/eknHds5lfhfNMo/sb23oRX5LQXWGUmpGdtz3nxEpOiep7eP+5MFUEZJj+0SCnsCVX/CkrZUQFRvQG+8RkNOzHTi5LL0rW6x8YL0bwolGtdolqir0fQxAyQCNrdsVczFmdFS6fXp+4kSecPMEqntrAYkkklTYI288frkYKI+j+XCYtzRUdCIdMV/7mkWTDNmY6AU6bo5C9QknqwSEpFuzAdJUjZFQiJSoFMWfhIDu0ievDjD5ubquEV6AjVet3krU3B/Hvn8cYdDBJxUSlKVaJqmWvENMiXcImEQKcCYi26W1nZaN9SAXXFkcos0JZpxXLeICDpLDnVSBDkDusAtEhGN72p5J78LcMbn9+nudemgiDSlASLF66cC20NKbZ3qCnAnIfKp9gcxiIjVPj8/8mbVCBY9VsNes42C4YgBrgyUJ06NpkRdCuD8yB418pYIOkl2hyuQ2SOkKOMMO4M76vrBB4sG84Cjjrr5Cooeo4TdLwyGbLsC4IKgD93dHY66lUQye7gQxfqgfdcDhr7JeSOtLoL2dOn4KEdX2E+s0hp24j3RaUERsPnLLBmlYPceaYJVBB0Bja85p8ANn3rXgFX02kEqaSGAeywoGs7zjghYdqYoxyp68USCtMDZfX+wqHomav53fkBcWDSYx4NEBpkuAyLj3oSwSDIVsMM6ETVAp/3V/KG2tP/xRPRccI1IW7Comyr8PupE9052bbW/0yLHpX/1T1wRmQuskULa4oqcd/Z1pjLu6li0zqgDP49m5fmo+2NR3z50zFBYczLsBB6Rxx6y8Q5wRoE7LCaylhM5BnTs7cGdmZP1RZzdygeLXOjW9fg94jYXUnjjbBHRcJ5nImVKBA67fFgkL/HzIE4KRW7vM0/i/kQ0WSPHg75KldHdqc+h7pfZ0jKs/GuDM3hvNSLizSEqoroE1Yia7ELf00kIWS/o09z+EmLA6bC3hMh9TwRskDq51x47e4Zzhc73Qt64wyByPOjmUVT6cZZkcQV+0zxNflX05qgD36tSe3MilcCr1FLEe9sPRDYYjmgwD1wjMl1hm4h0ugF43PETVd6wB3RbKES2Pu+2cr9waHFBWESO+8JtyxrkckFYRDa8dxAAoRHNH3hRNTHkUIlsY9Z3TqR6LzcFokScSsKi4TzPRMYske0VT78XJJkJZ8uTzojV6FdEtmNkE9/diqLUzJTpAtmzalQyF6FvI5ETA9+OpraQwTYhwRvQMYqryX6sNn8vq8AynnqoGuXuCY7N/vMR3R7N47DzePR04J+gjJt4rM7V3SzwzbC8FzYtb2Z1jQtDd3nLDOLmD1E9v90++qfT4Lfh5N+cq/508shXb5st6Ll1cWa2RYu2EUo0p6QfkF2EP7sIf3YR/hCRs3ZXFoqzYdEGR92su1D4Q486yzq1D/L0iS85W67R2l1ZKLsIfzYs4l05+bg8rpxU/lZS3UXbyvZE/wFXu+LXNTDaDQAAAABJRU5ErkJggg=="/>
+          <p:cNvSpPr>
+            <a:spLocks noChangeAspect="1" noChangeArrowheads="1"/>
+          </p:cNvSpPr>
+          <p:nvPr/>
+        </p:nvSpPr>
+        <p:spPr bwMode="auto">
+          <a:xfrm>
+            <a:off x="207436" y="-116412"/>
+            <a:ext cx="406400" cy="406402"/>
+          </a:xfrm>
+          <a:prstGeom prst="rect">
+            <a:avLst/>
+          </a:prstGeom>
+          <a:noFill/>
+          <a:extLst>
+            <a:ext uri="{909E8E84-426E-40DD-AFC4-6F175D3DCCD1}">
+              <a14:hiddenFill xmlns:a14="http://schemas.microsoft.com/office/drawing/2010/main">
+                <a:solidFill>
+                  <a:srgbClr val="FFFFFF"/>
+                </a:solidFill>
+              </a14:hiddenFill>
+            </a:ext>
+          </a:extLst>
+        </p:spPr>
+        <p:txBody>
+          <a:bodyPr vert="horz" wrap="square" lIns="121920" tIns="60960" rIns="121920" bIns="60960" numCol="1" anchor="t" anchorCtr="0" compatLnSpc="1">
+            <a:prstTxWarp prst="textNoShape">
+              <a:avLst/>
+            </a:prstTxWarp>
+          </a:bodyPr>
+          <a:lstStyle/>
+          <a:p>
+            <a:endParaRPr lang="en-US" sz="1600" dirty="0"/>
+          </a:p>
+        </p:txBody>
+      </p:sp>
+      <p:sp>
+        <p:nvSpPr>
+          <p:cNvPr id="2" name="AutoShape 2" descr="Image result for file"/>
+          <p:cNvSpPr>
+            <a:spLocks noChangeAspect="1" noChangeArrowheads="1"/>
+          </p:cNvSpPr>
+          <p:nvPr/>
+        </p:nvSpPr>
+        <p:spPr bwMode="auto">
+          <a:xfrm>
+            <a:off x="410635" y="86789"/>
+            <a:ext cx="406400" cy="406402"/>
+          </a:xfrm>
+          <a:prstGeom prst="rect">
+            <a:avLst/>
+          </a:prstGeom>
+          <a:noFill/>
+          <a:extLst>
+            <a:ext uri="{909E8E84-426E-40DD-AFC4-6F175D3DCCD1}">
+              <a14:hiddenFill xmlns:a14="http://schemas.microsoft.com/office/drawing/2010/main">
+                <a:solidFill>
+                  <a:srgbClr val="FFFFFF"/>
+                </a:solidFill>
+              </a14:hiddenFill>
+            </a:ext>
+          </a:extLst>
+        </p:spPr>
+        <p:txBody>
+          <a:bodyPr vert="horz" wrap="square" lIns="121920" tIns="60960" rIns="121920" bIns="60960" numCol="1" anchor="t" anchorCtr="0" compatLnSpc="1">
+            <a:prstTxWarp prst="textNoShape">
+              <a:avLst/>
+            </a:prstTxWarp>
+          </a:bodyPr>
+          <a:lstStyle/>
+          <a:p>
+            <a:endParaRPr lang="en-US" sz="2400" dirty="0"/>
+          </a:p>
+        </p:txBody>
+      </p:sp>
+      <p:sp>
+        <p:nvSpPr>
+          <p:cNvPr id="6" name="AutoShape 2" descr="Image result for activemq image"/>
+          <p:cNvSpPr>
+            <a:spLocks noChangeAspect="1" noChangeArrowheads="1"/>
+          </p:cNvSpPr>
+          <p:nvPr/>
+        </p:nvSpPr>
+        <p:spPr bwMode="auto">
+          <a:xfrm>
+            <a:off x="1020234" y="289990"/>
+            <a:ext cx="406400" cy="406402"/>
+          </a:xfrm>
+          <a:prstGeom prst="rect">
+            <a:avLst/>
+          </a:prstGeom>
+          <a:noFill/>
+          <a:extLst>
+            <a:ext uri="{909E8E84-426E-40DD-AFC4-6F175D3DCCD1}">
+              <a14:hiddenFill xmlns:a14="http://schemas.microsoft.com/office/drawing/2010/main">
+                <a:solidFill>
+                  <a:srgbClr val="FFFFFF"/>
+                </a:solidFill>
+              </a14:hiddenFill>
+            </a:ext>
+          </a:extLst>
+        </p:spPr>
+        <p:txBody>
+          <a:bodyPr vert="horz" wrap="square" lIns="121920" tIns="60960" rIns="121920" bIns="60960" numCol="1" anchor="t" anchorCtr="0" compatLnSpc="1">
+            <a:prstTxWarp prst="textNoShape">
+              <a:avLst/>
+            </a:prstTxWarp>
+          </a:bodyPr>
+          <a:lstStyle/>
+          <a:p>
+            <a:endParaRPr lang="en-US" sz="2400" dirty="0"/>
+          </a:p>
+        </p:txBody>
+      </p:sp>
+      <p:sp>
+        <p:nvSpPr>
+          <p:cNvPr id="14" name="Rectangle 13"/>
+          <p:cNvSpPr/>
+          <p:nvPr/>
+        </p:nvSpPr>
+        <p:spPr>
+          <a:xfrm>
+            <a:off x="4191000" y="38475"/>
+            <a:ext cx="3657600" cy="400110"/>
+          </a:xfrm>
+          <a:prstGeom prst="rect">
+            <a:avLst/>
+          </a:prstGeom>
+        </p:spPr>
+        <p:style>
+          <a:lnRef idx="1">
+            <a:schemeClr val="accent4"/>
+          </a:lnRef>
+          <a:fillRef idx="3">
+            <a:schemeClr val="accent4"/>
+          </a:fillRef>
+          <a:effectRef idx="2">
+            <a:schemeClr val="accent4"/>
+          </a:effectRef>
+          <a:fontRef idx="minor">
+            <a:schemeClr val="lt1"/>
+          </a:fontRef>
+        </p:style>
+        <p:txBody>
+          <a:bodyPr wrap="square">
+            <a:spAutoFit/>
+          </a:bodyPr>
+          <a:lstStyle>
+            <a:defPPr>
+              <a:defRPr lang="en-US"/>
+            </a:defPPr>
+            <a:lvl1pPr marL="0" algn="l" defTabSz="914400" rtl="0" eaLnBrk="1" latinLnBrk="0" hangingPunct="1">
+              <a:defRPr sz="1800" kern="1200">
+                <a:solidFill>
+                  <a:schemeClr val="lt1"/>
+                </a:solidFill>
+                <a:latin typeface="+mn-lt"/>
+                <a:ea typeface="+mn-ea"/>
+                <a:cs typeface="+mn-cs"/>
+              </a:defRPr>
+            </a:lvl1pPr>
+            <a:lvl2pPr marL="457200" algn="l" defTabSz="914400" rtl="0" eaLnBrk="1" latinLnBrk="0" hangingPunct="1">
+              <a:defRPr sz="1800" kern="1200">
+                <a:solidFill>
+                  <a:schemeClr val="lt1"/>
+                </a:solidFill>
+                <a:latin typeface="+mn-lt"/>
+                <a:ea typeface="+mn-ea"/>
+                <a:cs typeface="+mn-cs"/>
+              </a:defRPr>
+            </a:lvl2pPr>
+            <a:lvl3pPr marL="914400" algn="l" defTabSz="914400" rtl="0" eaLnBrk="1" latinLnBrk="0" hangingPunct="1">
+              <a:defRPr sz="1800" kern="1200">
+                <a:solidFill>
+                  <a:schemeClr val="lt1"/>
+                </a:solidFill>
+                <a:latin typeface="+mn-lt"/>
+                <a:ea typeface="+mn-ea"/>
+                <a:cs typeface="+mn-cs"/>
+              </a:defRPr>
+            </a:lvl3pPr>
+            <a:lvl4pPr marL="1371600" algn="l" defTabSz="914400" rtl="0" eaLnBrk="1" latinLnBrk="0" hangingPunct="1">
+              <a:defRPr sz="1800" kern="1200">
+                <a:solidFill>
+                  <a:schemeClr val="lt1"/>
+                </a:solidFill>
+                <a:latin typeface="+mn-lt"/>
+                <a:ea typeface="+mn-ea"/>
+                <a:cs typeface="+mn-cs"/>
+              </a:defRPr>
+            </a:lvl4pPr>
+            <a:lvl5pPr marL="1828800" algn="l" defTabSz="914400" rtl="0" eaLnBrk="1" latinLnBrk="0" hangingPunct="1">
+              <a:defRPr sz="1800" kern="1200">
+                <a:solidFill>
+                  <a:schemeClr val="lt1"/>
+                </a:solidFill>
+                <a:latin typeface="+mn-lt"/>
+                <a:ea typeface="+mn-ea"/>
+                <a:cs typeface="+mn-cs"/>
+              </a:defRPr>
+            </a:lvl5pPr>
+            <a:lvl6pPr marL="2286000" algn="l" defTabSz="914400" rtl="0" eaLnBrk="1" latinLnBrk="0" hangingPunct="1">
+              <a:defRPr sz="1800" kern="1200">
+                <a:solidFill>
+                  <a:schemeClr val="lt1"/>
+                </a:solidFill>
+                <a:latin typeface="+mn-lt"/>
+                <a:ea typeface="+mn-ea"/>
+                <a:cs typeface="+mn-cs"/>
+              </a:defRPr>
+            </a:lvl6pPr>
+            <a:lvl7pPr marL="2743200" algn="l" defTabSz="914400" rtl="0" eaLnBrk="1" latinLnBrk="0" hangingPunct="1">
+              <a:defRPr sz="1800" kern="1200">
+                <a:solidFill>
+                  <a:schemeClr val="lt1"/>
+                </a:solidFill>
+                <a:latin typeface="+mn-lt"/>
+                <a:ea typeface="+mn-ea"/>
+                <a:cs typeface="+mn-cs"/>
+              </a:defRPr>
+            </a:lvl7pPr>
+            <a:lvl8pPr marL="3200400" algn="l" defTabSz="914400" rtl="0" eaLnBrk="1" latinLnBrk="0" hangingPunct="1">
+              <a:defRPr sz="1800" kern="1200">
+                <a:solidFill>
+                  <a:schemeClr val="lt1"/>
+                </a:solidFill>
+                <a:latin typeface="+mn-lt"/>
+                <a:ea typeface="+mn-ea"/>
+                <a:cs typeface="+mn-cs"/>
+              </a:defRPr>
+            </a:lvl8pPr>
+            <a:lvl9pPr marL="3657600" algn="l" defTabSz="914400" rtl="0" eaLnBrk="1" latinLnBrk="0" hangingPunct="1">
+              <a:defRPr sz="1800" kern="1200">
+                <a:solidFill>
+                  <a:schemeClr val="lt1"/>
+                </a:solidFill>
+                <a:latin typeface="+mn-lt"/>
+                <a:ea typeface="+mn-ea"/>
+                <a:cs typeface="+mn-cs"/>
+              </a:defRPr>
+            </a:lvl9pPr>
+          </a:lstStyle>
+          <a:p>
+            <a:pPr algn="ctr"/>
+            <a:r>
+              <a:rPr lang="en-US" sz="2000" dirty="0"/>
+              <a:t>Spring Security for User Sign-in</a:t>
+            </a:r>
+          </a:p>
+        </p:txBody>
+      </p:sp>
+    </p:spTree>
+    <p:extLst>
+      <p:ext uri="{BB962C8B-B14F-4D97-AF65-F5344CB8AC3E}">
+        <p14:creationId xmlns:p14="http://schemas.microsoft.com/office/powerpoint/2010/main" val="2122783915"/>
+      </p:ext>
+    </p:extLst>
+  </p:cSld>
+  <p:clrMapOvr>
+    <a:masterClrMapping/>
+  </p:clrMapOvr>
+</p:sld>
+</file>
+
+<file path=ppt/slides/slide15.xml><?xml version="1.0" encoding="utf-8"?>
+<p:sld xmlns:a="http://schemas.openxmlformats.org/drawingml/2006/main" xmlns:r="http://schemas.openxmlformats.org/officeDocument/2006/relationships" xmlns:p="http://schemas.openxmlformats.org/presentationml/2006/main">
+  <p:cSld>
+    <p:spTree>
+      <p:nvGrpSpPr>
+        <p:cNvPr id="1" name=""/>
+        <p:cNvGrpSpPr/>
+        <p:nvPr/>
+      </p:nvGrpSpPr>
+      <p:grpSpPr>
+        <a:xfrm>
+          <a:off x="0" y="0"/>
+          <a:ext cx="0" cy="0"/>
+          <a:chOff x="0" y="0"/>
+          <a:chExt cx="0" cy="0"/>
+        </a:xfrm>
+      </p:grpSpPr>
+      <p:sp>
+        <p:nvSpPr>
+          <p:cNvPr id="3" name="AutoShape 2" descr="data:image/png;base64,iVBORw0KGgoAAAANSUhEUgAAANEAAADxCAMAAABiSKLrAAAAbFBMVEWIiIj////6+vr29vb19fX4+Pj5+fnu7u77+/v39/f9/f3z8/P+/v709PT8/Pyqqqrt7e3v7+/w8PDx8fHy8vK+vr7Q0NCjo6OBgYHY2Njk5OTHx8eNjY3c3NzGxsbn5+eWlpa1tbWcnJx6enob4+f+AAAIqklEQVR4nO3dCZuaOhQGYEZAh0FkX2W1//8/lkVMICeIkRmOPHz22lYg5OVEZLFzJRNrnC+xSGt3nJvQekMUYktnEiM1ouDrjCs/pukLkzoRtpjmNRcloRUFoiS8oo5UvLwsYpEgCaXoHLYiMRJqkRAJt0iEhFwkQMIqCgJRElpRLErCL3r1oxavSJSEWCRIQikyOtGQNPd8CaXICc04FiXhFomQkIsESChFbmhmwiT0opf3eBivMzSjLuORnh49oKxRKxIloayR24oESShFRScSI6EUJaGZCJNwiwhp/skFcpFAlbCLXiehF71MQisSJiEVVYkwqRP9oEpXI1HSXXRuWjo/2jz3f3v8YfjS7871lbU1EiT1IjrAKrvX/2iurzisijkk8OQC5ah7iERIyEUCJOyi10noRU9J490DUpFPRAApniJhFVnzSaOdOF6RKAmlKGhFgiTMohdIyYeIhEh30aV99E9NLo8VXLqn++Q/mIuIREid6DJsv32s91Ityi1hEtJRl5+ESX2NMKUR2ZYoCbNIjIRV5FiiJIyicx7mriVEKnCKfvxadBIloRQ1NTqJkcICpcgPr7rjOPYJZnFNbZVwikw/YHNlXmDi4xW9kU70jSnNqOu/xL4R0aWg3yNMgNHWp0I66i7Dy5PsdXFuApw1Eg8RndfuykLZa4Q/512EPrsIfzYtOmwje43wh4h+1u7KQvm5bk601wh9NlijXYQ+uwh/HqLrZkTXh+h4PDQP8lQ/PvAlSrT2xl0oRHQ5biOXXYQ+uwh/dhH+7CL82bRI3Ua2XKPvtTfuQvneReizi/BnF+HPLsKfTYu0bYQWsd5PfImIDmtv3IVy2EXos4vwZxfhzy7CH0okbyO7CH+2/D46rr1xF8pxF6HPLsKfXYQ/uwh/KJGyjWxatPZwWShEpK69cReKuovQZxfhzy7Cn12EP0SkGduItmHRzFF3P3r63ZHzTl4YdYqsHg/e/YdF2e7xcFRVrba109gMFp2evGhmjzpFVZLcvJVpl7K8hWaVB1liNVNdJh7VZ4Wd7P4aaa5I866lFEnDRHWksC5eVgtH8VWy8PHGTE5V/rr+QqSocTnm9CpTM+SMmRhVVJcPKbPYv5VFcs7x1F3P1eeikl1sXZHGB0lRLH+eSI75ICk6KZ8nctkOkaQN+cNEWjBRIimU0YpkHY4hmxOgqNIMHRaRJo6giLO+dyM/F1nsvpfqWVAv92Eihe0u3bNE+TgR/FkURfWhUHPMIBsguh6N0yKNs7o/EGkVIEpj+XA8fltJ0GzqDxMdQwBka+2gqQ/p9FYkpaNIiEXuje3OddQfg738rFCTcYmME9sdKXntbY1MBOy802JrotJ6bSUiInLia7y2+aZEbXuyxXbn5vXXGQazDs+6xUWGoql2kXU/DDrOssLWNFmZ65oQufeflwvU6PHDdO8ki/0xu/Rb7RVRvZNJgupW7y3bU+T6JLnej97MPLNUhbPIbJEV9U2y/eknHds5lfhfNMo/sb23oRX5LQXWGUmpGdtz3nxEpOiep7eP+5MFUEZJj+0SCnsCVX/CkrZUQFRvQG+8RkNOzHTi5LL0rW6x8YL0bwolGtdolqir0fQxAyQCNrdsVczFmdFS6fXp+4kSecPMEqntrAYkkklTYI288frkYKI+j+XCYtzRUdCIdMV/7mkWTDNmY6AU6bo5C9QknqwSEpFuzAdJUjZFQiJSoFMWfhIDu0ievDjD5ubquEV6AjVet3krU3B/Hvn8cYdDBJxUSlKVaJqmWvENMiXcImEQKcCYi26W1nZaN9SAXXFkcos0JZpxXLeICDpLDnVSBDkDusAtEhGN72p5J78LcMbn9+nudemgiDSlASLF66cC20NKbZ3qCnAnIfKp9gcxiIjVPj8/8mbVCBY9VsNes42C4YgBrgyUJ06NpkRdCuD8yB418pYIOkl2hyuQ2SOkKOMMO4M76vrBB4sG84Cjjrr5Cooeo4TdLwyGbLsC4IKgD93dHY66lUQye7gQxfqgfdcDhr7JeSOtLoL2dOn4KEdX2E+s0hp24j3RaUERsPnLLBmlYPceaYJVBB0Bja85p8ANn3rXgFX02kEqaSGAeywoGs7zjghYdqYoxyp68USCtMDZfX+wqHomav53fkBcWDSYx4NEBpkuAyLj3oSwSDIVsMM6ETVAp/3V/KG2tP/xRPRccI1IW7Comyr8PupE9052bbW/0yLHpX/1T1wRmQuskULa4oqcd/Z1pjLu6li0zqgDP49m5fmo+2NR3z50zFBYczLsBB6Rxx6y8Q5wRoE7LCaylhM5BnTs7cGdmZP1RZzdygeLXOjW9fg94jYXUnjjbBHRcJ5nImVKBA67fFgkL/HzIE4KRW7vM0/i/kQ0WSPHg75KldHdqc+h7pfZ0jKs/GuDM3hvNSLizSEqoroE1Yia7ELf00kIWS/o09z+EmLA6bC3hMh9TwRskDq51x47e4Zzhc73Qt64wyByPOjmUVT6cZZkcQV+0zxNflX05qgD36tSe3MilcCr1FLEe9sPRDYYjmgwD1wjMl1hm4h0ugF43PETVd6wB3RbKES2Pu+2cr9waHFBWESO+8JtyxrkckFYRDa8dxAAoRHNH3hRNTHkUIlsY9Z3TqR6LzcFokScSsKi4TzPRMYske0VT78XJJkJZ8uTzojV6FdEtmNkE9/diqLUzJTpAtmzalQyF6FvI5ETA9+OpraQwTYhwRvQMYqryX6sNn8vq8AynnqoGuXuCY7N/vMR3R7N47DzePR04J+gjJt4rM7V3SzwzbC8FzYtb2Z1jQtDd3nLDOLmD1E9v90++qfT4Lfh5N+cq/508shXb5st6Ll1cWa2RYu2EUo0p6QfkF2EP7sIf3YR/hCRs3ZXFoqzYdEGR92su1D4Q486yzq1D/L0iS85W67R2l1ZKLsIfzYs4l05+bg8rpxU/lZS3UXbyvZE/wFXu+LXNTDaDQAAAABJRU5ErkJggg=="/>
+          <p:cNvSpPr>
+            <a:spLocks noChangeAspect="1" noChangeArrowheads="1"/>
+          </p:cNvSpPr>
+          <p:nvPr/>
+        </p:nvSpPr>
+        <p:spPr bwMode="auto">
+          <a:xfrm>
+            <a:off x="207436" y="-116412"/>
+            <a:ext cx="406400" cy="406402"/>
+          </a:xfrm>
+          <a:prstGeom prst="rect">
+            <a:avLst/>
+          </a:prstGeom>
+          <a:noFill/>
+          <a:extLst>
+            <a:ext uri="{909E8E84-426E-40DD-AFC4-6F175D3DCCD1}">
+              <a14:hiddenFill xmlns:a14="http://schemas.microsoft.com/office/drawing/2010/main">
+                <a:solidFill>
+                  <a:srgbClr val="FFFFFF"/>
+                </a:solidFill>
+              </a14:hiddenFill>
+            </a:ext>
+          </a:extLst>
+        </p:spPr>
+        <p:txBody>
+          <a:bodyPr vert="horz" wrap="square" lIns="121920" tIns="60960" rIns="121920" bIns="60960" numCol="1" anchor="t" anchorCtr="0" compatLnSpc="1">
+            <a:prstTxWarp prst="textNoShape">
+              <a:avLst/>
+            </a:prstTxWarp>
+          </a:bodyPr>
+          <a:lstStyle/>
+          <a:p>
+            <a:endParaRPr lang="en-US" sz="1600" dirty="0"/>
+          </a:p>
+        </p:txBody>
+      </p:sp>
+      <p:sp>
+        <p:nvSpPr>
+          <p:cNvPr id="2" name="AutoShape 2" descr="Image result for file"/>
+          <p:cNvSpPr>
+            <a:spLocks noChangeAspect="1" noChangeArrowheads="1"/>
+          </p:cNvSpPr>
+          <p:nvPr/>
+        </p:nvSpPr>
+        <p:spPr bwMode="auto">
+          <a:xfrm>
+            <a:off x="410635" y="86789"/>
+            <a:ext cx="406400" cy="406402"/>
+          </a:xfrm>
+          <a:prstGeom prst="rect">
+            <a:avLst/>
+          </a:prstGeom>
+          <a:noFill/>
+          <a:extLst>
+            <a:ext uri="{909E8E84-426E-40DD-AFC4-6F175D3DCCD1}">
+              <a14:hiddenFill xmlns:a14="http://schemas.microsoft.com/office/drawing/2010/main">
+                <a:solidFill>
+                  <a:srgbClr val="FFFFFF"/>
+                </a:solidFill>
+              </a14:hiddenFill>
+            </a:ext>
+          </a:extLst>
+        </p:spPr>
+        <p:txBody>
+          <a:bodyPr vert="horz" wrap="square" lIns="121920" tIns="60960" rIns="121920" bIns="60960" numCol="1" anchor="t" anchorCtr="0" compatLnSpc="1">
+            <a:prstTxWarp prst="textNoShape">
+              <a:avLst/>
+            </a:prstTxWarp>
+          </a:bodyPr>
+          <a:lstStyle/>
+          <a:p>
+            <a:endParaRPr lang="en-US" sz="2400" dirty="0"/>
+          </a:p>
+        </p:txBody>
+      </p:sp>
+      <p:sp>
+        <p:nvSpPr>
+          <p:cNvPr id="6" name="AutoShape 2" descr="Image result for activemq image"/>
+          <p:cNvSpPr>
+            <a:spLocks noChangeAspect="1" noChangeArrowheads="1"/>
+          </p:cNvSpPr>
+          <p:nvPr/>
+        </p:nvSpPr>
+        <p:spPr bwMode="auto">
+          <a:xfrm>
+            <a:off x="1020234" y="289990"/>
+            <a:ext cx="406400" cy="406402"/>
+          </a:xfrm>
+          <a:prstGeom prst="rect">
+            <a:avLst/>
+          </a:prstGeom>
+          <a:noFill/>
+          <a:extLst>
+            <a:ext uri="{909E8E84-426E-40DD-AFC4-6F175D3DCCD1}">
+              <a14:hiddenFill xmlns:a14="http://schemas.microsoft.com/office/drawing/2010/main">
+                <a:solidFill>
+                  <a:srgbClr val="FFFFFF"/>
+                </a:solidFill>
+              </a14:hiddenFill>
+            </a:ext>
+          </a:extLst>
+        </p:spPr>
+        <p:txBody>
+          <a:bodyPr vert="horz" wrap="square" lIns="121920" tIns="60960" rIns="121920" bIns="60960" numCol="1" anchor="t" anchorCtr="0" compatLnSpc="1">
+            <a:prstTxWarp prst="textNoShape">
+              <a:avLst/>
+            </a:prstTxWarp>
+          </a:bodyPr>
+          <a:lstStyle/>
+          <a:p>
+            <a:endParaRPr lang="en-US" sz="2400" dirty="0"/>
+          </a:p>
+        </p:txBody>
+      </p:sp>
+      <p:sp>
+        <p:nvSpPr>
+          <p:cNvPr id="14" name="Rectangle 13"/>
+          <p:cNvSpPr/>
+          <p:nvPr/>
+        </p:nvSpPr>
+        <p:spPr>
+          <a:xfrm>
+            <a:off x="4191000" y="38475"/>
+            <a:ext cx="3657600" cy="400110"/>
+          </a:xfrm>
+          <a:prstGeom prst="rect">
+            <a:avLst/>
+          </a:prstGeom>
+        </p:spPr>
+        <p:style>
+          <a:lnRef idx="1">
+            <a:schemeClr val="accent4"/>
+          </a:lnRef>
+          <a:fillRef idx="3">
+            <a:schemeClr val="accent4"/>
+          </a:fillRef>
+          <a:effectRef idx="2">
+            <a:schemeClr val="accent4"/>
+          </a:effectRef>
+          <a:fontRef idx="minor">
+            <a:schemeClr val="lt1"/>
+          </a:fontRef>
+        </p:style>
+        <p:txBody>
+          <a:bodyPr wrap="square">
+            <a:spAutoFit/>
+          </a:bodyPr>
+          <a:lstStyle>
+            <a:defPPr>
+              <a:defRPr lang="en-US"/>
+            </a:defPPr>
+            <a:lvl1pPr marL="0" algn="l" defTabSz="914400" rtl="0" eaLnBrk="1" latinLnBrk="0" hangingPunct="1">
+              <a:defRPr sz="1800" kern="1200">
+                <a:solidFill>
+                  <a:schemeClr val="lt1"/>
+                </a:solidFill>
+                <a:latin typeface="+mn-lt"/>
+                <a:ea typeface="+mn-ea"/>
+                <a:cs typeface="+mn-cs"/>
+              </a:defRPr>
+            </a:lvl1pPr>
+            <a:lvl2pPr marL="457200" algn="l" defTabSz="914400" rtl="0" eaLnBrk="1" latinLnBrk="0" hangingPunct="1">
+              <a:defRPr sz="1800" kern="1200">
+                <a:solidFill>
+                  <a:schemeClr val="lt1"/>
+                </a:solidFill>
+                <a:latin typeface="+mn-lt"/>
+                <a:ea typeface="+mn-ea"/>
+                <a:cs typeface="+mn-cs"/>
+              </a:defRPr>
+            </a:lvl2pPr>
+            <a:lvl3pPr marL="914400" algn="l" defTabSz="914400" rtl="0" eaLnBrk="1" latinLnBrk="0" hangingPunct="1">
+              <a:defRPr sz="1800" kern="1200">
+                <a:solidFill>
+                  <a:schemeClr val="lt1"/>
+                </a:solidFill>
+                <a:latin typeface="+mn-lt"/>
+                <a:ea typeface="+mn-ea"/>
+                <a:cs typeface="+mn-cs"/>
+              </a:defRPr>
+            </a:lvl3pPr>
+            <a:lvl4pPr marL="1371600" algn="l" defTabSz="914400" rtl="0" eaLnBrk="1" latinLnBrk="0" hangingPunct="1">
+              <a:defRPr sz="1800" kern="1200">
+                <a:solidFill>
+                  <a:schemeClr val="lt1"/>
+                </a:solidFill>
+                <a:latin typeface="+mn-lt"/>
+                <a:ea typeface="+mn-ea"/>
+                <a:cs typeface="+mn-cs"/>
+              </a:defRPr>
+            </a:lvl4pPr>
+            <a:lvl5pPr marL="1828800" algn="l" defTabSz="914400" rtl="0" eaLnBrk="1" latinLnBrk="0" hangingPunct="1">
+              <a:defRPr sz="1800" kern="1200">
+                <a:solidFill>
+                  <a:schemeClr val="lt1"/>
+                </a:solidFill>
+                <a:latin typeface="+mn-lt"/>
+                <a:ea typeface="+mn-ea"/>
+                <a:cs typeface="+mn-cs"/>
+              </a:defRPr>
+            </a:lvl5pPr>
+            <a:lvl6pPr marL="2286000" algn="l" defTabSz="914400" rtl="0" eaLnBrk="1" latinLnBrk="0" hangingPunct="1">
+              <a:defRPr sz="1800" kern="1200">
+                <a:solidFill>
+                  <a:schemeClr val="lt1"/>
+                </a:solidFill>
+                <a:latin typeface="+mn-lt"/>
+                <a:ea typeface="+mn-ea"/>
+                <a:cs typeface="+mn-cs"/>
+              </a:defRPr>
+            </a:lvl6pPr>
+            <a:lvl7pPr marL="2743200" algn="l" defTabSz="914400" rtl="0" eaLnBrk="1" latinLnBrk="0" hangingPunct="1">
+              <a:defRPr sz="1800" kern="1200">
+                <a:solidFill>
+                  <a:schemeClr val="lt1"/>
+                </a:solidFill>
+                <a:latin typeface="+mn-lt"/>
+                <a:ea typeface="+mn-ea"/>
+                <a:cs typeface="+mn-cs"/>
+              </a:defRPr>
+            </a:lvl7pPr>
+            <a:lvl8pPr marL="3200400" algn="l" defTabSz="914400" rtl="0" eaLnBrk="1" latinLnBrk="0" hangingPunct="1">
+              <a:defRPr sz="1800" kern="1200">
+                <a:solidFill>
+                  <a:schemeClr val="lt1"/>
+                </a:solidFill>
+                <a:latin typeface="+mn-lt"/>
+                <a:ea typeface="+mn-ea"/>
+                <a:cs typeface="+mn-cs"/>
+              </a:defRPr>
+            </a:lvl8pPr>
+            <a:lvl9pPr marL="3657600" algn="l" defTabSz="914400" rtl="0" eaLnBrk="1" latinLnBrk="0" hangingPunct="1">
+              <a:defRPr sz="1800" kern="1200">
+                <a:solidFill>
+                  <a:schemeClr val="lt1"/>
+                </a:solidFill>
+                <a:latin typeface="+mn-lt"/>
+                <a:ea typeface="+mn-ea"/>
+                <a:cs typeface="+mn-cs"/>
+              </a:defRPr>
+            </a:lvl9pPr>
+          </a:lstStyle>
+          <a:p>
+            <a:pPr algn="ctr"/>
+            <a:r>
+              <a:rPr lang="en-US" sz="2000" dirty="0"/>
+              <a:t>Spring Security for User Sign-in</a:t>
+            </a:r>
+          </a:p>
+        </p:txBody>
+      </p:sp>
+    </p:spTree>
+    <p:extLst>
+      <p:ext uri="{BB962C8B-B14F-4D97-AF65-F5344CB8AC3E}">
+        <p14:creationId xmlns:p14="http://schemas.microsoft.com/office/powerpoint/2010/main" val="1637990423"/>
+      </p:ext>
+    </p:extLst>
+  </p:cSld>
+  <p:clrMapOvr>
+    <a:masterClrMapping/>
+  </p:clrMapOvr>
+</p:sld>
+</file>
+
+<file path=ppt/slides/slide16.xml><?xml version="1.0" encoding="utf-8"?>
+<p:sld xmlns:a="http://schemas.openxmlformats.org/drawingml/2006/main" xmlns:r="http://schemas.openxmlformats.org/officeDocument/2006/relationships" xmlns:p="http://schemas.openxmlformats.org/presentationml/2006/main">
+  <p:cSld>
+    <p:spTree>
+      <p:nvGrpSpPr>
+        <p:cNvPr id="1" name=""/>
+        <p:cNvGrpSpPr/>
+        <p:nvPr/>
+      </p:nvGrpSpPr>
+      <p:grpSpPr>
+        <a:xfrm>
+          <a:off x="0" y="0"/>
+          <a:ext cx="0" cy="0"/>
+          <a:chOff x="0" y="0"/>
+          <a:chExt cx="0" cy="0"/>
+        </a:xfrm>
+      </p:grpSpPr>
+      <p:sp>
+        <p:nvSpPr>
+          <p:cNvPr id="3" name="AutoShape 2" descr="data:image/png;base64,iVBORw0KGgoAAAANSUhEUgAAANEAAADxCAMAAABiSKLrAAAAbFBMVEWIiIj////6+vr29vb19fX4+Pj5+fnu7u77+/v39/f9/f3z8/P+/v709PT8/Pyqqqrt7e3v7+/w8PDx8fHy8vK+vr7Q0NCjo6OBgYHY2Njk5OTHx8eNjY3c3NzGxsbn5+eWlpa1tbWcnJx6enob4+f+AAAIqklEQVR4nO3dCZuaOhQGYEZAh0FkX2W1//8/lkVMICeIkRmOPHz22lYg5OVEZLFzJRNrnC+xSGt3nJvQekMUYktnEiM1ouDrjCs/pukLkzoRtpjmNRcloRUFoiS8oo5UvLwsYpEgCaXoHLYiMRJqkRAJt0iEhFwkQMIqCgJRElpRLErCL3r1oxavSJSEWCRIQikyOtGQNPd8CaXICc04FiXhFomQkIsESChFbmhmwiT0opf3eBivMzSjLuORnh49oKxRKxIloayR24oESShFRScSI6EUJaGZCJNwiwhp/skFcpFAlbCLXiehF71MQisSJiEVVYkwqRP9oEpXI1HSXXRuWjo/2jz3f3v8YfjS7871lbU1EiT1IjrAKrvX/2iurzisijkk8OQC5ah7iERIyEUCJOyi10noRU9J490DUpFPRAApniJhFVnzSaOdOF6RKAmlKGhFgiTMohdIyYeIhEh30aV99E9NLo8VXLqn++Q/mIuIREid6DJsv32s91Ityi1hEtJRl5+ESX2NMKUR2ZYoCbNIjIRV5FiiJIyicx7mriVEKnCKfvxadBIloRQ1NTqJkcICpcgPr7rjOPYJZnFNbZVwikw/YHNlXmDi4xW9kU70jSnNqOu/xL4R0aWg3yNMgNHWp0I66i7Dy5PsdXFuApw1Eg8RndfuykLZa4Q/512EPrsIfzYtOmwje43wh4h+1u7KQvm5bk601wh9NlijXYQ+uwh/HqLrZkTXh+h4PDQP8lQ/PvAlSrT2xl0oRHQ5biOXXYQ+uwh/dhH+7CL82bRI3Ua2XKPvtTfuQvneReizi/BnF+HPLsKfTYu0bYQWsd5PfImIDmtv3IVy2EXos4vwZxfhzy7CH0okbyO7CH+2/D46rr1xF8pxF6HPLsKfXYQ/uwh/KJGyjWxatPZwWShEpK69cReKuovQZxfhzy7Cn12EP0SkGduItmHRzFF3P3r63ZHzTl4YdYqsHg/e/YdF2e7xcFRVrba109gMFp2evGhmjzpFVZLcvJVpl7K8hWaVB1liNVNdJh7VZ4Wd7P4aaa5I866lFEnDRHWksC5eVgtH8VWy8PHGTE5V/rr+QqSocTnm9CpTM+SMmRhVVJcPKbPYv5VFcs7x1F3P1eeikl1sXZHGB0lRLH+eSI75ICk6KZ8nctkOkaQN+cNEWjBRIimU0YpkHY4hmxOgqNIMHRaRJo6giLO+dyM/F1nsvpfqWVAv92Eihe0u3bNE+TgR/FkURfWhUHPMIBsguh6N0yKNs7o/EGkVIEpj+XA8fltJ0GzqDxMdQwBka+2gqQ/p9FYkpaNIiEXuje3OddQfg738rFCTcYmME9sdKXntbY1MBOy802JrotJ6bSUiInLia7y2+aZEbXuyxXbn5vXXGQazDs+6xUWGoql2kXU/DDrOssLWNFmZ65oQufeflwvU6PHDdO8ki/0xu/Rb7RVRvZNJgupW7y3bU+T6JLnej97MPLNUhbPIbJEV9U2y/eknHds5lfhfNMo/sb23oRX5LQXWGUmpGdtz3nxEpOiep7eP+5MFUEZJj+0SCnsCVX/CkrZUQFRvQG+8RkNOzHTi5LL0rW6x8YL0bwolGtdolqir0fQxAyQCNrdsVczFmdFS6fXp+4kSecPMEqntrAYkkklTYI288frkYKI+j+XCYtzRUdCIdMV/7mkWTDNmY6AU6bo5C9QknqwSEpFuzAdJUjZFQiJSoFMWfhIDu0ievDjD5ubquEV6AjVet3krU3B/Hvn8cYdDBJxUSlKVaJqmWvENMiXcImEQKcCYi26W1nZaN9SAXXFkcos0JZpxXLeICDpLDnVSBDkDusAtEhGN72p5J78LcMbn9+nudemgiDSlASLF66cC20NKbZ3qCnAnIfKp9gcxiIjVPj8/8mbVCBY9VsNes42C4YgBrgyUJ06NpkRdCuD8yB418pYIOkl2hyuQ2SOkKOMMO4M76vrBB4sG84Cjjrr5Cooeo4TdLwyGbLsC4IKgD93dHY66lUQye7gQxfqgfdcDhr7JeSOtLoL2dOn4KEdX2E+s0hp24j3RaUERsPnLLBmlYPceaYJVBB0Bja85p8ANn3rXgFX02kEqaSGAeywoGs7zjghYdqYoxyp68USCtMDZfX+wqHomav53fkBcWDSYx4NEBpkuAyLj3oSwSDIVsMM6ETVAp/3V/KG2tP/xRPRccI1IW7Comyr8PupE9052bbW/0yLHpX/1T1wRmQuskULa4oqcd/Z1pjLu6li0zqgDP49m5fmo+2NR3z50zFBYczLsBB6Rxx6y8Q5wRoE7LCaylhM5BnTs7cGdmZP1RZzdygeLXOjW9fg94jYXUnjjbBHRcJ5nImVKBA67fFgkL/HzIE4KRW7vM0/i/kQ0WSPHg75KldHdqc+h7pfZ0jKs/GuDM3hvNSLizSEqoroE1Yia7ELf00kIWS/o09z+EmLA6bC3hMh9TwRskDq51x47e4Zzhc73Qt64wyByPOjmUVT6cZZkcQV+0zxNflX05qgD36tSe3MilcCr1FLEe9sPRDYYjmgwD1wjMl1hm4h0ugF43PETVd6wB3RbKES2Pu+2cr9waHFBWESO+8JtyxrkckFYRDa8dxAAoRHNH3hRNTHkUIlsY9Z3TqR6LzcFokScSsKi4TzPRMYske0VT78XJJkJZ8uTzojV6FdEtmNkE9/diqLUzJTpAtmzalQyF6FvI5ETA9+OpraQwTYhwRvQMYqryX6sNn8vq8AynnqoGuXuCY7N/vMR3R7N47DzePR04J+gjJt4rM7V3SzwzbC8FzYtb2Z1jQtDd3nLDOLmD1E9v90++qfT4Lfh5N+cq/508shXb5st6Ll1cWa2RYu2EUo0p6QfkF2EP7sIf3YR/hCRs3ZXFoqzYdEGR92su1D4Q486yzq1D/L0iS85W67R2l1ZKLsIfzYs4l05+bg8rpxU/lZS3UXbyvZE/wFXu+LXNTDaDQAAAABJRU5ErkJggg=="/>
+          <p:cNvSpPr>
+            <a:spLocks noChangeAspect="1" noChangeArrowheads="1"/>
+          </p:cNvSpPr>
+          <p:nvPr/>
+        </p:nvSpPr>
+        <p:spPr bwMode="auto">
+          <a:xfrm>
+            <a:off x="207436" y="-116412"/>
+            <a:ext cx="406400" cy="406402"/>
+          </a:xfrm>
+          <a:prstGeom prst="rect">
+            <a:avLst/>
+          </a:prstGeom>
+          <a:noFill/>
+          <a:extLst>
+            <a:ext uri="{909E8E84-426E-40DD-AFC4-6F175D3DCCD1}">
+              <a14:hiddenFill xmlns:a14="http://schemas.microsoft.com/office/drawing/2010/main">
+                <a:solidFill>
+                  <a:srgbClr val="FFFFFF"/>
+                </a:solidFill>
+              </a14:hiddenFill>
+            </a:ext>
+          </a:extLst>
+        </p:spPr>
+        <p:txBody>
+          <a:bodyPr vert="horz" wrap="square" lIns="121920" tIns="60960" rIns="121920" bIns="60960" numCol="1" anchor="t" anchorCtr="0" compatLnSpc="1">
+            <a:prstTxWarp prst="textNoShape">
+              <a:avLst/>
+            </a:prstTxWarp>
+          </a:bodyPr>
+          <a:lstStyle/>
+          <a:p>
+            <a:endParaRPr lang="en-US" sz="1600" dirty="0"/>
+          </a:p>
+        </p:txBody>
+      </p:sp>
+      <p:sp>
+        <p:nvSpPr>
+          <p:cNvPr id="2" name="AutoShape 2" descr="Image result for file"/>
+          <p:cNvSpPr>
+            <a:spLocks noChangeAspect="1" noChangeArrowheads="1"/>
+          </p:cNvSpPr>
+          <p:nvPr/>
+        </p:nvSpPr>
+        <p:spPr bwMode="auto">
+          <a:xfrm>
+            <a:off x="410635" y="86789"/>
+            <a:ext cx="406400" cy="406402"/>
+          </a:xfrm>
+          <a:prstGeom prst="rect">
+            <a:avLst/>
+          </a:prstGeom>
+          <a:noFill/>
+          <a:extLst>
+            <a:ext uri="{909E8E84-426E-40DD-AFC4-6F175D3DCCD1}">
+              <a14:hiddenFill xmlns:a14="http://schemas.microsoft.com/office/drawing/2010/main">
+                <a:solidFill>
+                  <a:srgbClr val="FFFFFF"/>
+                </a:solidFill>
+              </a14:hiddenFill>
+            </a:ext>
+          </a:extLst>
+        </p:spPr>
+        <p:txBody>
+          <a:bodyPr vert="horz" wrap="square" lIns="121920" tIns="60960" rIns="121920" bIns="60960" numCol="1" anchor="t" anchorCtr="0" compatLnSpc="1">
+            <a:prstTxWarp prst="textNoShape">
+              <a:avLst/>
+            </a:prstTxWarp>
+          </a:bodyPr>
+          <a:lstStyle/>
+          <a:p>
+            <a:endParaRPr lang="en-US" sz="2400" dirty="0"/>
+          </a:p>
+        </p:txBody>
+      </p:sp>
+      <p:sp>
+        <p:nvSpPr>
+          <p:cNvPr id="6" name="AutoShape 2" descr="Image result for activemq image"/>
+          <p:cNvSpPr>
+            <a:spLocks noChangeAspect="1" noChangeArrowheads="1"/>
+          </p:cNvSpPr>
+          <p:nvPr/>
+        </p:nvSpPr>
+        <p:spPr bwMode="auto">
+          <a:xfrm>
+            <a:off x="1020234" y="289990"/>
+            <a:ext cx="406400" cy="406402"/>
+          </a:xfrm>
+          <a:prstGeom prst="rect">
+            <a:avLst/>
+          </a:prstGeom>
+          <a:noFill/>
+          <a:extLst>
+            <a:ext uri="{909E8E84-426E-40DD-AFC4-6F175D3DCCD1}">
+              <a14:hiddenFill xmlns:a14="http://schemas.microsoft.com/office/drawing/2010/main">
+                <a:solidFill>
+                  <a:srgbClr val="FFFFFF"/>
+                </a:solidFill>
+              </a14:hiddenFill>
+            </a:ext>
+          </a:extLst>
+        </p:spPr>
+        <p:txBody>
+          <a:bodyPr vert="horz" wrap="square" lIns="121920" tIns="60960" rIns="121920" bIns="60960" numCol="1" anchor="t" anchorCtr="0" compatLnSpc="1">
+            <a:prstTxWarp prst="textNoShape">
+              <a:avLst/>
+            </a:prstTxWarp>
+          </a:bodyPr>
+          <a:lstStyle/>
+          <a:p>
+            <a:endParaRPr lang="en-US" sz="2400" dirty="0"/>
+          </a:p>
+        </p:txBody>
+      </p:sp>
+      <p:sp>
+        <p:nvSpPr>
+          <p:cNvPr id="14" name="Rectangle 13"/>
+          <p:cNvSpPr/>
+          <p:nvPr/>
+        </p:nvSpPr>
+        <p:spPr>
+          <a:xfrm>
+            <a:off x="4191000" y="38475"/>
+            <a:ext cx="3657600" cy="400110"/>
+          </a:xfrm>
+          <a:prstGeom prst="rect">
+            <a:avLst/>
+          </a:prstGeom>
+        </p:spPr>
+        <p:style>
+          <a:lnRef idx="1">
+            <a:schemeClr val="accent4"/>
+          </a:lnRef>
+          <a:fillRef idx="3">
+            <a:schemeClr val="accent4"/>
+          </a:fillRef>
+          <a:effectRef idx="2">
+            <a:schemeClr val="accent4"/>
+          </a:effectRef>
+          <a:fontRef idx="minor">
+            <a:schemeClr val="lt1"/>
+          </a:fontRef>
+        </p:style>
+        <p:txBody>
+          <a:bodyPr wrap="square">
+            <a:spAutoFit/>
+          </a:bodyPr>
+          <a:lstStyle>
+            <a:defPPr>
+              <a:defRPr lang="en-US"/>
+            </a:defPPr>
+            <a:lvl1pPr marL="0" algn="l" defTabSz="914400" rtl="0" eaLnBrk="1" latinLnBrk="0" hangingPunct="1">
+              <a:defRPr sz="1800" kern="1200">
+                <a:solidFill>
+                  <a:schemeClr val="lt1"/>
+                </a:solidFill>
+                <a:latin typeface="+mn-lt"/>
+                <a:ea typeface="+mn-ea"/>
+                <a:cs typeface="+mn-cs"/>
+              </a:defRPr>
+            </a:lvl1pPr>
+            <a:lvl2pPr marL="457200" algn="l" defTabSz="914400" rtl="0" eaLnBrk="1" latinLnBrk="0" hangingPunct="1">
+              <a:defRPr sz="1800" kern="1200">
+                <a:solidFill>
+                  <a:schemeClr val="lt1"/>
+                </a:solidFill>
+                <a:latin typeface="+mn-lt"/>
+                <a:ea typeface="+mn-ea"/>
+                <a:cs typeface="+mn-cs"/>
+              </a:defRPr>
+            </a:lvl2pPr>
+            <a:lvl3pPr marL="914400" algn="l" defTabSz="914400" rtl="0" eaLnBrk="1" latinLnBrk="0" hangingPunct="1">
+              <a:defRPr sz="1800" kern="1200">
+                <a:solidFill>
+                  <a:schemeClr val="lt1"/>
+                </a:solidFill>
+                <a:latin typeface="+mn-lt"/>
+                <a:ea typeface="+mn-ea"/>
+                <a:cs typeface="+mn-cs"/>
+              </a:defRPr>
+            </a:lvl3pPr>
+            <a:lvl4pPr marL="1371600" algn="l" defTabSz="914400" rtl="0" eaLnBrk="1" latinLnBrk="0" hangingPunct="1">
+              <a:defRPr sz="1800" kern="1200">
+                <a:solidFill>
+                  <a:schemeClr val="lt1"/>
+                </a:solidFill>
+                <a:latin typeface="+mn-lt"/>
+                <a:ea typeface="+mn-ea"/>
+                <a:cs typeface="+mn-cs"/>
+              </a:defRPr>
+            </a:lvl4pPr>
+            <a:lvl5pPr marL="1828800" algn="l" defTabSz="914400" rtl="0" eaLnBrk="1" latinLnBrk="0" hangingPunct="1">
+              <a:defRPr sz="1800" kern="1200">
+                <a:solidFill>
+                  <a:schemeClr val="lt1"/>
+                </a:solidFill>
+                <a:latin typeface="+mn-lt"/>
+                <a:ea typeface="+mn-ea"/>
+                <a:cs typeface="+mn-cs"/>
+              </a:defRPr>
+            </a:lvl5pPr>
+            <a:lvl6pPr marL="2286000" algn="l" defTabSz="914400" rtl="0" eaLnBrk="1" latinLnBrk="0" hangingPunct="1">
+              <a:defRPr sz="1800" kern="1200">
+                <a:solidFill>
+                  <a:schemeClr val="lt1"/>
+                </a:solidFill>
+                <a:latin typeface="+mn-lt"/>
+                <a:ea typeface="+mn-ea"/>
+                <a:cs typeface="+mn-cs"/>
+              </a:defRPr>
+            </a:lvl6pPr>
+            <a:lvl7pPr marL="2743200" algn="l" defTabSz="914400" rtl="0" eaLnBrk="1" latinLnBrk="0" hangingPunct="1">
+              <a:defRPr sz="1800" kern="1200">
+                <a:solidFill>
+                  <a:schemeClr val="lt1"/>
+                </a:solidFill>
+                <a:latin typeface="+mn-lt"/>
+                <a:ea typeface="+mn-ea"/>
+                <a:cs typeface="+mn-cs"/>
+              </a:defRPr>
+            </a:lvl7pPr>
+            <a:lvl8pPr marL="3200400" algn="l" defTabSz="914400" rtl="0" eaLnBrk="1" latinLnBrk="0" hangingPunct="1">
+              <a:defRPr sz="1800" kern="1200">
+                <a:solidFill>
+                  <a:schemeClr val="lt1"/>
+                </a:solidFill>
+                <a:latin typeface="+mn-lt"/>
+                <a:ea typeface="+mn-ea"/>
+                <a:cs typeface="+mn-cs"/>
+              </a:defRPr>
+            </a:lvl8pPr>
+            <a:lvl9pPr marL="3657600" algn="l" defTabSz="914400" rtl="0" eaLnBrk="1" latinLnBrk="0" hangingPunct="1">
+              <a:defRPr sz="1800" kern="1200">
+                <a:solidFill>
+                  <a:schemeClr val="lt1"/>
+                </a:solidFill>
+                <a:latin typeface="+mn-lt"/>
+                <a:ea typeface="+mn-ea"/>
+                <a:cs typeface="+mn-cs"/>
+              </a:defRPr>
+            </a:lvl9pPr>
+          </a:lstStyle>
+          <a:p>
+            <a:pPr algn="ctr"/>
+            <a:r>
+              <a:rPr lang="en-US" sz="2000" dirty="0"/>
+              <a:t>Spring Security for User Sign-in</a:t>
+            </a:r>
+          </a:p>
+        </p:txBody>
+      </p:sp>
+    </p:spTree>
+    <p:extLst>
+      <p:ext uri="{BB962C8B-B14F-4D97-AF65-F5344CB8AC3E}">
+        <p14:creationId xmlns:p14="http://schemas.microsoft.com/office/powerpoint/2010/main" val="3351306096"/>
       </p:ext>
     </p:extLst>
   </p:cSld>

--- a/Java_2021/SpringBoot_Signup_Signin/User_Signin_Signup_Security.pptx
+++ b/Java_2021/SpringBoot_Signup_Signin/User_Signin_Signup_Security.pptx
@@ -5,7 +5,7 @@
     <p:sldMasterId id="2147483672" r:id="rId1"/>
   </p:sldMasterIdLst>
   <p:notesMasterIdLst>
-    <p:notesMasterId r:id="rId18"/>
+    <p:notesMasterId r:id="rId19"/>
   </p:notesMasterIdLst>
   <p:sldIdLst>
     <p:sldId id="467" r:id="rId2"/>
@@ -21,9 +21,10 @@
     <p:sldId id="476" r:id="rId12"/>
     <p:sldId id="477" r:id="rId13"/>
     <p:sldId id="478" r:id="rId14"/>
-    <p:sldId id="479" r:id="rId15"/>
-    <p:sldId id="480" r:id="rId16"/>
-    <p:sldId id="481" r:id="rId17"/>
+    <p:sldId id="482" r:id="rId15"/>
+    <p:sldId id="479" r:id="rId16"/>
+    <p:sldId id="480" r:id="rId17"/>
+    <p:sldId id="481" r:id="rId18"/>
   </p:sldIdLst>
   <p:sldSz cx="12192000" cy="6858000"/>
   <p:notesSz cx="6858000" cy="9144000"/>
@@ -237,7 +238,7 @@
           <a:p>
             <a:fld id="{62274EC6-3890-417B-9308-14EFBD00FA63}" type="datetimeFigureOut">
               <a:rPr lang="en-US" smtClean="0"/>
-              <a:t>8/26/2021</a:t>
+              <a:t>8/27/2021</a:t>
             </a:fld>
             <a:endParaRPr lang="en-US" dirty="0"/>
           </a:p>
@@ -1028,7 +1029,7 @@
     </p:spTree>
     <p:extLst>
       <p:ext uri="{BB962C8B-B14F-4D97-AF65-F5344CB8AC3E}">
-        <p14:creationId xmlns:p14="http://schemas.microsoft.com/office/powerpoint/2010/main" val="3455753742"/>
+        <p14:creationId xmlns:p14="http://schemas.microsoft.com/office/powerpoint/2010/main" val="2374493117"/>
       </p:ext>
     </p:extLst>
   </p:cSld>
@@ -1117,7 +1118,7 @@
     </p:spTree>
     <p:extLst>
       <p:ext uri="{BB962C8B-B14F-4D97-AF65-F5344CB8AC3E}">
-        <p14:creationId xmlns:p14="http://schemas.microsoft.com/office/powerpoint/2010/main" val="273385370"/>
+        <p14:creationId xmlns:p14="http://schemas.microsoft.com/office/powerpoint/2010/main" val="3455753742"/>
       </p:ext>
     </p:extLst>
   </p:cSld>
@@ -1198,6 +1199,95 @@
             <a:fld id="{A883C400-BD9D-4609-A213-F91E9750031E}" type="slidenum">
               <a:rPr lang="en-US" smtClean="0"/>
               <a:t>16</a:t>
+            </a:fld>
+            <a:endParaRPr lang="en-US" dirty="0"/>
+          </a:p>
+        </p:txBody>
+      </p:sp>
+    </p:spTree>
+    <p:extLst>
+      <p:ext uri="{BB962C8B-B14F-4D97-AF65-F5344CB8AC3E}">
+        <p14:creationId xmlns:p14="http://schemas.microsoft.com/office/powerpoint/2010/main" val="273385370"/>
+      </p:ext>
+    </p:extLst>
+  </p:cSld>
+  <p:clrMapOvr>
+    <a:masterClrMapping/>
+  </p:clrMapOvr>
+</p:notes>
+</file>
+
+<file path=ppt/notesSlides/notesSlide17.xml><?xml version="1.0" encoding="utf-8"?>
+<p:notes xmlns:a="http://schemas.openxmlformats.org/drawingml/2006/main" xmlns:r="http://schemas.openxmlformats.org/officeDocument/2006/relationships" xmlns:p="http://schemas.openxmlformats.org/presentationml/2006/main">
+  <p:cSld>
+    <p:spTree>
+      <p:nvGrpSpPr>
+        <p:cNvPr id="1" name=""/>
+        <p:cNvGrpSpPr/>
+        <p:nvPr/>
+      </p:nvGrpSpPr>
+      <p:grpSpPr>
+        <a:xfrm>
+          <a:off x="0" y="0"/>
+          <a:ext cx="0" cy="0"/>
+          <a:chOff x="0" y="0"/>
+          <a:chExt cx="0" cy="0"/>
+        </a:xfrm>
+      </p:grpSpPr>
+      <p:sp>
+        <p:nvSpPr>
+          <p:cNvPr id="2" name="Slide Image Placeholder 1"/>
+          <p:cNvSpPr>
+            <a:spLocks noGrp="1" noRot="1" noChangeAspect="1"/>
+          </p:cNvSpPr>
+          <p:nvPr>
+            <p:ph type="sldImg"/>
+          </p:nvPr>
+        </p:nvSpPr>
+        <p:spPr>
+          <a:xfrm>
+            <a:off x="381000" y="685800"/>
+            <a:ext cx="6096000" cy="3429000"/>
+          </a:xfrm>
+        </p:spPr>
+      </p:sp>
+      <p:sp>
+        <p:nvSpPr>
+          <p:cNvPr id="3" name="Notes Placeholder 2"/>
+          <p:cNvSpPr>
+            <a:spLocks noGrp="1"/>
+          </p:cNvSpPr>
+          <p:nvPr>
+            <p:ph type="body" idx="1"/>
+          </p:nvPr>
+        </p:nvSpPr>
+        <p:spPr/>
+        <p:txBody>
+          <a:bodyPr/>
+          <a:lstStyle/>
+          <a:p>
+            <a:endParaRPr lang="en-US" dirty="0"/>
+          </a:p>
+        </p:txBody>
+      </p:sp>
+      <p:sp>
+        <p:nvSpPr>
+          <p:cNvPr id="4" name="Slide Number Placeholder 3"/>
+          <p:cNvSpPr>
+            <a:spLocks noGrp="1"/>
+          </p:cNvSpPr>
+          <p:nvPr>
+            <p:ph type="sldNum" sz="quarter" idx="10"/>
+          </p:nvPr>
+        </p:nvSpPr>
+        <p:spPr/>
+        <p:txBody>
+          <a:bodyPr/>
+          <a:lstStyle/>
+          <a:p>
+            <a:fld id="{A883C400-BD9D-4609-A213-F91E9750031E}" type="slidenum">
+              <a:rPr lang="en-US" smtClean="0"/>
+              <a:t>17</a:t>
             </a:fld>
             <a:endParaRPr lang="en-US" dirty="0"/>
           </a:p>
@@ -2108,7 +2198,7 @@
             <a:fld id="{1D8BD707-D9CF-40AE-B4C6-C98DA3205C09}" type="datetimeFigureOut">
               <a:rPr lang="en-US" smtClean="0"/>
               <a:pPr/>
-              <a:t>8/26/2021</a:t>
+              <a:t>8/27/2021</a:t>
             </a:fld>
             <a:endParaRPr lang="en-US" dirty="0"/>
           </a:p>
@@ -2278,7 +2368,7 @@
             <a:fld id="{1D8BD707-D9CF-40AE-B4C6-C98DA3205C09}" type="datetimeFigureOut">
               <a:rPr lang="en-US" smtClean="0"/>
               <a:pPr/>
-              <a:t>8/26/2021</a:t>
+              <a:t>8/27/2021</a:t>
             </a:fld>
             <a:endParaRPr lang="en-US" dirty="0"/>
           </a:p>
@@ -2458,7 +2548,7 @@
             <a:fld id="{1D8BD707-D9CF-40AE-B4C6-C98DA3205C09}" type="datetimeFigureOut">
               <a:rPr lang="en-US" smtClean="0"/>
               <a:pPr/>
-              <a:t>8/26/2021</a:t>
+              <a:t>8/27/2021</a:t>
             </a:fld>
             <a:endParaRPr lang="en-US" dirty="0"/>
           </a:p>
@@ -2628,7 +2718,7 @@
             <a:fld id="{1D8BD707-D9CF-40AE-B4C6-C98DA3205C09}" type="datetimeFigureOut">
               <a:rPr lang="en-US" smtClean="0"/>
               <a:pPr/>
-              <a:t>8/26/2021</a:t>
+              <a:t>8/27/2021</a:t>
             </a:fld>
             <a:endParaRPr lang="en-US" dirty="0"/>
           </a:p>
@@ -2875,7 +2965,7 @@
             <a:fld id="{1D8BD707-D9CF-40AE-B4C6-C98DA3205C09}" type="datetimeFigureOut">
               <a:rPr lang="en-US" smtClean="0"/>
               <a:pPr/>
-              <a:t>8/26/2021</a:t>
+              <a:t>8/27/2021</a:t>
             </a:fld>
             <a:endParaRPr lang="en-US" dirty="0"/>
           </a:p>
@@ -3162,7 +3252,7 @@
             <a:fld id="{1D8BD707-D9CF-40AE-B4C6-C98DA3205C09}" type="datetimeFigureOut">
               <a:rPr lang="en-US" smtClean="0"/>
               <a:pPr/>
-              <a:t>8/26/2021</a:t>
+              <a:t>8/27/2021</a:t>
             </a:fld>
             <a:endParaRPr lang="en-US" dirty="0"/>
           </a:p>
@@ -3588,7 +3678,7 @@
             <a:fld id="{1D8BD707-D9CF-40AE-B4C6-C98DA3205C09}" type="datetimeFigureOut">
               <a:rPr lang="en-US" smtClean="0"/>
               <a:pPr/>
-              <a:t>8/26/2021</a:t>
+              <a:t>8/27/2021</a:t>
             </a:fld>
             <a:endParaRPr lang="en-US" dirty="0"/>
           </a:p>
@@ -3707,7 +3797,7 @@
             <a:fld id="{1D8BD707-D9CF-40AE-B4C6-C98DA3205C09}" type="datetimeFigureOut">
               <a:rPr lang="en-US" smtClean="0"/>
               <a:pPr/>
-              <a:t>8/26/2021</a:t>
+              <a:t>8/27/2021</a:t>
             </a:fld>
             <a:endParaRPr lang="en-US" dirty="0"/>
           </a:p>
@@ -3804,7 +3894,7 @@
             <a:fld id="{1D8BD707-D9CF-40AE-B4C6-C98DA3205C09}" type="datetimeFigureOut">
               <a:rPr lang="en-US" smtClean="0"/>
               <a:pPr/>
-              <a:t>8/26/2021</a:t>
+              <a:t>8/27/2021</a:t>
             </a:fld>
             <a:endParaRPr lang="en-US" dirty="0"/>
           </a:p>
@@ -4081,7 +4171,7 @@
             <a:fld id="{1D8BD707-D9CF-40AE-B4C6-C98DA3205C09}" type="datetimeFigureOut">
               <a:rPr lang="en-US" smtClean="0"/>
               <a:pPr/>
-              <a:t>8/26/2021</a:t>
+              <a:t>8/27/2021</a:t>
             </a:fld>
             <a:endParaRPr lang="en-US" dirty="0"/>
           </a:p>
@@ -4335,7 +4425,7 @@
             <a:fld id="{1D8BD707-D9CF-40AE-B4C6-C98DA3205C09}" type="datetimeFigureOut">
               <a:rPr lang="en-US" smtClean="0"/>
               <a:pPr/>
-              <a:t>8/26/2021</a:t>
+              <a:t>8/27/2021</a:t>
             </a:fld>
             <a:endParaRPr lang="en-US" dirty="0"/>
           </a:p>
@@ -4548,7 +4638,7 @@
             <a:fld id="{1D8BD707-D9CF-40AE-B4C6-C98DA3205C09}" type="datetimeFigureOut">
               <a:rPr lang="en-US" smtClean="0"/>
               <a:pPr/>
-              <a:t>8/26/2021</a:t>
+              <a:t>8/27/2021</a:t>
             </a:fld>
             <a:endParaRPr lang="en-US" dirty="0"/>
           </a:p>
@@ -7351,8 +7441,8 @@
         </p:nvSpPr>
         <p:spPr>
           <a:xfrm>
-            <a:off x="4191000" y="38475"/>
-            <a:ext cx="3657600" cy="400110"/>
+            <a:off x="4648200" y="38475"/>
+            <a:ext cx="2590800" cy="400110"/>
           </a:xfrm>
           <a:prstGeom prst="rect">
             <a:avLst/>
@@ -7475,15 +7565,59 @@
             <a:pPr algn="ctr"/>
             <a:r>
               <a:rPr lang="en-US" sz="2000" dirty="0"/>
-              <a:t>Spring Security for User Sign-in</a:t>
-            </a:r>
-          </a:p>
-        </p:txBody>
-      </p:sp>
+              <a:t>Exceptions Handling</a:t>
+            </a:r>
+          </a:p>
+        </p:txBody>
+      </p:sp>
+      <p:pic>
+        <p:nvPicPr>
+          <p:cNvPr id="4" name="Picture 3">
+            <a:extLst>
+              <a:ext uri="{FF2B5EF4-FFF2-40B4-BE49-F238E27FC236}">
+                <a16:creationId xmlns:a16="http://schemas.microsoft.com/office/drawing/2014/main" id="{965455D2-5E61-4437-8758-201215D4C921}"/>
+              </a:ext>
+            </a:extLst>
+          </p:cNvPr>
+          <p:cNvPicPr>
+            <a:picLocks noChangeAspect="1"/>
+          </p:cNvPicPr>
+          <p:nvPr/>
+        </p:nvPicPr>
+        <p:blipFill>
+          <a:blip r:embed="rId3"/>
+          <a:stretch>
+            <a:fillRect/>
+          </a:stretch>
+        </p:blipFill>
+        <p:spPr>
+          <a:xfrm>
+            <a:off x="480597" y="766390"/>
+            <a:ext cx="11330403" cy="5801619"/>
+          </a:xfrm>
+          <a:prstGeom prst="rect">
+            <a:avLst/>
+          </a:prstGeom>
+        </p:spPr>
+        <p:style>
+          <a:lnRef idx="1">
+            <a:schemeClr val="accent4"/>
+          </a:lnRef>
+          <a:fillRef idx="2">
+            <a:schemeClr val="accent4"/>
+          </a:fillRef>
+          <a:effectRef idx="1">
+            <a:schemeClr val="accent4"/>
+          </a:effectRef>
+          <a:fontRef idx="minor">
+            <a:schemeClr val="dk1"/>
+          </a:fontRef>
+        </p:style>
+      </p:pic>
     </p:spTree>
     <p:extLst>
       <p:ext uri="{BB962C8B-B14F-4D97-AF65-F5344CB8AC3E}">
-        <p14:creationId xmlns:p14="http://schemas.microsoft.com/office/powerpoint/2010/main" val="2122783915"/>
+        <p14:creationId xmlns:p14="http://schemas.microsoft.com/office/powerpoint/2010/main" val="3329464044"/>
       </p:ext>
     </p:extLst>
   </p:cSld>
@@ -7635,8 +7769,8 @@
         </p:nvSpPr>
         <p:spPr>
           <a:xfrm>
-            <a:off x="4191000" y="38475"/>
-            <a:ext cx="3657600" cy="400110"/>
+            <a:off x="4648200" y="38475"/>
+            <a:ext cx="2590800" cy="400110"/>
           </a:xfrm>
           <a:prstGeom prst="rect">
             <a:avLst/>
@@ -7759,6 +7893,290 @@
             <a:pPr algn="ctr"/>
             <a:r>
               <a:rPr lang="en-US" sz="2000" dirty="0"/>
+              <a:t>Exceptions Handling</a:t>
+            </a:r>
+          </a:p>
+        </p:txBody>
+      </p:sp>
+    </p:spTree>
+    <p:extLst>
+      <p:ext uri="{BB962C8B-B14F-4D97-AF65-F5344CB8AC3E}">
+        <p14:creationId xmlns:p14="http://schemas.microsoft.com/office/powerpoint/2010/main" val="2122783915"/>
+      </p:ext>
+    </p:extLst>
+  </p:cSld>
+  <p:clrMapOvr>
+    <a:masterClrMapping/>
+  </p:clrMapOvr>
+</p:sld>
+</file>
+
+<file path=ppt/slides/slide16.xml><?xml version="1.0" encoding="utf-8"?>
+<p:sld xmlns:a="http://schemas.openxmlformats.org/drawingml/2006/main" xmlns:r="http://schemas.openxmlformats.org/officeDocument/2006/relationships" xmlns:p="http://schemas.openxmlformats.org/presentationml/2006/main">
+  <p:cSld>
+    <p:spTree>
+      <p:nvGrpSpPr>
+        <p:cNvPr id="1" name=""/>
+        <p:cNvGrpSpPr/>
+        <p:nvPr/>
+      </p:nvGrpSpPr>
+      <p:grpSpPr>
+        <a:xfrm>
+          <a:off x="0" y="0"/>
+          <a:ext cx="0" cy="0"/>
+          <a:chOff x="0" y="0"/>
+          <a:chExt cx="0" cy="0"/>
+        </a:xfrm>
+      </p:grpSpPr>
+      <p:sp>
+        <p:nvSpPr>
+          <p:cNvPr id="3" name="AutoShape 2" descr="data:image/png;base64,iVBORw0KGgoAAAANSUhEUgAAANEAAADxCAMAAABiSKLrAAAAbFBMVEWIiIj////6+vr29vb19fX4+Pj5+fnu7u77+/v39/f9/f3z8/P+/v709PT8/Pyqqqrt7e3v7+/w8PDx8fHy8vK+vr7Q0NCjo6OBgYHY2Njk5OTHx8eNjY3c3NzGxsbn5+eWlpa1tbWcnJx6enob4+f+AAAIqklEQVR4nO3dCZuaOhQGYEZAh0FkX2W1//8/lkVMICeIkRmOPHz22lYg5OVEZLFzJRNrnC+xSGt3nJvQekMUYktnEiM1ouDrjCs/pukLkzoRtpjmNRcloRUFoiS8oo5UvLwsYpEgCaXoHLYiMRJqkRAJt0iEhFwkQMIqCgJRElpRLErCL3r1oxavSJSEWCRIQikyOtGQNPd8CaXICc04FiXhFomQkIsESChFbmhmwiT0opf3eBivMzSjLuORnh49oKxRKxIloayR24oESShFRScSI6EUJaGZCJNwiwhp/skFcpFAlbCLXiehF71MQisSJiEVVYkwqRP9oEpXI1HSXXRuWjo/2jz3f3v8YfjS7871lbU1EiT1IjrAKrvX/2iurzisijkk8OQC5ah7iERIyEUCJOyi10noRU9J490DUpFPRAApniJhFVnzSaOdOF6RKAmlKGhFgiTMohdIyYeIhEh30aV99E9NLo8VXLqn++Q/mIuIREid6DJsv32s91Ityi1hEtJRl5+ESX2NMKUR2ZYoCbNIjIRV5FiiJIyicx7mriVEKnCKfvxadBIloRQ1NTqJkcICpcgPr7rjOPYJZnFNbZVwikw/YHNlXmDi4xW9kU70jSnNqOu/xL4R0aWg3yNMgNHWp0I66i7Dy5PsdXFuApw1Eg8RndfuykLZa4Q/512EPrsIfzYtOmwje43wh4h+1u7KQvm5bk601wh9NlijXYQ+uwh/HqLrZkTXh+h4PDQP8lQ/PvAlSrT2xl0oRHQ5biOXXYQ+uwh/dhH+7CL82bRI3Ua2XKPvtTfuQvneReizi/BnF+HPLsKfTYu0bYQWsd5PfImIDmtv3IVy2EXos4vwZxfhzy7CH0okbyO7CH+2/D46rr1xF8pxF6HPLsKfXYQ/uwh/KJGyjWxatPZwWShEpK69cReKuovQZxfhzy7Cn12EP0SkGduItmHRzFF3P3r63ZHzTl4YdYqsHg/e/YdF2e7xcFRVrba109gMFp2evGhmjzpFVZLcvJVpl7K8hWaVB1liNVNdJh7VZ4Wd7P4aaa5I866lFEnDRHWksC5eVgtH8VWy8PHGTE5V/rr+QqSocTnm9CpTM+SMmRhVVJcPKbPYv5VFcs7x1F3P1eeikl1sXZHGB0lRLH+eSI75ICk6KZ8nctkOkaQN+cNEWjBRIimU0YpkHY4hmxOgqNIMHRaRJo6giLO+dyM/F1nsvpfqWVAv92Eihe0u3bNE+TgR/FkURfWhUHPMIBsguh6N0yKNs7o/EGkVIEpj+XA8fltJ0GzqDxMdQwBka+2gqQ/p9FYkpaNIiEXuje3OddQfg738rFCTcYmME9sdKXntbY1MBOy802JrotJ6bSUiInLia7y2+aZEbXuyxXbn5vXXGQazDs+6xUWGoql2kXU/DDrOssLWNFmZ65oQufeflwvU6PHDdO8ki/0xu/Rb7RVRvZNJgupW7y3bU+T6JLnej97MPLNUhbPIbJEV9U2y/eknHds5lfhfNMo/sb23oRX5LQXWGUmpGdtz3nxEpOiep7eP+5MFUEZJj+0SCnsCVX/CkrZUQFRvQG+8RkNOzHTi5LL0rW6x8YL0bwolGtdolqir0fQxAyQCNrdsVczFmdFS6fXp+4kSecPMEqntrAYkkklTYI288frkYKI+j+XCYtzRUdCIdMV/7mkWTDNmY6AU6bo5C9QknqwSEpFuzAdJUjZFQiJSoFMWfhIDu0ievDjD5ubquEV6AjVet3krU3B/Hvn8cYdDBJxUSlKVaJqmWvENMiXcImEQKcCYi26W1nZaN9SAXXFkcos0JZpxXLeICDpLDnVSBDkDusAtEhGN72p5J78LcMbn9+nudemgiDSlASLF66cC20NKbZ3qCnAnIfKp9gcxiIjVPj8/8mbVCBY9VsNes42C4YgBrgyUJ06NpkRdCuD8yB418pYIOkl2hyuQ2SOkKOMMO4M76vrBB4sG84Cjjrr5Cooeo4TdLwyGbLsC4IKgD93dHY66lUQye7gQxfqgfdcDhr7JeSOtLoL2dOn4KEdX2E+s0hp24j3RaUERsPnLLBmlYPceaYJVBB0Bja85p8ANn3rXgFX02kEqaSGAeywoGs7zjghYdqYoxyp68USCtMDZfX+wqHomav53fkBcWDSYx4NEBpkuAyLj3oSwSDIVsMM6ETVAp/3V/KG2tP/xRPRccI1IW7Comyr8PupE9052bbW/0yLHpX/1T1wRmQuskULa4oqcd/Z1pjLu6li0zqgDP49m5fmo+2NR3z50zFBYczLsBB6Rxx6y8Q5wRoE7LCaylhM5BnTs7cGdmZP1RZzdygeLXOjW9fg94jYXUnjjbBHRcJ5nImVKBA67fFgkL/HzIE4KRW7vM0/i/kQ0WSPHg75KldHdqc+h7pfZ0jKs/GuDM3hvNSLizSEqoroE1Yia7ELf00kIWS/o09z+EmLA6bC3hMh9TwRskDq51x47e4Zzhc73Qt64wyByPOjmUVT6cZZkcQV+0zxNflX05qgD36tSe3MilcCr1FLEe9sPRDYYjmgwD1wjMl1hm4h0ugF43PETVd6wB3RbKES2Pu+2cr9waHFBWESO+8JtyxrkckFYRDa8dxAAoRHNH3hRNTHkUIlsY9Z3TqR6LzcFokScSsKi4TzPRMYske0VT78XJJkJZ8uTzojV6FdEtmNkE9/diqLUzJTpAtmzalQyF6FvI5ETA9+OpraQwTYhwRvQMYqryX6sNn8vq8AynnqoGuXuCY7N/vMR3R7N47DzePR04J+gjJt4rM7V3SzwzbC8FzYtb2Z1jQtDd3nLDOLmD1E9v90++qfT4Lfh5N+cq/508shXb5st6Ll1cWa2RYu2EUo0p6QfkF2EP7sIf3YR/hCRs3ZXFoqzYdEGR92su1D4Q486yzq1D/L0iS85W67R2l1ZKLsIfzYs4l05+bg8rpxU/lZS3UXbyvZE/wFXu+LXNTDaDQAAAABJRU5ErkJggg=="/>
+          <p:cNvSpPr>
+            <a:spLocks noChangeAspect="1" noChangeArrowheads="1"/>
+          </p:cNvSpPr>
+          <p:nvPr/>
+        </p:nvSpPr>
+        <p:spPr bwMode="auto">
+          <a:xfrm>
+            <a:off x="207436" y="-116412"/>
+            <a:ext cx="406400" cy="406402"/>
+          </a:xfrm>
+          <a:prstGeom prst="rect">
+            <a:avLst/>
+          </a:prstGeom>
+          <a:noFill/>
+          <a:extLst>
+            <a:ext uri="{909E8E84-426E-40DD-AFC4-6F175D3DCCD1}">
+              <a14:hiddenFill xmlns:a14="http://schemas.microsoft.com/office/drawing/2010/main">
+                <a:solidFill>
+                  <a:srgbClr val="FFFFFF"/>
+                </a:solidFill>
+              </a14:hiddenFill>
+            </a:ext>
+          </a:extLst>
+        </p:spPr>
+        <p:txBody>
+          <a:bodyPr vert="horz" wrap="square" lIns="121920" tIns="60960" rIns="121920" bIns="60960" numCol="1" anchor="t" anchorCtr="0" compatLnSpc="1">
+            <a:prstTxWarp prst="textNoShape">
+              <a:avLst/>
+            </a:prstTxWarp>
+          </a:bodyPr>
+          <a:lstStyle/>
+          <a:p>
+            <a:endParaRPr lang="en-US" sz="1600" dirty="0"/>
+          </a:p>
+        </p:txBody>
+      </p:sp>
+      <p:sp>
+        <p:nvSpPr>
+          <p:cNvPr id="2" name="AutoShape 2" descr="Image result for file"/>
+          <p:cNvSpPr>
+            <a:spLocks noChangeAspect="1" noChangeArrowheads="1"/>
+          </p:cNvSpPr>
+          <p:nvPr/>
+        </p:nvSpPr>
+        <p:spPr bwMode="auto">
+          <a:xfrm>
+            <a:off x="410635" y="86789"/>
+            <a:ext cx="406400" cy="406402"/>
+          </a:xfrm>
+          <a:prstGeom prst="rect">
+            <a:avLst/>
+          </a:prstGeom>
+          <a:noFill/>
+          <a:extLst>
+            <a:ext uri="{909E8E84-426E-40DD-AFC4-6F175D3DCCD1}">
+              <a14:hiddenFill xmlns:a14="http://schemas.microsoft.com/office/drawing/2010/main">
+                <a:solidFill>
+                  <a:srgbClr val="FFFFFF"/>
+                </a:solidFill>
+              </a14:hiddenFill>
+            </a:ext>
+          </a:extLst>
+        </p:spPr>
+        <p:txBody>
+          <a:bodyPr vert="horz" wrap="square" lIns="121920" tIns="60960" rIns="121920" bIns="60960" numCol="1" anchor="t" anchorCtr="0" compatLnSpc="1">
+            <a:prstTxWarp prst="textNoShape">
+              <a:avLst/>
+            </a:prstTxWarp>
+          </a:bodyPr>
+          <a:lstStyle/>
+          <a:p>
+            <a:endParaRPr lang="en-US" sz="2400" dirty="0"/>
+          </a:p>
+        </p:txBody>
+      </p:sp>
+      <p:sp>
+        <p:nvSpPr>
+          <p:cNvPr id="6" name="AutoShape 2" descr="Image result for activemq image"/>
+          <p:cNvSpPr>
+            <a:spLocks noChangeAspect="1" noChangeArrowheads="1"/>
+          </p:cNvSpPr>
+          <p:nvPr/>
+        </p:nvSpPr>
+        <p:spPr bwMode="auto">
+          <a:xfrm>
+            <a:off x="1020234" y="289990"/>
+            <a:ext cx="406400" cy="406402"/>
+          </a:xfrm>
+          <a:prstGeom prst="rect">
+            <a:avLst/>
+          </a:prstGeom>
+          <a:noFill/>
+          <a:extLst>
+            <a:ext uri="{909E8E84-426E-40DD-AFC4-6F175D3DCCD1}">
+              <a14:hiddenFill xmlns:a14="http://schemas.microsoft.com/office/drawing/2010/main">
+                <a:solidFill>
+                  <a:srgbClr val="FFFFFF"/>
+                </a:solidFill>
+              </a14:hiddenFill>
+            </a:ext>
+          </a:extLst>
+        </p:spPr>
+        <p:txBody>
+          <a:bodyPr vert="horz" wrap="square" lIns="121920" tIns="60960" rIns="121920" bIns="60960" numCol="1" anchor="t" anchorCtr="0" compatLnSpc="1">
+            <a:prstTxWarp prst="textNoShape">
+              <a:avLst/>
+            </a:prstTxWarp>
+          </a:bodyPr>
+          <a:lstStyle/>
+          <a:p>
+            <a:endParaRPr lang="en-US" sz="2400" dirty="0"/>
+          </a:p>
+        </p:txBody>
+      </p:sp>
+      <p:sp>
+        <p:nvSpPr>
+          <p:cNvPr id="14" name="Rectangle 13"/>
+          <p:cNvSpPr/>
+          <p:nvPr/>
+        </p:nvSpPr>
+        <p:spPr>
+          <a:xfrm>
+            <a:off x="4191000" y="38475"/>
+            <a:ext cx="3657600" cy="400110"/>
+          </a:xfrm>
+          <a:prstGeom prst="rect">
+            <a:avLst/>
+          </a:prstGeom>
+        </p:spPr>
+        <p:style>
+          <a:lnRef idx="1">
+            <a:schemeClr val="accent4"/>
+          </a:lnRef>
+          <a:fillRef idx="3">
+            <a:schemeClr val="accent4"/>
+          </a:fillRef>
+          <a:effectRef idx="2">
+            <a:schemeClr val="accent4"/>
+          </a:effectRef>
+          <a:fontRef idx="minor">
+            <a:schemeClr val="lt1"/>
+          </a:fontRef>
+        </p:style>
+        <p:txBody>
+          <a:bodyPr wrap="square">
+            <a:spAutoFit/>
+          </a:bodyPr>
+          <a:lstStyle>
+            <a:defPPr>
+              <a:defRPr lang="en-US"/>
+            </a:defPPr>
+            <a:lvl1pPr marL="0" algn="l" defTabSz="914400" rtl="0" eaLnBrk="1" latinLnBrk="0" hangingPunct="1">
+              <a:defRPr sz="1800" kern="1200">
+                <a:solidFill>
+                  <a:schemeClr val="lt1"/>
+                </a:solidFill>
+                <a:latin typeface="+mn-lt"/>
+                <a:ea typeface="+mn-ea"/>
+                <a:cs typeface="+mn-cs"/>
+              </a:defRPr>
+            </a:lvl1pPr>
+            <a:lvl2pPr marL="457200" algn="l" defTabSz="914400" rtl="0" eaLnBrk="1" latinLnBrk="0" hangingPunct="1">
+              <a:defRPr sz="1800" kern="1200">
+                <a:solidFill>
+                  <a:schemeClr val="lt1"/>
+                </a:solidFill>
+                <a:latin typeface="+mn-lt"/>
+                <a:ea typeface="+mn-ea"/>
+                <a:cs typeface="+mn-cs"/>
+              </a:defRPr>
+            </a:lvl2pPr>
+            <a:lvl3pPr marL="914400" algn="l" defTabSz="914400" rtl="0" eaLnBrk="1" latinLnBrk="0" hangingPunct="1">
+              <a:defRPr sz="1800" kern="1200">
+                <a:solidFill>
+                  <a:schemeClr val="lt1"/>
+                </a:solidFill>
+                <a:latin typeface="+mn-lt"/>
+                <a:ea typeface="+mn-ea"/>
+                <a:cs typeface="+mn-cs"/>
+              </a:defRPr>
+            </a:lvl3pPr>
+            <a:lvl4pPr marL="1371600" algn="l" defTabSz="914400" rtl="0" eaLnBrk="1" latinLnBrk="0" hangingPunct="1">
+              <a:defRPr sz="1800" kern="1200">
+                <a:solidFill>
+                  <a:schemeClr val="lt1"/>
+                </a:solidFill>
+                <a:latin typeface="+mn-lt"/>
+                <a:ea typeface="+mn-ea"/>
+                <a:cs typeface="+mn-cs"/>
+              </a:defRPr>
+            </a:lvl4pPr>
+            <a:lvl5pPr marL="1828800" algn="l" defTabSz="914400" rtl="0" eaLnBrk="1" latinLnBrk="0" hangingPunct="1">
+              <a:defRPr sz="1800" kern="1200">
+                <a:solidFill>
+                  <a:schemeClr val="lt1"/>
+                </a:solidFill>
+                <a:latin typeface="+mn-lt"/>
+                <a:ea typeface="+mn-ea"/>
+                <a:cs typeface="+mn-cs"/>
+              </a:defRPr>
+            </a:lvl5pPr>
+            <a:lvl6pPr marL="2286000" algn="l" defTabSz="914400" rtl="0" eaLnBrk="1" latinLnBrk="0" hangingPunct="1">
+              <a:defRPr sz="1800" kern="1200">
+                <a:solidFill>
+                  <a:schemeClr val="lt1"/>
+                </a:solidFill>
+                <a:latin typeface="+mn-lt"/>
+                <a:ea typeface="+mn-ea"/>
+                <a:cs typeface="+mn-cs"/>
+              </a:defRPr>
+            </a:lvl6pPr>
+            <a:lvl7pPr marL="2743200" algn="l" defTabSz="914400" rtl="0" eaLnBrk="1" latinLnBrk="0" hangingPunct="1">
+              <a:defRPr sz="1800" kern="1200">
+                <a:solidFill>
+                  <a:schemeClr val="lt1"/>
+                </a:solidFill>
+                <a:latin typeface="+mn-lt"/>
+                <a:ea typeface="+mn-ea"/>
+                <a:cs typeface="+mn-cs"/>
+              </a:defRPr>
+            </a:lvl7pPr>
+            <a:lvl8pPr marL="3200400" algn="l" defTabSz="914400" rtl="0" eaLnBrk="1" latinLnBrk="0" hangingPunct="1">
+              <a:defRPr sz="1800" kern="1200">
+                <a:solidFill>
+                  <a:schemeClr val="lt1"/>
+                </a:solidFill>
+                <a:latin typeface="+mn-lt"/>
+                <a:ea typeface="+mn-ea"/>
+                <a:cs typeface="+mn-cs"/>
+              </a:defRPr>
+            </a:lvl8pPr>
+            <a:lvl9pPr marL="3657600" algn="l" defTabSz="914400" rtl="0" eaLnBrk="1" latinLnBrk="0" hangingPunct="1">
+              <a:defRPr sz="1800" kern="1200">
+                <a:solidFill>
+                  <a:schemeClr val="lt1"/>
+                </a:solidFill>
+                <a:latin typeface="+mn-lt"/>
+                <a:ea typeface="+mn-ea"/>
+                <a:cs typeface="+mn-cs"/>
+              </a:defRPr>
+            </a:lvl9pPr>
+          </a:lstStyle>
+          <a:p>
+            <a:pPr algn="ctr"/>
+            <a:r>
+              <a:rPr lang="en-US" sz="2000" dirty="0"/>
               <a:t>Spring Security for User Sign-in</a:t>
             </a:r>
           </a:p>
@@ -7777,7 +8195,7 @@
 </p:sld>
 </file>
 
-<file path=ppt/slides/slide16.xml><?xml version="1.0" encoding="utf-8"?>
+<file path=ppt/slides/slide17.xml><?xml version="1.0" encoding="utf-8"?>
 <p:sld xmlns:a="http://schemas.openxmlformats.org/drawingml/2006/main" xmlns:r="http://schemas.openxmlformats.org/officeDocument/2006/relationships" xmlns:p="http://schemas.openxmlformats.org/presentationml/2006/main">
   <p:cSld>
     <p:spTree>

--- a/Java_2021/SpringBoot_Signup_Signin/User_Signin_Signup_Security.pptx
+++ b/Java_2021/SpringBoot_Signup_Signin/User_Signin_Signup_Security.pptx
@@ -238,7 +238,7 @@
           <a:p>
             <a:fld id="{62274EC6-3890-417B-9308-14EFBD00FA63}" type="datetimeFigureOut">
               <a:rPr lang="en-US" smtClean="0"/>
-              <a:t>8/27/2021</a:t>
+              <a:t>8/30/2021</a:t>
             </a:fld>
             <a:endParaRPr lang="en-US" dirty="0"/>
           </a:p>
@@ -2198,7 +2198,7 @@
             <a:fld id="{1D8BD707-D9CF-40AE-B4C6-C98DA3205C09}" type="datetimeFigureOut">
               <a:rPr lang="en-US" smtClean="0"/>
               <a:pPr/>
-              <a:t>8/27/2021</a:t>
+              <a:t>8/30/2021</a:t>
             </a:fld>
             <a:endParaRPr lang="en-US" dirty="0"/>
           </a:p>
@@ -2368,7 +2368,7 @@
             <a:fld id="{1D8BD707-D9CF-40AE-B4C6-C98DA3205C09}" type="datetimeFigureOut">
               <a:rPr lang="en-US" smtClean="0"/>
               <a:pPr/>
-              <a:t>8/27/2021</a:t>
+              <a:t>8/30/2021</a:t>
             </a:fld>
             <a:endParaRPr lang="en-US" dirty="0"/>
           </a:p>
@@ -2548,7 +2548,7 @@
             <a:fld id="{1D8BD707-D9CF-40AE-B4C6-C98DA3205C09}" type="datetimeFigureOut">
               <a:rPr lang="en-US" smtClean="0"/>
               <a:pPr/>
-              <a:t>8/27/2021</a:t>
+              <a:t>8/30/2021</a:t>
             </a:fld>
             <a:endParaRPr lang="en-US" dirty="0"/>
           </a:p>
@@ -2718,7 +2718,7 @@
             <a:fld id="{1D8BD707-D9CF-40AE-B4C6-C98DA3205C09}" type="datetimeFigureOut">
               <a:rPr lang="en-US" smtClean="0"/>
               <a:pPr/>
-              <a:t>8/27/2021</a:t>
+              <a:t>8/30/2021</a:t>
             </a:fld>
             <a:endParaRPr lang="en-US" dirty="0"/>
           </a:p>
@@ -2965,7 +2965,7 @@
             <a:fld id="{1D8BD707-D9CF-40AE-B4C6-C98DA3205C09}" type="datetimeFigureOut">
               <a:rPr lang="en-US" smtClean="0"/>
               <a:pPr/>
-              <a:t>8/27/2021</a:t>
+              <a:t>8/30/2021</a:t>
             </a:fld>
             <a:endParaRPr lang="en-US" dirty="0"/>
           </a:p>
@@ -3252,7 +3252,7 @@
             <a:fld id="{1D8BD707-D9CF-40AE-B4C6-C98DA3205C09}" type="datetimeFigureOut">
               <a:rPr lang="en-US" smtClean="0"/>
               <a:pPr/>
-              <a:t>8/27/2021</a:t>
+              <a:t>8/30/2021</a:t>
             </a:fld>
             <a:endParaRPr lang="en-US" dirty="0"/>
           </a:p>
@@ -3678,7 +3678,7 @@
             <a:fld id="{1D8BD707-D9CF-40AE-B4C6-C98DA3205C09}" type="datetimeFigureOut">
               <a:rPr lang="en-US" smtClean="0"/>
               <a:pPr/>
-              <a:t>8/27/2021</a:t>
+              <a:t>8/30/2021</a:t>
             </a:fld>
             <a:endParaRPr lang="en-US" dirty="0"/>
           </a:p>
@@ -3797,7 +3797,7 @@
             <a:fld id="{1D8BD707-D9CF-40AE-B4C6-C98DA3205C09}" type="datetimeFigureOut">
               <a:rPr lang="en-US" smtClean="0"/>
               <a:pPr/>
-              <a:t>8/27/2021</a:t>
+              <a:t>8/30/2021</a:t>
             </a:fld>
             <a:endParaRPr lang="en-US" dirty="0"/>
           </a:p>
@@ -3894,7 +3894,7 @@
             <a:fld id="{1D8BD707-D9CF-40AE-B4C6-C98DA3205C09}" type="datetimeFigureOut">
               <a:rPr lang="en-US" smtClean="0"/>
               <a:pPr/>
-              <a:t>8/27/2021</a:t>
+              <a:t>8/30/2021</a:t>
             </a:fld>
             <a:endParaRPr lang="en-US" dirty="0"/>
           </a:p>
@@ -4171,7 +4171,7 @@
             <a:fld id="{1D8BD707-D9CF-40AE-B4C6-C98DA3205C09}" type="datetimeFigureOut">
               <a:rPr lang="en-US" smtClean="0"/>
               <a:pPr/>
-              <a:t>8/27/2021</a:t>
+              <a:t>8/30/2021</a:t>
             </a:fld>
             <a:endParaRPr lang="en-US" dirty="0"/>
           </a:p>
@@ -4425,7 +4425,7 @@
             <a:fld id="{1D8BD707-D9CF-40AE-B4C6-C98DA3205C09}" type="datetimeFigureOut">
               <a:rPr lang="en-US" smtClean="0"/>
               <a:pPr/>
-              <a:t>8/27/2021</a:t>
+              <a:t>8/30/2021</a:t>
             </a:fld>
             <a:endParaRPr lang="en-US" dirty="0"/>
           </a:p>
@@ -4638,7 +4638,7 @@
             <a:fld id="{1D8BD707-D9CF-40AE-B4C6-C98DA3205C09}" type="datetimeFigureOut">
               <a:rPr lang="en-US" smtClean="0"/>
               <a:pPr/>
-              <a:t>8/27/2021</a:t>
+              <a:t>8/30/2021</a:t>
             </a:fld>
             <a:endParaRPr lang="en-US" dirty="0"/>
           </a:p>
@@ -7769,8 +7769,8 @@
         </p:nvSpPr>
         <p:spPr>
           <a:xfrm>
-            <a:off x="4648200" y="38475"/>
-            <a:ext cx="2590800" cy="400110"/>
+            <a:off x="4343400" y="57090"/>
+            <a:ext cx="3276600" cy="400110"/>
           </a:xfrm>
           <a:prstGeom prst="rect">
             <a:avLst/>
@@ -7893,11 +7893,55 @@
             <a:pPr algn="ctr"/>
             <a:r>
               <a:rPr lang="en-US" sz="2000" dirty="0"/>
-              <a:t>Exceptions Handling</a:t>
-            </a:r>
-          </a:p>
-        </p:txBody>
-      </p:sp>
+              <a:t>Update User Details API Call</a:t>
+            </a:r>
+          </a:p>
+        </p:txBody>
+      </p:sp>
+      <p:pic>
+        <p:nvPicPr>
+          <p:cNvPr id="4" name="Picture 3">
+            <a:extLst>
+              <a:ext uri="{FF2B5EF4-FFF2-40B4-BE49-F238E27FC236}">
+                <a16:creationId xmlns:a16="http://schemas.microsoft.com/office/drawing/2014/main" id="{3E4F5F9F-0318-4752-974B-89E7B91A3388}"/>
+              </a:ext>
+            </a:extLst>
+          </p:cNvPr>
+          <p:cNvPicPr>
+            <a:picLocks noChangeAspect="1"/>
+          </p:cNvPicPr>
+          <p:nvPr/>
+        </p:nvPicPr>
+        <p:blipFill>
+          <a:blip r:embed="rId3"/>
+          <a:stretch>
+            <a:fillRect/>
+          </a:stretch>
+        </p:blipFill>
+        <p:spPr>
+          <a:xfrm>
+            <a:off x="447078" y="1295400"/>
+            <a:ext cx="11505426" cy="4976002"/>
+          </a:xfrm>
+          <a:prstGeom prst="rect">
+            <a:avLst/>
+          </a:prstGeom>
+        </p:spPr>
+        <p:style>
+          <a:lnRef idx="1">
+            <a:schemeClr val="accent5"/>
+          </a:lnRef>
+          <a:fillRef idx="2">
+            <a:schemeClr val="accent5"/>
+          </a:fillRef>
+          <a:effectRef idx="1">
+            <a:schemeClr val="accent5"/>
+          </a:effectRef>
+          <a:fontRef idx="minor">
+            <a:schemeClr val="dk1"/>
+          </a:fontRef>
+        </p:style>
+      </p:pic>
     </p:spTree>
     <p:extLst>
       <p:ext uri="{BB962C8B-B14F-4D97-AF65-F5344CB8AC3E}">

--- a/Java_2021/SpringBoot_Signup_Signin/User_Signin_Signup_Security.pptx
+++ b/Java_2021/SpringBoot_Signup_Signin/User_Signin_Signup_Security.pptx
@@ -238,7 +238,7 @@
           <a:p>
             <a:fld id="{62274EC6-3890-417B-9308-14EFBD00FA63}" type="datetimeFigureOut">
               <a:rPr lang="en-US" smtClean="0"/>
-              <a:t>8/30/2021</a:t>
+              <a:t>9/7/2021</a:t>
             </a:fld>
             <a:endParaRPr lang="en-US" dirty="0"/>
           </a:p>
@@ -2198,7 +2198,7 @@
             <a:fld id="{1D8BD707-D9CF-40AE-B4C6-C98DA3205C09}" type="datetimeFigureOut">
               <a:rPr lang="en-US" smtClean="0"/>
               <a:pPr/>
-              <a:t>8/30/2021</a:t>
+              <a:t>9/7/2021</a:t>
             </a:fld>
             <a:endParaRPr lang="en-US" dirty="0"/>
           </a:p>
@@ -2368,7 +2368,7 @@
             <a:fld id="{1D8BD707-D9CF-40AE-B4C6-C98DA3205C09}" type="datetimeFigureOut">
               <a:rPr lang="en-US" smtClean="0"/>
               <a:pPr/>
-              <a:t>8/30/2021</a:t>
+              <a:t>9/7/2021</a:t>
             </a:fld>
             <a:endParaRPr lang="en-US" dirty="0"/>
           </a:p>
@@ -2548,7 +2548,7 @@
             <a:fld id="{1D8BD707-D9CF-40AE-B4C6-C98DA3205C09}" type="datetimeFigureOut">
               <a:rPr lang="en-US" smtClean="0"/>
               <a:pPr/>
-              <a:t>8/30/2021</a:t>
+              <a:t>9/7/2021</a:t>
             </a:fld>
             <a:endParaRPr lang="en-US" dirty="0"/>
           </a:p>
@@ -2718,7 +2718,7 @@
             <a:fld id="{1D8BD707-D9CF-40AE-B4C6-C98DA3205C09}" type="datetimeFigureOut">
               <a:rPr lang="en-US" smtClean="0"/>
               <a:pPr/>
-              <a:t>8/30/2021</a:t>
+              <a:t>9/7/2021</a:t>
             </a:fld>
             <a:endParaRPr lang="en-US" dirty="0"/>
           </a:p>
@@ -2965,7 +2965,7 @@
             <a:fld id="{1D8BD707-D9CF-40AE-B4C6-C98DA3205C09}" type="datetimeFigureOut">
               <a:rPr lang="en-US" smtClean="0"/>
               <a:pPr/>
-              <a:t>8/30/2021</a:t>
+              <a:t>9/7/2021</a:t>
             </a:fld>
             <a:endParaRPr lang="en-US" dirty="0"/>
           </a:p>
@@ -3252,7 +3252,7 @@
             <a:fld id="{1D8BD707-D9CF-40AE-B4C6-C98DA3205C09}" type="datetimeFigureOut">
               <a:rPr lang="en-US" smtClean="0"/>
               <a:pPr/>
-              <a:t>8/30/2021</a:t>
+              <a:t>9/7/2021</a:t>
             </a:fld>
             <a:endParaRPr lang="en-US" dirty="0"/>
           </a:p>
@@ -3678,7 +3678,7 @@
             <a:fld id="{1D8BD707-D9CF-40AE-B4C6-C98DA3205C09}" type="datetimeFigureOut">
               <a:rPr lang="en-US" smtClean="0"/>
               <a:pPr/>
-              <a:t>8/30/2021</a:t>
+              <a:t>9/7/2021</a:t>
             </a:fld>
             <a:endParaRPr lang="en-US" dirty="0"/>
           </a:p>
@@ -3797,7 +3797,7 @@
             <a:fld id="{1D8BD707-D9CF-40AE-B4C6-C98DA3205C09}" type="datetimeFigureOut">
               <a:rPr lang="en-US" smtClean="0"/>
               <a:pPr/>
-              <a:t>8/30/2021</a:t>
+              <a:t>9/7/2021</a:t>
             </a:fld>
             <a:endParaRPr lang="en-US" dirty="0"/>
           </a:p>
@@ -3894,7 +3894,7 @@
             <a:fld id="{1D8BD707-D9CF-40AE-B4C6-C98DA3205C09}" type="datetimeFigureOut">
               <a:rPr lang="en-US" smtClean="0"/>
               <a:pPr/>
-              <a:t>8/30/2021</a:t>
+              <a:t>9/7/2021</a:t>
             </a:fld>
             <a:endParaRPr lang="en-US" dirty="0"/>
           </a:p>
@@ -4171,7 +4171,7 @@
             <a:fld id="{1D8BD707-D9CF-40AE-B4C6-C98DA3205C09}" type="datetimeFigureOut">
               <a:rPr lang="en-US" smtClean="0"/>
               <a:pPr/>
-              <a:t>8/30/2021</a:t>
+              <a:t>9/7/2021</a:t>
             </a:fld>
             <a:endParaRPr lang="en-US" dirty="0"/>
           </a:p>
@@ -4425,7 +4425,7 @@
             <a:fld id="{1D8BD707-D9CF-40AE-B4C6-C98DA3205C09}" type="datetimeFigureOut">
               <a:rPr lang="en-US" smtClean="0"/>
               <a:pPr/>
-              <a:t>8/30/2021</a:t>
+              <a:t>9/7/2021</a:t>
             </a:fld>
             <a:endParaRPr lang="en-US" dirty="0"/>
           </a:p>
@@ -4638,7 +4638,7 @@
             <a:fld id="{1D8BD707-D9CF-40AE-B4C6-C98DA3205C09}" type="datetimeFigureOut">
               <a:rPr lang="en-US" smtClean="0"/>
               <a:pPr/>
-              <a:t>8/30/2021</a:t>
+              <a:t>9/7/2021</a:t>
             </a:fld>
             <a:endParaRPr lang="en-US" dirty="0"/>
           </a:p>
@@ -8097,8 +8097,8 @@
         </p:nvSpPr>
         <p:spPr>
           <a:xfrm>
-            <a:off x="4191000" y="38475"/>
-            <a:ext cx="3657600" cy="400110"/>
+            <a:off x="4800600" y="57090"/>
+            <a:ext cx="2362200" cy="400110"/>
           </a:xfrm>
           <a:prstGeom prst="rect">
             <a:avLst/>
@@ -8221,11 +8221,55 @@
             <a:pPr algn="ctr"/>
             <a:r>
               <a:rPr lang="en-US" sz="2000" dirty="0"/>
-              <a:t>Spring Security for User Sign-in</a:t>
-            </a:r>
-          </a:p>
-        </p:txBody>
-      </p:sp>
+              <a:t>Delete User API Call</a:t>
+            </a:r>
+          </a:p>
+        </p:txBody>
+      </p:sp>
+      <p:pic>
+        <p:nvPicPr>
+          <p:cNvPr id="4" name="Picture 3">
+            <a:extLst>
+              <a:ext uri="{FF2B5EF4-FFF2-40B4-BE49-F238E27FC236}">
+                <a16:creationId xmlns:a16="http://schemas.microsoft.com/office/drawing/2014/main" id="{0ADCE0DE-B16D-44EE-9EF0-E6AF57CA9AF0}"/>
+              </a:ext>
+            </a:extLst>
+          </p:cNvPr>
+          <p:cNvPicPr>
+            <a:picLocks noChangeAspect="1"/>
+          </p:cNvPicPr>
+          <p:nvPr/>
+        </p:nvPicPr>
+        <p:blipFill>
+          <a:blip r:embed="rId3"/>
+          <a:stretch>
+            <a:fillRect/>
+          </a:stretch>
+        </p:blipFill>
+        <p:spPr>
+          <a:xfrm>
+            <a:off x="613835" y="1905000"/>
+            <a:ext cx="11345229" cy="3202856"/>
+          </a:xfrm>
+          <a:prstGeom prst="rect">
+            <a:avLst/>
+          </a:prstGeom>
+        </p:spPr>
+        <p:style>
+          <a:lnRef idx="1">
+            <a:schemeClr val="accent4"/>
+          </a:lnRef>
+          <a:fillRef idx="2">
+            <a:schemeClr val="accent4"/>
+          </a:fillRef>
+          <a:effectRef idx="1">
+            <a:schemeClr val="accent4"/>
+          </a:effectRef>
+          <a:fontRef idx="minor">
+            <a:schemeClr val="dk1"/>
+          </a:fontRef>
+        </p:style>
+      </p:pic>
     </p:spTree>
     <p:extLst>
       <p:ext uri="{BB962C8B-B14F-4D97-AF65-F5344CB8AC3E}">

--- a/Java_2021/SpringBoot_Signup_Signin/User_Signin_Signup_Security.pptx
+++ b/Java_2021/SpringBoot_Signup_Signin/User_Signin_Signup_Security.pptx
@@ -5,7 +5,7 @@
     <p:sldMasterId id="2147483672" r:id="rId1"/>
   </p:sldMasterIdLst>
   <p:notesMasterIdLst>
-    <p:notesMasterId r:id="rId19"/>
+    <p:notesMasterId r:id="rId21"/>
   </p:notesMasterIdLst>
   <p:sldIdLst>
     <p:sldId id="467" r:id="rId2"/>
@@ -25,6 +25,8 @@
     <p:sldId id="479" r:id="rId16"/>
     <p:sldId id="480" r:id="rId17"/>
     <p:sldId id="481" r:id="rId18"/>
+    <p:sldId id="483" r:id="rId19"/>
+    <p:sldId id="484" r:id="rId20"/>
   </p:sldIdLst>
   <p:sldSz cx="12192000" cy="6858000"/>
   <p:notesSz cx="6858000" cy="9144000"/>
@@ -238,7 +240,7 @@
           <a:p>
             <a:fld id="{62274EC6-3890-417B-9308-14EFBD00FA63}" type="datetimeFigureOut">
               <a:rPr lang="en-US" smtClean="0"/>
-              <a:t>9/7/2021</a:t>
+              <a:t>9/9/2021</a:t>
             </a:fld>
             <a:endParaRPr lang="en-US" dirty="0"/>
           </a:p>
@@ -1306,6 +1308,184 @@
 </p:notes>
 </file>
 
+<file path=ppt/notesSlides/notesSlide18.xml><?xml version="1.0" encoding="utf-8"?>
+<p:notes xmlns:a="http://schemas.openxmlformats.org/drawingml/2006/main" xmlns:r="http://schemas.openxmlformats.org/officeDocument/2006/relationships" xmlns:p="http://schemas.openxmlformats.org/presentationml/2006/main">
+  <p:cSld>
+    <p:spTree>
+      <p:nvGrpSpPr>
+        <p:cNvPr id="1" name=""/>
+        <p:cNvGrpSpPr/>
+        <p:nvPr/>
+      </p:nvGrpSpPr>
+      <p:grpSpPr>
+        <a:xfrm>
+          <a:off x="0" y="0"/>
+          <a:ext cx="0" cy="0"/>
+          <a:chOff x="0" y="0"/>
+          <a:chExt cx="0" cy="0"/>
+        </a:xfrm>
+      </p:grpSpPr>
+      <p:sp>
+        <p:nvSpPr>
+          <p:cNvPr id="2" name="Slide Image Placeholder 1"/>
+          <p:cNvSpPr>
+            <a:spLocks noGrp="1" noRot="1" noChangeAspect="1"/>
+          </p:cNvSpPr>
+          <p:nvPr>
+            <p:ph type="sldImg"/>
+          </p:nvPr>
+        </p:nvSpPr>
+        <p:spPr>
+          <a:xfrm>
+            <a:off x="381000" y="685800"/>
+            <a:ext cx="6096000" cy="3429000"/>
+          </a:xfrm>
+        </p:spPr>
+      </p:sp>
+      <p:sp>
+        <p:nvSpPr>
+          <p:cNvPr id="3" name="Notes Placeholder 2"/>
+          <p:cNvSpPr>
+            <a:spLocks noGrp="1"/>
+          </p:cNvSpPr>
+          <p:nvPr>
+            <p:ph type="body" idx="1"/>
+          </p:nvPr>
+        </p:nvSpPr>
+        <p:spPr/>
+        <p:txBody>
+          <a:bodyPr/>
+          <a:lstStyle/>
+          <a:p>
+            <a:endParaRPr lang="en-US" dirty="0"/>
+          </a:p>
+        </p:txBody>
+      </p:sp>
+      <p:sp>
+        <p:nvSpPr>
+          <p:cNvPr id="4" name="Slide Number Placeholder 3"/>
+          <p:cNvSpPr>
+            <a:spLocks noGrp="1"/>
+          </p:cNvSpPr>
+          <p:nvPr>
+            <p:ph type="sldNum" sz="quarter" idx="10"/>
+          </p:nvPr>
+        </p:nvSpPr>
+        <p:spPr/>
+        <p:txBody>
+          <a:bodyPr/>
+          <a:lstStyle/>
+          <a:p>
+            <a:fld id="{A883C400-BD9D-4609-A213-F91E9750031E}" type="slidenum">
+              <a:rPr lang="en-US" smtClean="0"/>
+              <a:t>18</a:t>
+            </a:fld>
+            <a:endParaRPr lang="en-US" dirty="0"/>
+          </a:p>
+        </p:txBody>
+      </p:sp>
+    </p:spTree>
+    <p:extLst>
+      <p:ext uri="{BB962C8B-B14F-4D97-AF65-F5344CB8AC3E}">
+        <p14:creationId xmlns:p14="http://schemas.microsoft.com/office/powerpoint/2010/main" val="3220550228"/>
+      </p:ext>
+    </p:extLst>
+  </p:cSld>
+  <p:clrMapOvr>
+    <a:masterClrMapping/>
+  </p:clrMapOvr>
+</p:notes>
+</file>
+
+<file path=ppt/notesSlides/notesSlide19.xml><?xml version="1.0" encoding="utf-8"?>
+<p:notes xmlns:a="http://schemas.openxmlformats.org/drawingml/2006/main" xmlns:r="http://schemas.openxmlformats.org/officeDocument/2006/relationships" xmlns:p="http://schemas.openxmlformats.org/presentationml/2006/main">
+  <p:cSld>
+    <p:spTree>
+      <p:nvGrpSpPr>
+        <p:cNvPr id="1" name=""/>
+        <p:cNvGrpSpPr/>
+        <p:nvPr/>
+      </p:nvGrpSpPr>
+      <p:grpSpPr>
+        <a:xfrm>
+          <a:off x="0" y="0"/>
+          <a:ext cx="0" cy="0"/>
+          <a:chOff x="0" y="0"/>
+          <a:chExt cx="0" cy="0"/>
+        </a:xfrm>
+      </p:grpSpPr>
+      <p:sp>
+        <p:nvSpPr>
+          <p:cNvPr id="2" name="Slide Image Placeholder 1"/>
+          <p:cNvSpPr>
+            <a:spLocks noGrp="1" noRot="1" noChangeAspect="1"/>
+          </p:cNvSpPr>
+          <p:nvPr>
+            <p:ph type="sldImg"/>
+          </p:nvPr>
+        </p:nvSpPr>
+        <p:spPr>
+          <a:xfrm>
+            <a:off x="381000" y="685800"/>
+            <a:ext cx="6096000" cy="3429000"/>
+          </a:xfrm>
+        </p:spPr>
+      </p:sp>
+      <p:sp>
+        <p:nvSpPr>
+          <p:cNvPr id="3" name="Notes Placeholder 2"/>
+          <p:cNvSpPr>
+            <a:spLocks noGrp="1"/>
+          </p:cNvSpPr>
+          <p:nvPr>
+            <p:ph type="body" idx="1"/>
+          </p:nvPr>
+        </p:nvSpPr>
+        <p:spPr/>
+        <p:txBody>
+          <a:bodyPr/>
+          <a:lstStyle/>
+          <a:p>
+            <a:endParaRPr lang="en-US" dirty="0"/>
+          </a:p>
+        </p:txBody>
+      </p:sp>
+      <p:sp>
+        <p:nvSpPr>
+          <p:cNvPr id="4" name="Slide Number Placeholder 3"/>
+          <p:cNvSpPr>
+            <a:spLocks noGrp="1"/>
+          </p:cNvSpPr>
+          <p:nvPr>
+            <p:ph type="sldNum" sz="quarter" idx="10"/>
+          </p:nvPr>
+        </p:nvSpPr>
+        <p:spPr/>
+        <p:txBody>
+          <a:bodyPr/>
+          <a:lstStyle/>
+          <a:p>
+            <a:fld id="{A883C400-BD9D-4609-A213-F91E9750031E}" type="slidenum">
+              <a:rPr lang="en-US" smtClean="0"/>
+              <a:t>19</a:t>
+            </a:fld>
+            <a:endParaRPr lang="en-US" dirty="0"/>
+          </a:p>
+        </p:txBody>
+      </p:sp>
+    </p:spTree>
+    <p:extLst>
+      <p:ext uri="{BB962C8B-B14F-4D97-AF65-F5344CB8AC3E}">
+        <p14:creationId xmlns:p14="http://schemas.microsoft.com/office/powerpoint/2010/main" val="2254184210"/>
+      </p:ext>
+    </p:extLst>
+  </p:cSld>
+  <p:clrMapOvr>
+    <a:masterClrMapping/>
+  </p:clrMapOvr>
+</p:notes>
+</file>
+
 <file path=ppt/notesSlides/notesSlide2.xml><?xml version="1.0" encoding="utf-8"?>
 <p:notes xmlns:a="http://schemas.openxmlformats.org/drawingml/2006/main" xmlns:r="http://schemas.openxmlformats.org/officeDocument/2006/relationships" xmlns:p="http://schemas.openxmlformats.org/presentationml/2006/main">
   <p:cSld>
@@ -2198,7 +2378,7 @@
             <a:fld id="{1D8BD707-D9CF-40AE-B4C6-C98DA3205C09}" type="datetimeFigureOut">
               <a:rPr lang="en-US" smtClean="0"/>
               <a:pPr/>
-              <a:t>9/7/2021</a:t>
+              <a:t>9/9/2021</a:t>
             </a:fld>
             <a:endParaRPr lang="en-US" dirty="0"/>
           </a:p>
@@ -2368,7 +2548,7 @@
             <a:fld id="{1D8BD707-D9CF-40AE-B4C6-C98DA3205C09}" type="datetimeFigureOut">
               <a:rPr lang="en-US" smtClean="0"/>
               <a:pPr/>
-              <a:t>9/7/2021</a:t>
+              <a:t>9/9/2021</a:t>
             </a:fld>
             <a:endParaRPr lang="en-US" dirty="0"/>
           </a:p>
@@ -2548,7 +2728,7 @@
             <a:fld id="{1D8BD707-D9CF-40AE-B4C6-C98DA3205C09}" type="datetimeFigureOut">
               <a:rPr lang="en-US" smtClean="0"/>
               <a:pPr/>
-              <a:t>9/7/2021</a:t>
+              <a:t>9/9/2021</a:t>
             </a:fld>
             <a:endParaRPr lang="en-US" dirty="0"/>
           </a:p>
@@ -2718,7 +2898,7 @@
             <a:fld id="{1D8BD707-D9CF-40AE-B4C6-C98DA3205C09}" type="datetimeFigureOut">
               <a:rPr lang="en-US" smtClean="0"/>
               <a:pPr/>
-              <a:t>9/7/2021</a:t>
+              <a:t>9/9/2021</a:t>
             </a:fld>
             <a:endParaRPr lang="en-US" dirty="0"/>
           </a:p>
@@ -2965,7 +3145,7 @@
             <a:fld id="{1D8BD707-D9CF-40AE-B4C6-C98DA3205C09}" type="datetimeFigureOut">
               <a:rPr lang="en-US" smtClean="0"/>
               <a:pPr/>
-              <a:t>9/7/2021</a:t>
+              <a:t>9/9/2021</a:t>
             </a:fld>
             <a:endParaRPr lang="en-US" dirty="0"/>
           </a:p>
@@ -3252,7 +3432,7 @@
             <a:fld id="{1D8BD707-D9CF-40AE-B4C6-C98DA3205C09}" type="datetimeFigureOut">
               <a:rPr lang="en-US" smtClean="0"/>
               <a:pPr/>
-              <a:t>9/7/2021</a:t>
+              <a:t>9/9/2021</a:t>
             </a:fld>
             <a:endParaRPr lang="en-US" dirty="0"/>
           </a:p>
@@ -3678,7 +3858,7 @@
             <a:fld id="{1D8BD707-D9CF-40AE-B4C6-C98DA3205C09}" type="datetimeFigureOut">
               <a:rPr lang="en-US" smtClean="0"/>
               <a:pPr/>
-              <a:t>9/7/2021</a:t>
+              <a:t>9/9/2021</a:t>
             </a:fld>
             <a:endParaRPr lang="en-US" dirty="0"/>
           </a:p>
@@ -3797,7 +3977,7 @@
             <a:fld id="{1D8BD707-D9CF-40AE-B4C6-C98DA3205C09}" type="datetimeFigureOut">
               <a:rPr lang="en-US" smtClean="0"/>
               <a:pPr/>
-              <a:t>9/7/2021</a:t>
+              <a:t>9/9/2021</a:t>
             </a:fld>
             <a:endParaRPr lang="en-US" dirty="0"/>
           </a:p>
@@ -3894,7 +4074,7 @@
             <a:fld id="{1D8BD707-D9CF-40AE-B4C6-C98DA3205C09}" type="datetimeFigureOut">
               <a:rPr lang="en-US" smtClean="0"/>
               <a:pPr/>
-              <a:t>9/7/2021</a:t>
+              <a:t>9/9/2021</a:t>
             </a:fld>
             <a:endParaRPr lang="en-US" dirty="0"/>
           </a:p>
@@ -4171,7 +4351,7 @@
             <a:fld id="{1D8BD707-D9CF-40AE-B4C6-C98DA3205C09}" type="datetimeFigureOut">
               <a:rPr lang="en-US" smtClean="0"/>
               <a:pPr/>
-              <a:t>9/7/2021</a:t>
+              <a:t>9/9/2021</a:t>
             </a:fld>
             <a:endParaRPr lang="en-US" dirty="0"/>
           </a:p>
@@ -4425,7 +4605,7 @@
             <a:fld id="{1D8BD707-D9CF-40AE-B4C6-C98DA3205C09}" type="datetimeFigureOut">
               <a:rPr lang="en-US" smtClean="0"/>
               <a:pPr/>
-              <a:t>9/7/2021</a:t>
+              <a:t>9/9/2021</a:t>
             </a:fld>
             <a:endParaRPr lang="en-US" dirty="0"/>
           </a:p>
@@ -4638,7 +4818,7 @@
             <a:fld id="{1D8BD707-D9CF-40AE-B4C6-C98DA3205C09}" type="datetimeFigureOut">
               <a:rPr lang="en-US" smtClean="0"/>
               <a:pPr/>
-              <a:t>9/7/2021</a:t>
+              <a:t>9/9/2021</a:t>
             </a:fld>
             <a:endParaRPr lang="en-US" dirty="0"/>
           </a:p>
@@ -8425,8 +8605,8 @@
         </p:nvSpPr>
         <p:spPr>
           <a:xfrm>
-            <a:off x="4191000" y="38475"/>
-            <a:ext cx="3657600" cy="400110"/>
+            <a:off x="3962400" y="38475"/>
+            <a:ext cx="3733800" cy="400110"/>
           </a:xfrm>
           <a:prstGeom prst="rect">
             <a:avLst/>
@@ -8549,15 +8729,627 @@
             <a:pPr algn="ctr"/>
             <a:r>
               <a:rPr lang="en-US" sz="2000" dirty="0"/>
-              <a:t>Spring Security for User Sign-in</a:t>
-            </a:r>
-          </a:p>
-        </p:txBody>
-      </p:sp>
+              <a:t>Pagination and Get Users API Call</a:t>
+            </a:r>
+          </a:p>
+        </p:txBody>
+      </p:sp>
+      <p:pic>
+        <p:nvPicPr>
+          <p:cNvPr id="4" name="Picture 3">
+            <a:extLst>
+              <a:ext uri="{FF2B5EF4-FFF2-40B4-BE49-F238E27FC236}">
+                <a16:creationId xmlns:a16="http://schemas.microsoft.com/office/drawing/2014/main" id="{F4DEAB5B-7110-439D-9164-9682079D35BE}"/>
+              </a:ext>
+            </a:extLst>
+          </p:cNvPr>
+          <p:cNvPicPr>
+            <a:picLocks noChangeAspect="1"/>
+          </p:cNvPicPr>
+          <p:nvPr/>
+        </p:nvPicPr>
+        <p:blipFill>
+          <a:blip r:embed="rId3"/>
+          <a:stretch>
+            <a:fillRect/>
+          </a:stretch>
+        </p:blipFill>
+        <p:spPr>
+          <a:xfrm>
+            <a:off x="410635" y="1600200"/>
+            <a:ext cx="11476565" cy="4296413"/>
+          </a:xfrm>
+          <a:prstGeom prst="rect">
+            <a:avLst/>
+          </a:prstGeom>
+        </p:spPr>
+        <p:style>
+          <a:lnRef idx="1">
+            <a:schemeClr val="accent4"/>
+          </a:lnRef>
+          <a:fillRef idx="2">
+            <a:schemeClr val="accent4"/>
+          </a:fillRef>
+          <a:effectRef idx="1">
+            <a:schemeClr val="accent4"/>
+          </a:effectRef>
+          <a:fontRef idx="minor">
+            <a:schemeClr val="dk1"/>
+          </a:fontRef>
+        </p:style>
+      </p:pic>
     </p:spTree>
     <p:extLst>
       <p:ext uri="{BB962C8B-B14F-4D97-AF65-F5344CB8AC3E}">
         <p14:creationId xmlns:p14="http://schemas.microsoft.com/office/powerpoint/2010/main" val="3351306096"/>
+      </p:ext>
+    </p:extLst>
+  </p:cSld>
+  <p:clrMapOvr>
+    <a:masterClrMapping/>
+  </p:clrMapOvr>
+</p:sld>
+</file>
+
+<file path=ppt/slides/slide18.xml><?xml version="1.0" encoding="utf-8"?>
+<p:sld xmlns:a="http://schemas.openxmlformats.org/drawingml/2006/main" xmlns:r="http://schemas.openxmlformats.org/officeDocument/2006/relationships" xmlns:p="http://schemas.openxmlformats.org/presentationml/2006/main">
+  <p:cSld>
+    <p:spTree>
+      <p:nvGrpSpPr>
+        <p:cNvPr id="1" name=""/>
+        <p:cNvGrpSpPr/>
+        <p:nvPr/>
+      </p:nvGrpSpPr>
+      <p:grpSpPr>
+        <a:xfrm>
+          <a:off x="0" y="0"/>
+          <a:ext cx="0" cy="0"/>
+          <a:chOff x="0" y="0"/>
+          <a:chExt cx="0" cy="0"/>
+        </a:xfrm>
+      </p:grpSpPr>
+      <p:sp>
+        <p:nvSpPr>
+          <p:cNvPr id="3" name="AutoShape 2" descr="data:image/png;base64,iVBORw0KGgoAAAANSUhEUgAAANEAAADxCAMAAABiSKLrAAAAbFBMVEWIiIj////6+vr29vb19fX4+Pj5+fnu7u77+/v39/f9/f3z8/P+/v709PT8/Pyqqqrt7e3v7+/w8PDx8fHy8vK+vr7Q0NCjo6OBgYHY2Njk5OTHx8eNjY3c3NzGxsbn5+eWlpa1tbWcnJx6enob4+f+AAAIqklEQVR4nO3dCZuaOhQGYEZAh0FkX2W1//8/lkVMICeIkRmOPHz22lYg5OVEZLFzJRNrnC+xSGt3nJvQekMUYktnEiM1ouDrjCs/pukLkzoRtpjmNRcloRUFoiS8oo5UvLwsYpEgCaXoHLYiMRJqkRAJt0iEhFwkQMIqCgJRElpRLErCL3r1oxavSJSEWCRIQikyOtGQNPd8CaXICc04FiXhFomQkIsESChFbmhmwiT0opf3eBivMzSjLuORnh49oKxRKxIloayR24oESShFRScSI6EUJaGZCJNwiwhp/skFcpFAlbCLXiehF71MQisSJiEVVYkwqRP9oEpXI1HSXXRuWjo/2jz3f3v8YfjS7871lbU1EiT1IjrAKrvX/2iurzisijkk8OQC5ah7iERIyEUCJOyi10noRU9J490DUpFPRAApniJhFVnzSaOdOF6RKAmlKGhFgiTMohdIyYeIhEh30aV99E9NLo8VXLqn++Q/mIuIREid6DJsv32s91Ityi1hEtJRl5+ESX2NMKUR2ZYoCbNIjIRV5FiiJIyicx7mriVEKnCKfvxadBIloRQ1NTqJkcICpcgPr7rjOPYJZnFNbZVwikw/YHNlXmDi4xW9kU70jSnNqOu/xL4R0aWg3yNMgNHWp0I66i7Dy5PsdXFuApw1Eg8RndfuykLZa4Q/512EPrsIfzYtOmwje43wh4h+1u7KQvm5bk601wh9NlijXYQ+uwh/HqLrZkTXh+h4PDQP8lQ/PvAlSrT2xl0oRHQ5biOXXYQ+uwh/dhH+7CL82bRI3Ua2XKPvtTfuQvneReizi/BnF+HPLsKfTYu0bYQWsd5PfImIDmtv3IVy2EXos4vwZxfhzy7CH0okbyO7CH+2/D46rr1xF8pxF6HPLsKfXYQ/uwh/KJGyjWxatPZwWShEpK69cReKuovQZxfhzy7Cn12EP0SkGduItmHRzFF3P3r63ZHzTl4YdYqsHg/e/YdF2e7xcFRVrba109gMFp2evGhmjzpFVZLcvJVpl7K8hWaVB1liNVNdJh7VZ4Wd7P4aaa5I866lFEnDRHWksC5eVgtH8VWy8PHGTE5V/rr+QqSocTnm9CpTM+SMmRhVVJcPKbPYv5VFcs7x1F3P1eeikl1sXZHGB0lRLH+eSI75ICk6KZ8nctkOkaQN+cNEWjBRIimU0YpkHY4hmxOgqNIMHRaRJo6giLO+dyM/F1nsvpfqWVAv92Eihe0u3bNE+TgR/FkURfWhUHPMIBsguh6N0yKNs7o/EGkVIEpj+XA8fltJ0GzqDxMdQwBka+2gqQ/p9FYkpaNIiEXuje3OddQfg738rFCTcYmME9sdKXntbY1MBOy802JrotJ6bSUiInLia7y2+aZEbXuyxXbn5vXXGQazDs+6xUWGoql2kXU/DDrOssLWNFmZ65oQufeflwvU6PHDdO8ki/0xu/Rb7RVRvZNJgupW7y3bU+T6JLnej97MPLNUhbPIbJEV9U2y/eknHds5lfhfNMo/sb23oRX5LQXWGUmpGdtz3nxEpOiep7eP+5MFUEZJj+0SCnsCVX/CkrZUQFRvQG+8RkNOzHTi5LL0rW6x8YL0bwolGtdolqir0fQxAyQCNrdsVczFmdFS6fXp+4kSecPMEqntrAYkkklTYI288frkYKI+j+XCYtzRUdCIdMV/7mkWTDNmY6AU6bo5C9QknqwSEpFuzAdJUjZFQiJSoFMWfhIDu0ievDjD5ubquEV6AjVet3krU3B/Hvn8cYdDBJxUSlKVaJqmWvENMiXcImEQKcCYi26W1nZaN9SAXXFkcos0JZpxXLeICDpLDnVSBDkDusAtEhGN72p5J78LcMbn9+nudemgiDSlASLF66cC20NKbZ3qCnAnIfKp9gcxiIjVPj8/8mbVCBY9VsNes42C4YgBrgyUJ06NpkRdCuD8yB418pYIOkl2hyuQ2SOkKOMMO4M76vrBB4sG84Cjjrr5Cooeo4TdLwyGbLsC4IKgD93dHY66lUQye7gQxfqgfdcDhr7JeSOtLoL2dOn4KEdX2E+s0hp24j3RaUERsPnLLBmlYPceaYJVBB0Bja85p8ANn3rXgFX02kEqaSGAeywoGs7zjghYdqYoxyp68USCtMDZfX+wqHomav53fkBcWDSYx4NEBpkuAyLj3oSwSDIVsMM6ETVAp/3V/KG2tP/xRPRccI1IW7Comyr8PupE9052bbW/0yLHpX/1T1wRmQuskULa4oqcd/Z1pjLu6li0zqgDP49m5fmo+2NR3z50zFBYczLsBB6Rxx6y8Q5wRoE7LCaylhM5BnTs7cGdmZP1RZzdygeLXOjW9fg94jYXUnjjbBHRcJ5nImVKBA67fFgkL/HzIE4KRW7vM0/i/kQ0WSPHg75KldHdqc+h7pfZ0jKs/GuDM3hvNSLizSEqoroE1Yia7ELf00kIWS/o09z+EmLA6bC3hMh9TwRskDq51x47e4Zzhc73Qt64wyByPOjmUVT6cZZkcQV+0zxNflX05qgD36tSe3MilcCr1FLEe9sPRDYYjmgwD1wjMl1hm4h0ugF43PETVd6wB3RbKES2Pu+2cr9waHFBWESO+8JtyxrkckFYRDa8dxAAoRHNH3hRNTHkUIlsY9Z3TqR6LzcFokScSsKi4TzPRMYske0VT78XJJkJZ8uTzojV6FdEtmNkE9/diqLUzJTpAtmzalQyF6FvI5ETA9+OpraQwTYhwRvQMYqryX6sNn8vq8AynnqoGuXuCY7N/vMR3R7N47DzePR04J+gjJt4rM7V3SzwzbC8FzYtb2Z1jQtDd3nLDOLmD1E9v90++qfT4Lfh5N+cq/508shXb5st6Ll1cWa2RYu2EUo0p6QfkF2EP7sIf3YR/hCRs3ZXFoqzYdEGR92su1D4Q486yzq1D/L0iS85W67R2l1ZKLsIfzYs4l05+bg8rpxU/lZS3UXbyvZE/wFXu+LXNTDaDQAAAABJRU5ErkJggg=="/>
+          <p:cNvSpPr>
+            <a:spLocks noChangeAspect="1" noChangeArrowheads="1"/>
+          </p:cNvSpPr>
+          <p:nvPr/>
+        </p:nvSpPr>
+        <p:spPr bwMode="auto">
+          <a:xfrm>
+            <a:off x="207436" y="-116412"/>
+            <a:ext cx="406400" cy="406402"/>
+          </a:xfrm>
+          <a:prstGeom prst="rect">
+            <a:avLst/>
+          </a:prstGeom>
+          <a:noFill/>
+          <a:extLst>
+            <a:ext uri="{909E8E84-426E-40DD-AFC4-6F175D3DCCD1}">
+              <a14:hiddenFill xmlns:a14="http://schemas.microsoft.com/office/drawing/2010/main">
+                <a:solidFill>
+                  <a:srgbClr val="FFFFFF"/>
+                </a:solidFill>
+              </a14:hiddenFill>
+            </a:ext>
+          </a:extLst>
+        </p:spPr>
+        <p:txBody>
+          <a:bodyPr vert="horz" wrap="square" lIns="121920" tIns="60960" rIns="121920" bIns="60960" numCol="1" anchor="t" anchorCtr="0" compatLnSpc="1">
+            <a:prstTxWarp prst="textNoShape">
+              <a:avLst/>
+            </a:prstTxWarp>
+          </a:bodyPr>
+          <a:lstStyle/>
+          <a:p>
+            <a:endParaRPr lang="en-US" sz="1600" dirty="0"/>
+          </a:p>
+        </p:txBody>
+      </p:sp>
+      <p:sp>
+        <p:nvSpPr>
+          <p:cNvPr id="2" name="AutoShape 2" descr="Image result for file"/>
+          <p:cNvSpPr>
+            <a:spLocks noChangeAspect="1" noChangeArrowheads="1"/>
+          </p:cNvSpPr>
+          <p:nvPr/>
+        </p:nvSpPr>
+        <p:spPr bwMode="auto">
+          <a:xfrm>
+            <a:off x="410635" y="86789"/>
+            <a:ext cx="406400" cy="406402"/>
+          </a:xfrm>
+          <a:prstGeom prst="rect">
+            <a:avLst/>
+          </a:prstGeom>
+          <a:noFill/>
+          <a:extLst>
+            <a:ext uri="{909E8E84-426E-40DD-AFC4-6F175D3DCCD1}">
+              <a14:hiddenFill xmlns:a14="http://schemas.microsoft.com/office/drawing/2010/main">
+                <a:solidFill>
+                  <a:srgbClr val="FFFFFF"/>
+                </a:solidFill>
+              </a14:hiddenFill>
+            </a:ext>
+          </a:extLst>
+        </p:spPr>
+        <p:txBody>
+          <a:bodyPr vert="horz" wrap="square" lIns="121920" tIns="60960" rIns="121920" bIns="60960" numCol="1" anchor="t" anchorCtr="0" compatLnSpc="1">
+            <a:prstTxWarp prst="textNoShape">
+              <a:avLst/>
+            </a:prstTxWarp>
+          </a:bodyPr>
+          <a:lstStyle/>
+          <a:p>
+            <a:endParaRPr lang="en-US" sz="2400" dirty="0"/>
+          </a:p>
+        </p:txBody>
+      </p:sp>
+      <p:sp>
+        <p:nvSpPr>
+          <p:cNvPr id="6" name="AutoShape 2" descr="Image result for activemq image"/>
+          <p:cNvSpPr>
+            <a:spLocks noChangeAspect="1" noChangeArrowheads="1"/>
+          </p:cNvSpPr>
+          <p:nvPr/>
+        </p:nvSpPr>
+        <p:spPr bwMode="auto">
+          <a:xfrm>
+            <a:off x="1020234" y="289990"/>
+            <a:ext cx="406400" cy="406402"/>
+          </a:xfrm>
+          <a:prstGeom prst="rect">
+            <a:avLst/>
+          </a:prstGeom>
+          <a:noFill/>
+          <a:extLst>
+            <a:ext uri="{909E8E84-426E-40DD-AFC4-6F175D3DCCD1}">
+              <a14:hiddenFill xmlns:a14="http://schemas.microsoft.com/office/drawing/2010/main">
+                <a:solidFill>
+                  <a:srgbClr val="FFFFFF"/>
+                </a:solidFill>
+              </a14:hiddenFill>
+            </a:ext>
+          </a:extLst>
+        </p:spPr>
+        <p:txBody>
+          <a:bodyPr vert="horz" wrap="square" lIns="121920" tIns="60960" rIns="121920" bIns="60960" numCol="1" anchor="t" anchorCtr="0" compatLnSpc="1">
+            <a:prstTxWarp prst="textNoShape">
+              <a:avLst/>
+            </a:prstTxWarp>
+          </a:bodyPr>
+          <a:lstStyle/>
+          <a:p>
+            <a:endParaRPr lang="en-US" sz="2400" dirty="0"/>
+          </a:p>
+        </p:txBody>
+      </p:sp>
+      <p:sp>
+        <p:nvSpPr>
+          <p:cNvPr id="14" name="Rectangle 13"/>
+          <p:cNvSpPr/>
+          <p:nvPr/>
+        </p:nvSpPr>
+        <p:spPr>
+          <a:xfrm>
+            <a:off x="4191000" y="38475"/>
+            <a:ext cx="3657600" cy="400110"/>
+          </a:xfrm>
+          <a:prstGeom prst="rect">
+            <a:avLst/>
+          </a:prstGeom>
+        </p:spPr>
+        <p:style>
+          <a:lnRef idx="1">
+            <a:schemeClr val="accent4"/>
+          </a:lnRef>
+          <a:fillRef idx="3">
+            <a:schemeClr val="accent4"/>
+          </a:fillRef>
+          <a:effectRef idx="2">
+            <a:schemeClr val="accent4"/>
+          </a:effectRef>
+          <a:fontRef idx="minor">
+            <a:schemeClr val="lt1"/>
+          </a:fontRef>
+        </p:style>
+        <p:txBody>
+          <a:bodyPr wrap="square">
+            <a:spAutoFit/>
+          </a:bodyPr>
+          <a:lstStyle>
+            <a:defPPr>
+              <a:defRPr lang="en-US"/>
+            </a:defPPr>
+            <a:lvl1pPr marL="0" algn="l" defTabSz="914400" rtl="0" eaLnBrk="1" latinLnBrk="0" hangingPunct="1">
+              <a:defRPr sz="1800" kern="1200">
+                <a:solidFill>
+                  <a:schemeClr val="lt1"/>
+                </a:solidFill>
+                <a:latin typeface="+mn-lt"/>
+                <a:ea typeface="+mn-ea"/>
+                <a:cs typeface="+mn-cs"/>
+              </a:defRPr>
+            </a:lvl1pPr>
+            <a:lvl2pPr marL="457200" algn="l" defTabSz="914400" rtl="0" eaLnBrk="1" latinLnBrk="0" hangingPunct="1">
+              <a:defRPr sz="1800" kern="1200">
+                <a:solidFill>
+                  <a:schemeClr val="lt1"/>
+                </a:solidFill>
+                <a:latin typeface="+mn-lt"/>
+                <a:ea typeface="+mn-ea"/>
+                <a:cs typeface="+mn-cs"/>
+              </a:defRPr>
+            </a:lvl2pPr>
+            <a:lvl3pPr marL="914400" algn="l" defTabSz="914400" rtl="0" eaLnBrk="1" latinLnBrk="0" hangingPunct="1">
+              <a:defRPr sz="1800" kern="1200">
+                <a:solidFill>
+                  <a:schemeClr val="lt1"/>
+                </a:solidFill>
+                <a:latin typeface="+mn-lt"/>
+                <a:ea typeface="+mn-ea"/>
+                <a:cs typeface="+mn-cs"/>
+              </a:defRPr>
+            </a:lvl3pPr>
+            <a:lvl4pPr marL="1371600" algn="l" defTabSz="914400" rtl="0" eaLnBrk="1" latinLnBrk="0" hangingPunct="1">
+              <a:defRPr sz="1800" kern="1200">
+                <a:solidFill>
+                  <a:schemeClr val="lt1"/>
+                </a:solidFill>
+                <a:latin typeface="+mn-lt"/>
+                <a:ea typeface="+mn-ea"/>
+                <a:cs typeface="+mn-cs"/>
+              </a:defRPr>
+            </a:lvl4pPr>
+            <a:lvl5pPr marL="1828800" algn="l" defTabSz="914400" rtl="0" eaLnBrk="1" latinLnBrk="0" hangingPunct="1">
+              <a:defRPr sz="1800" kern="1200">
+                <a:solidFill>
+                  <a:schemeClr val="lt1"/>
+                </a:solidFill>
+                <a:latin typeface="+mn-lt"/>
+                <a:ea typeface="+mn-ea"/>
+                <a:cs typeface="+mn-cs"/>
+              </a:defRPr>
+            </a:lvl5pPr>
+            <a:lvl6pPr marL="2286000" algn="l" defTabSz="914400" rtl="0" eaLnBrk="1" latinLnBrk="0" hangingPunct="1">
+              <a:defRPr sz="1800" kern="1200">
+                <a:solidFill>
+                  <a:schemeClr val="lt1"/>
+                </a:solidFill>
+                <a:latin typeface="+mn-lt"/>
+                <a:ea typeface="+mn-ea"/>
+                <a:cs typeface="+mn-cs"/>
+              </a:defRPr>
+            </a:lvl6pPr>
+            <a:lvl7pPr marL="2743200" algn="l" defTabSz="914400" rtl="0" eaLnBrk="1" latinLnBrk="0" hangingPunct="1">
+              <a:defRPr sz="1800" kern="1200">
+                <a:solidFill>
+                  <a:schemeClr val="lt1"/>
+                </a:solidFill>
+                <a:latin typeface="+mn-lt"/>
+                <a:ea typeface="+mn-ea"/>
+                <a:cs typeface="+mn-cs"/>
+              </a:defRPr>
+            </a:lvl7pPr>
+            <a:lvl8pPr marL="3200400" algn="l" defTabSz="914400" rtl="0" eaLnBrk="1" latinLnBrk="0" hangingPunct="1">
+              <a:defRPr sz="1800" kern="1200">
+                <a:solidFill>
+                  <a:schemeClr val="lt1"/>
+                </a:solidFill>
+                <a:latin typeface="+mn-lt"/>
+                <a:ea typeface="+mn-ea"/>
+                <a:cs typeface="+mn-cs"/>
+              </a:defRPr>
+            </a:lvl8pPr>
+            <a:lvl9pPr marL="3657600" algn="l" defTabSz="914400" rtl="0" eaLnBrk="1" latinLnBrk="0" hangingPunct="1">
+              <a:defRPr sz="1800" kern="1200">
+                <a:solidFill>
+                  <a:schemeClr val="lt1"/>
+                </a:solidFill>
+                <a:latin typeface="+mn-lt"/>
+                <a:ea typeface="+mn-ea"/>
+                <a:cs typeface="+mn-cs"/>
+              </a:defRPr>
+            </a:lvl9pPr>
+          </a:lstStyle>
+          <a:p>
+            <a:pPr algn="ctr"/>
+            <a:r>
+              <a:rPr lang="en-US" sz="2000" dirty="0"/>
+              <a:t>Spring Security for User Sign-in</a:t>
+            </a:r>
+          </a:p>
+        </p:txBody>
+      </p:sp>
+    </p:spTree>
+    <p:extLst>
+      <p:ext uri="{BB962C8B-B14F-4D97-AF65-F5344CB8AC3E}">
+        <p14:creationId xmlns:p14="http://schemas.microsoft.com/office/powerpoint/2010/main" val="2065999285"/>
+      </p:ext>
+    </p:extLst>
+  </p:cSld>
+  <p:clrMapOvr>
+    <a:masterClrMapping/>
+  </p:clrMapOvr>
+</p:sld>
+</file>
+
+<file path=ppt/slides/slide19.xml><?xml version="1.0" encoding="utf-8"?>
+<p:sld xmlns:a="http://schemas.openxmlformats.org/drawingml/2006/main" xmlns:r="http://schemas.openxmlformats.org/officeDocument/2006/relationships" xmlns:p="http://schemas.openxmlformats.org/presentationml/2006/main">
+  <p:cSld>
+    <p:spTree>
+      <p:nvGrpSpPr>
+        <p:cNvPr id="1" name=""/>
+        <p:cNvGrpSpPr/>
+        <p:nvPr/>
+      </p:nvGrpSpPr>
+      <p:grpSpPr>
+        <a:xfrm>
+          <a:off x="0" y="0"/>
+          <a:ext cx="0" cy="0"/>
+          <a:chOff x="0" y="0"/>
+          <a:chExt cx="0" cy="0"/>
+        </a:xfrm>
+      </p:grpSpPr>
+      <p:sp>
+        <p:nvSpPr>
+          <p:cNvPr id="3" name="AutoShape 2" descr="data:image/png;base64,iVBORw0KGgoAAAANSUhEUgAAANEAAADxCAMAAABiSKLrAAAAbFBMVEWIiIj////6+vr29vb19fX4+Pj5+fnu7u77+/v39/f9/f3z8/P+/v709PT8/Pyqqqrt7e3v7+/w8PDx8fHy8vK+vr7Q0NCjo6OBgYHY2Njk5OTHx8eNjY3c3NzGxsbn5+eWlpa1tbWcnJx6enob4+f+AAAIqklEQVR4nO3dCZuaOhQGYEZAh0FkX2W1//8/lkVMICeIkRmOPHz22lYg5OVEZLFzJRNrnC+xSGt3nJvQekMUYktnEiM1ouDrjCs/pukLkzoRtpjmNRcloRUFoiS8oo5UvLwsYpEgCaXoHLYiMRJqkRAJt0iEhFwkQMIqCgJRElpRLErCL3r1oxavSJSEWCRIQikyOtGQNPd8CaXICc04FiXhFomQkIsESChFbmhmwiT0opf3eBivMzSjLuORnh49oKxRKxIloayR24oESShFRScSI6EUJaGZCJNwiwhp/skFcpFAlbCLXiehF71MQisSJiEVVYkwqRP9oEpXI1HSXXRuWjo/2jz3f3v8YfjS7871lbU1EiT1IjrAKrvX/2iurzisijkk8OQC5ah7iERIyEUCJOyi10noRU9J490DUpFPRAApniJhFVnzSaOdOF6RKAmlKGhFgiTMohdIyYeIhEh30aV99E9NLo8VXLqn++Q/mIuIREid6DJsv32s91Ityi1hEtJRl5+ESX2NMKUR2ZYoCbNIjIRV5FiiJIyicx7mriVEKnCKfvxadBIloRQ1NTqJkcICpcgPr7rjOPYJZnFNbZVwikw/YHNlXmDi4xW9kU70jSnNqOu/xL4R0aWg3yNMgNHWp0I66i7Dy5PsdXFuApw1Eg8RndfuykLZa4Q/512EPrsIfzYtOmwje43wh4h+1u7KQvm5bk601wh9NlijXYQ+uwh/HqLrZkTXh+h4PDQP8lQ/PvAlSrT2xl0oRHQ5biOXXYQ+uwh/dhH+7CL82bRI3Ua2XKPvtTfuQvneReizi/BnF+HPLsKfTYu0bYQWsd5PfImIDmtv3IVy2EXos4vwZxfhzy7CH0okbyO7CH+2/D46rr1xF8pxF6HPLsKfXYQ/uwh/KJGyjWxatPZwWShEpK69cReKuovQZxfhzy7Cn12EP0SkGduItmHRzFF3P3r63ZHzTl4YdYqsHg/e/YdF2e7xcFRVrba109gMFp2evGhmjzpFVZLcvJVpl7K8hWaVB1liNVNdJh7VZ4Wd7P4aaa5I866lFEnDRHWksC5eVgtH8VWy8PHGTE5V/rr+QqSocTnm9CpTM+SMmRhVVJcPKbPYv5VFcs7x1F3P1eeikl1sXZHGB0lRLH+eSI75ICk6KZ8nctkOkaQN+cNEWjBRIimU0YpkHY4hmxOgqNIMHRaRJo6giLO+dyM/F1nsvpfqWVAv92Eihe0u3bNE+TgR/FkURfWhUHPMIBsguh6N0yKNs7o/EGkVIEpj+XA8fltJ0GzqDxMdQwBka+2gqQ/p9FYkpaNIiEXuje3OddQfg738rFCTcYmME9sdKXntbY1MBOy802JrotJ6bSUiInLia7y2+aZEbXuyxXbn5vXXGQazDs+6xUWGoql2kXU/DDrOssLWNFmZ65oQufeflwvU6PHDdO8ki/0xu/Rb7RVRvZNJgupW7y3bU+T6JLnej97MPLNUhbPIbJEV9U2y/eknHds5lfhfNMo/sb23oRX5LQXWGUmpGdtz3nxEpOiep7eP+5MFUEZJj+0SCnsCVX/CkrZUQFRvQG+8RkNOzHTi5LL0rW6x8YL0bwolGtdolqir0fQxAyQCNrdsVczFmdFS6fXp+4kSecPMEqntrAYkkklTYI288frkYKI+j+XCYtzRUdCIdMV/7mkWTDNmY6AU6bo5C9QknqwSEpFuzAdJUjZFQiJSoFMWfhIDu0ievDjD5ubquEV6AjVet3krU3B/Hvn8cYdDBJxUSlKVaJqmWvENMiXcImEQKcCYi26W1nZaN9SAXXFkcos0JZpxXLeICDpLDnVSBDkDusAtEhGN72p5J78LcMbn9+nudemgiDSlASLF66cC20NKbZ3qCnAnIfKp9gcxiIjVPj8/8mbVCBY9VsNes42C4YgBrgyUJ06NpkRdCuD8yB418pYIOkl2hyuQ2SOkKOMMO4M76vrBB4sG84Cjjrr5Cooeo4TdLwyGbLsC4IKgD93dHY66lUQye7gQxfqgfdcDhr7JeSOtLoL2dOn4KEdX2E+s0hp24j3RaUERsPnLLBmlYPceaYJVBB0Bja85p8ANn3rXgFX02kEqaSGAeywoGs7zjghYdqYoxyp68USCtMDZfX+wqHomav53fkBcWDSYx4NEBpkuAyLj3oSwSDIVsMM6ETVAp/3V/KG2tP/xRPRccI1IW7Comyr8PupE9052bbW/0yLHpX/1T1wRmQuskULa4oqcd/Z1pjLu6li0zqgDP49m5fmo+2NR3z50zFBYczLsBB6Rxx6y8Q5wRoE7LCaylhM5BnTs7cGdmZP1RZzdygeLXOjW9fg94jYXUnjjbBHRcJ5nImVKBA67fFgkL/HzIE4KRW7vM0/i/kQ0WSPHg75KldHdqc+h7pfZ0jKs/GuDM3hvNSLizSEqoroE1Yia7ELf00kIWS/o09z+EmLA6bC3hMh9TwRskDq51x47e4Zzhc73Qt64wyByPOjmUVT6cZZkcQV+0zxNflX05qgD36tSe3MilcCr1FLEe9sPRDYYjmgwD1wjMl1hm4h0ugF43PETVd6wB3RbKES2Pu+2cr9waHFBWESO+8JtyxrkckFYRDa8dxAAoRHNH3hRNTHkUIlsY9Z3TqR6LzcFokScSsKi4TzPRMYske0VT78XJJkJZ8uTzojV6FdEtmNkE9/diqLUzJTpAtmzalQyF6FvI5ETA9+OpraQwTYhwRvQMYqryX6sNn8vq8AynnqoGuXuCY7N/vMR3R7N47DzePR04J+gjJt4rM7V3SzwzbC8FzYtb2Z1jQtDd3nLDOLmD1E9v90++qfT4Lfh5N+cq/508shXb5st6Ll1cWa2RYu2EUo0p6QfkF2EP7sIf3YR/hCRs3ZXFoqzYdEGR92su1D4Q486yzq1D/L0iS85W67R2l1ZKLsIfzYs4l05+bg8rpxU/lZS3UXbyvZE/wFXu+LXNTDaDQAAAABJRU5ErkJggg=="/>
+          <p:cNvSpPr>
+            <a:spLocks noChangeAspect="1" noChangeArrowheads="1"/>
+          </p:cNvSpPr>
+          <p:nvPr/>
+        </p:nvSpPr>
+        <p:spPr bwMode="auto">
+          <a:xfrm>
+            <a:off x="207436" y="-116412"/>
+            <a:ext cx="406400" cy="406402"/>
+          </a:xfrm>
+          <a:prstGeom prst="rect">
+            <a:avLst/>
+          </a:prstGeom>
+          <a:noFill/>
+          <a:extLst>
+            <a:ext uri="{909E8E84-426E-40DD-AFC4-6F175D3DCCD1}">
+              <a14:hiddenFill xmlns:a14="http://schemas.microsoft.com/office/drawing/2010/main">
+                <a:solidFill>
+                  <a:srgbClr val="FFFFFF"/>
+                </a:solidFill>
+              </a14:hiddenFill>
+            </a:ext>
+          </a:extLst>
+        </p:spPr>
+        <p:txBody>
+          <a:bodyPr vert="horz" wrap="square" lIns="121920" tIns="60960" rIns="121920" bIns="60960" numCol="1" anchor="t" anchorCtr="0" compatLnSpc="1">
+            <a:prstTxWarp prst="textNoShape">
+              <a:avLst/>
+            </a:prstTxWarp>
+          </a:bodyPr>
+          <a:lstStyle/>
+          <a:p>
+            <a:endParaRPr lang="en-US" sz="1600" dirty="0"/>
+          </a:p>
+        </p:txBody>
+      </p:sp>
+      <p:sp>
+        <p:nvSpPr>
+          <p:cNvPr id="2" name="AutoShape 2" descr="Image result for file"/>
+          <p:cNvSpPr>
+            <a:spLocks noChangeAspect="1" noChangeArrowheads="1"/>
+          </p:cNvSpPr>
+          <p:nvPr/>
+        </p:nvSpPr>
+        <p:spPr bwMode="auto">
+          <a:xfrm>
+            <a:off x="410635" y="86789"/>
+            <a:ext cx="406400" cy="406402"/>
+          </a:xfrm>
+          <a:prstGeom prst="rect">
+            <a:avLst/>
+          </a:prstGeom>
+          <a:noFill/>
+          <a:extLst>
+            <a:ext uri="{909E8E84-426E-40DD-AFC4-6F175D3DCCD1}">
+              <a14:hiddenFill xmlns:a14="http://schemas.microsoft.com/office/drawing/2010/main">
+                <a:solidFill>
+                  <a:srgbClr val="FFFFFF"/>
+                </a:solidFill>
+              </a14:hiddenFill>
+            </a:ext>
+          </a:extLst>
+        </p:spPr>
+        <p:txBody>
+          <a:bodyPr vert="horz" wrap="square" lIns="121920" tIns="60960" rIns="121920" bIns="60960" numCol="1" anchor="t" anchorCtr="0" compatLnSpc="1">
+            <a:prstTxWarp prst="textNoShape">
+              <a:avLst/>
+            </a:prstTxWarp>
+          </a:bodyPr>
+          <a:lstStyle/>
+          <a:p>
+            <a:endParaRPr lang="en-US" sz="2400" dirty="0"/>
+          </a:p>
+        </p:txBody>
+      </p:sp>
+      <p:sp>
+        <p:nvSpPr>
+          <p:cNvPr id="6" name="AutoShape 2" descr="Image result for activemq image"/>
+          <p:cNvSpPr>
+            <a:spLocks noChangeAspect="1" noChangeArrowheads="1"/>
+          </p:cNvSpPr>
+          <p:nvPr/>
+        </p:nvSpPr>
+        <p:spPr bwMode="auto">
+          <a:xfrm>
+            <a:off x="1020234" y="289990"/>
+            <a:ext cx="406400" cy="406402"/>
+          </a:xfrm>
+          <a:prstGeom prst="rect">
+            <a:avLst/>
+          </a:prstGeom>
+          <a:noFill/>
+          <a:extLst>
+            <a:ext uri="{909E8E84-426E-40DD-AFC4-6F175D3DCCD1}">
+              <a14:hiddenFill xmlns:a14="http://schemas.microsoft.com/office/drawing/2010/main">
+                <a:solidFill>
+                  <a:srgbClr val="FFFFFF"/>
+                </a:solidFill>
+              </a14:hiddenFill>
+            </a:ext>
+          </a:extLst>
+        </p:spPr>
+        <p:txBody>
+          <a:bodyPr vert="horz" wrap="square" lIns="121920" tIns="60960" rIns="121920" bIns="60960" numCol="1" anchor="t" anchorCtr="0" compatLnSpc="1">
+            <a:prstTxWarp prst="textNoShape">
+              <a:avLst/>
+            </a:prstTxWarp>
+          </a:bodyPr>
+          <a:lstStyle/>
+          <a:p>
+            <a:endParaRPr lang="en-US" sz="2400" dirty="0"/>
+          </a:p>
+        </p:txBody>
+      </p:sp>
+      <p:sp>
+        <p:nvSpPr>
+          <p:cNvPr id="14" name="Rectangle 13"/>
+          <p:cNvSpPr/>
+          <p:nvPr/>
+        </p:nvSpPr>
+        <p:spPr>
+          <a:xfrm>
+            <a:off x="4191000" y="38475"/>
+            <a:ext cx="3657600" cy="400110"/>
+          </a:xfrm>
+          <a:prstGeom prst="rect">
+            <a:avLst/>
+          </a:prstGeom>
+        </p:spPr>
+        <p:style>
+          <a:lnRef idx="1">
+            <a:schemeClr val="accent4"/>
+          </a:lnRef>
+          <a:fillRef idx="3">
+            <a:schemeClr val="accent4"/>
+          </a:fillRef>
+          <a:effectRef idx="2">
+            <a:schemeClr val="accent4"/>
+          </a:effectRef>
+          <a:fontRef idx="minor">
+            <a:schemeClr val="lt1"/>
+          </a:fontRef>
+        </p:style>
+        <p:txBody>
+          <a:bodyPr wrap="square">
+            <a:spAutoFit/>
+          </a:bodyPr>
+          <a:lstStyle>
+            <a:defPPr>
+              <a:defRPr lang="en-US"/>
+            </a:defPPr>
+            <a:lvl1pPr marL="0" algn="l" defTabSz="914400" rtl="0" eaLnBrk="1" latinLnBrk="0" hangingPunct="1">
+              <a:defRPr sz="1800" kern="1200">
+                <a:solidFill>
+                  <a:schemeClr val="lt1"/>
+                </a:solidFill>
+                <a:latin typeface="+mn-lt"/>
+                <a:ea typeface="+mn-ea"/>
+                <a:cs typeface="+mn-cs"/>
+              </a:defRPr>
+            </a:lvl1pPr>
+            <a:lvl2pPr marL="457200" algn="l" defTabSz="914400" rtl="0" eaLnBrk="1" latinLnBrk="0" hangingPunct="1">
+              <a:defRPr sz="1800" kern="1200">
+                <a:solidFill>
+                  <a:schemeClr val="lt1"/>
+                </a:solidFill>
+                <a:latin typeface="+mn-lt"/>
+                <a:ea typeface="+mn-ea"/>
+                <a:cs typeface="+mn-cs"/>
+              </a:defRPr>
+            </a:lvl2pPr>
+            <a:lvl3pPr marL="914400" algn="l" defTabSz="914400" rtl="0" eaLnBrk="1" latinLnBrk="0" hangingPunct="1">
+              <a:defRPr sz="1800" kern="1200">
+                <a:solidFill>
+                  <a:schemeClr val="lt1"/>
+                </a:solidFill>
+                <a:latin typeface="+mn-lt"/>
+                <a:ea typeface="+mn-ea"/>
+                <a:cs typeface="+mn-cs"/>
+              </a:defRPr>
+            </a:lvl3pPr>
+            <a:lvl4pPr marL="1371600" algn="l" defTabSz="914400" rtl="0" eaLnBrk="1" latinLnBrk="0" hangingPunct="1">
+              <a:defRPr sz="1800" kern="1200">
+                <a:solidFill>
+                  <a:schemeClr val="lt1"/>
+                </a:solidFill>
+                <a:latin typeface="+mn-lt"/>
+                <a:ea typeface="+mn-ea"/>
+                <a:cs typeface="+mn-cs"/>
+              </a:defRPr>
+            </a:lvl4pPr>
+            <a:lvl5pPr marL="1828800" algn="l" defTabSz="914400" rtl="0" eaLnBrk="1" latinLnBrk="0" hangingPunct="1">
+              <a:defRPr sz="1800" kern="1200">
+                <a:solidFill>
+                  <a:schemeClr val="lt1"/>
+                </a:solidFill>
+                <a:latin typeface="+mn-lt"/>
+                <a:ea typeface="+mn-ea"/>
+                <a:cs typeface="+mn-cs"/>
+              </a:defRPr>
+            </a:lvl5pPr>
+            <a:lvl6pPr marL="2286000" algn="l" defTabSz="914400" rtl="0" eaLnBrk="1" latinLnBrk="0" hangingPunct="1">
+              <a:defRPr sz="1800" kern="1200">
+                <a:solidFill>
+                  <a:schemeClr val="lt1"/>
+                </a:solidFill>
+                <a:latin typeface="+mn-lt"/>
+                <a:ea typeface="+mn-ea"/>
+                <a:cs typeface="+mn-cs"/>
+              </a:defRPr>
+            </a:lvl6pPr>
+            <a:lvl7pPr marL="2743200" algn="l" defTabSz="914400" rtl="0" eaLnBrk="1" latinLnBrk="0" hangingPunct="1">
+              <a:defRPr sz="1800" kern="1200">
+                <a:solidFill>
+                  <a:schemeClr val="lt1"/>
+                </a:solidFill>
+                <a:latin typeface="+mn-lt"/>
+                <a:ea typeface="+mn-ea"/>
+                <a:cs typeface="+mn-cs"/>
+              </a:defRPr>
+            </a:lvl7pPr>
+            <a:lvl8pPr marL="3200400" algn="l" defTabSz="914400" rtl="0" eaLnBrk="1" latinLnBrk="0" hangingPunct="1">
+              <a:defRPr sz="1800" kern="1200">
+                <a:solidFill>
+                  <a:schemeClr val="lt1"/>
+                </a:solidFill>
+                <a:latin typeface="+mn-lt"/>
+                <a:ea typeface="+mn-ea"/>
+                <a:cs typeface="+mn-cs"/>
+              </a:defRPr>
+            </a:lvl8pPr>
+            <a:lvl9pPr marL="3657600" algn="l" defTabSz="914400" rtl="0" eaLnBrk="1" latinLnBrk="0" hangingPunct="1">
+              <a:defRPr sz="1800" kern="1200">
+                <a:solidFill>
+                  <a:schemeClr val="lt1"/>
+                </a:solidFill>
+                <a:latin typeface="+mn-lt"/>
+                <a:ea typeface="+mn-ea"/>
+                <a:cs typeface="+mn-cs"/>
+              </a:defRPr>
+            </a:lvl9pPr>
+          </a:lstStyle>
+          <a:p>
+            <a:pPr algn="ctr"/>
+            <a:r>
+              <a:rPr lang="en-US" sz="2000" dirty="0"/>
+              <a:t>Spring Security for User Sign-in</a:t>
+            </a:r>
+          </a:p>
+        </p:txBody>
+      </p:sp>
+    </p:spTree>
+    <p:extLst>
+      <p:ext uri="{BB962C8B-B14F-4D97-AF65-F5344CB8AC3E}">
+        <p14:creationId xmlns:p14="http://schemas.microsoft.com/office/powerpoint/2010/main" val="1201658980"/>
       </p:ext>
     </p:extLst>
   </p:cSld>

--- a/Java_2021/SpringBoot_Signup_Signin/User_Signin_Signup_Security.pptx
+++ b/Java_2021/SpringBoot_Signup_Signin/User_Signin_Signup_Security.pptx
@@ -5,7 +5,7 @@
     <p:sldMasterId id="2147483672" r:id="rId1"/>
   </p:sldMasterIdLst>
   <p:notesMasterIdLst>
-    <p:notesMasterId r:id="rId21"/>
+    <p:notesMasterId r:id="rId22"/>
   </p:notesMasterIdLst>
   <p:sldIdLst>
     <p:sldId id="467" r:id="rId2"/>
@@ -27,6 +27,7 @@
     <p:sldId id="481" r:id="rId18"/>
     <p:sldId id="483" r:id="rId19"/>
     <p:sldId id="484" r:id="rId20"/>
+    <p:sldId id="485" r:id="rId21"/>
   </p:sldIdLst>
   <p:sldSz cx="12192000" cy="6858000"/>
   <p:notesSz cx="6858000" cy="9144000"/>
@@ -240,7 +241,7 @@
           <a:p>
             <a:fld id="{62274EC6-3890-417B-9308-14EFBD00FA63}" type="datetimeFigureOut">
               <a:rPr lang="en-US" smtClean="0"/>
-              <a:t>9/9/2021</a:t>
+              <a:t>9/10/2021</a:t>
             </a:fld>
             <a:endParaRPr lang="en-US" dirty="0"/>
           </a:p>
@@ -1575,6 +1576,95 @@
 </p:notes>
 </file>
 
+<file path=ppt/notesSlides/notesSlide20.xml><?xml version="1.0" encoding="utf-8"?>
+<p:notes xmlns:a="http://schemas.openxmlformats.org/drawingml/2006/main" xmlns:r="http://schemas.openxmlformats.org/officeDocument/2006/relationships" xmlns:p="http://schemas.openxmlformats.org/presentationml/2006/main">
+  <p:cSld>
+    <p:spTree>
+      <p:nvGrpSpPr>
+        <p:cNvPr id="1" name=""/>
+        <p:cNvGrpSpPr/>
+        <p:nvPr/>
+      </p:nvGrpSpPr>
+      <p:grpSpPr>
+        <a:xfrm>
+          <a:off x="0" y="0"/>
+          <a:ext cx="0" cy="0"/>
+          <a:chOff x="0" y="0"/>
+          <a:chExt cx="0" cy="0"/>
+        </a:xfrm>
+      </p:grpSpPr>
+      <p:sp>
+        <p:nvSpPr>
+          <p:cNvPr id="2" name="Slide Image Placeholder 1"/>
+          <p:cNvSpPr>
+            <a:spLocks noGrp="1" noRot="1" noChangeAspect="1"/>
+          </p:cNvSpPr>
+          <p:nvPr>
+            <p:ph type="sldImg"/>
+          </p:nvPr>
+        </p:nvSpPr>
+        <p:spPr>
+          <a:xfrm>
+            <a:off x="381000" y="685800"/>
+            <a:ext cx="6096000" cy="3429000"/>
+          </a:xfrm>
+        </p:spPr>
+      </p:sp>
+      <p:sp>
+        <p:nvSpPr>
+          <p:cNvPr id="3" name="Notes Placeholder 2"/>
+          <p:cNvSpPr>
+            <a:spLocks noGrp="1"/>
+          </p:cNvSpPr>
+          <p:nvPr>
+            <p:ph type="body" idx="1"/>
+          </p:nvPr>
+        </p:nvSpPr>
+        <p:spPr/>
+        <p:txBody>
+          <a:bodyPr/>
+          <a:lstStyle/>
+          <a:p>
+            <a:endParaRPr lang="en-US" dirty="0"/>
+          </a:p>
+        </p:txBody>
+      </p:sp>
+      <p:sp>
+        <p:nvSpPr>
+          <p:cNvPr id="4" name="Slide Number Placeholder 3"/>
+          <p:cNvSpPr>
+            <a:spLocks noGrp="1"/>
+          </p:cNvSpPr>
+          <p:nvPr>
+            <p:ph type="sldNum" sz="quarter" idx="10"/>
+          </p:nvPr>
+        </p:nvSpPr>
+        <p:spPr/>
+        <p:txBody>
+          <a:bodyPr/>
+          <a:lstStyle/>
+          <a:p>
+            <a:fld id="{A883C400-BD9D-4609-A213-F91E9750031E}" type="slidenum">
+              <a:rPr lang="en-US" smtClean="0"/>
+              <a:t>20</a:t>
+            </a:fld>
+            <a:endParaRPr lang="en-US" dirty="0"/>
+          </a:p>
+        </p:txBody>
+      </p:sp>
+    </p:spTree>
+    <p:extLst>
+      <p:ext uri="{BB962C8B-B14F-4D97-AF65-F5344CB8AC3E}">
+        <p14:creationId xmlns:p14="http://schemas.microsoft.com/office/powerpoint/2010/main" val="2678416535"/>
+      </p:ext>
+    </p:extLst>
+  </p:cSld>
+  <p:clrMapOvr>
+    <a:masterClrMapping/>
+  </p:clrMapOvr>
+</p:notes>
+</file>
+
 <file path=ppt/notesSlides/notesSlide3.xml><?xml version="1.0" encoding="utf-8"?>
 <p:notes xmlns:a="http://schemas.openxmlformats.org/drawingml/2006/main" xmlns:r="http://schemas.openxmlformats.org/officeDocument/2006/relationships" xmlns:p="http://schemas.openxmlformats.org/presentationml/2006/main">
   <p:cSld>
@@ -2378,7 +2468,7 @@
             <a:fld id="{1D8BD707-D9CF-40AE-B4C6-C98DA3205C09}" type="datetimeFigureOut">
               <a:rPr lang="en-US" smtClean="0"/>
               <a:pPr/>
-              <a:t>9/9/2021</a:t>
+              <a:t>9/10/2021</a:t>
             </a:fld>
             <a:endParaRPr lang="en-US" dirty="0"/>
           </a:p>
@@ -2548,7 +2638,7 @@
             <a:fld id="{1D8BD707-D9CF-40AE-B4C6-C98DA3205C09}" type="datetimeFigureOut">
               <a:rPr lang="en-US" smtClean="0"/>
               <a:pPr/>
-              <a:t>9/9/2021</a:t>
+              <a:t>9/10/2021</a:t>
             </a:fld>
             <a:endParaRPr lang="en-US" dirty="0"/>
           </a:p>
@@ -2728,7 +2818,7 @@
             <a:fld id="{1D8BD707-D9CF-40AE-B4C6-C98DA3205C09}" type="datetimeFigureOut">
               <a:rPr lang="en-US" smtClean="0"/>
               <a:pPr/>
-              <a:t>9/9/2021</a:t>
+              <a:t>9/10/2021</a:t>
             </a:fld>
             <a:endParaRPr lang="en-US" dirty="0"/>
           </a:p>
@@ -2898,7 +2988,7 @@
             <a:fld id="{1D8BD707-D9CF-40AE-B4C6-C98DA3205C09}" type="datetimeFigureOut">
               <a:rPr lang="en-US" smtClean="0"/>
               <a:pPr/>
-              <a:t>9/9/2021</a:t>
+              <a:t>9/10/2021</a:t>
             </a:fld>
             <a:endParaRPr lang="en-US" dirty="0"/>
           </a:p>
@@ -3145,7 +3235,7 @@
             <a:fld id="{1D8BD707-D9CF-40AE-B4C6-C98DA3205C09}" type="datetimeFigureOut">
               <a:rPr lang="en-US" smtClean="0"/>
               <a:pPr/>
-              <a:t>9/9/2021</a:t>
+              <a:t>9/10/2021</a:t>
             </a:fld>
             <a:endParaRPr lang="en-US" dirty="0"/>
           </a:p>
@@ -3432,7 +3522,7 @@
             <a:fld id="{1D8BD707-D9CF-40AE-B4C6-C98DA3205C09}" type="datetimeFigureOut">
               <a:rPr lang="en-US" smtClean="0"/>
               <a:pPr/>
-              <a:t>9/9/2021</a:t>
+              <a:t>9/10/2021</a:t>
             </a:fld>
             <a:endParaRPr lang="en-US" dirty="0"/>
           </a:p>
@@ -3858,7 +3948,7 @@
             <a:fld id="{1D8BD707-D9CF-40AE-B4C6-C98DA3205C09}" type="datetimeFigureOut">
               <a:rPr lang="en-US" smtClean="0"/>
               <a:pPr/>
-              <a:t>9/9/2021</a:t>
+              <a:t>9/10/2021</a:t>
             </a:fld>
             <a:endParaRPr lang="en-US" dirty="0"/>
           </a:p>
@@ -3977,7 +4067,7 @@
             <a:fld id="{1D8BD707-D9CF-40AE-B4C6-C98DA3205C09}" type="datetimeFigureOut">
               <a:rPr lang="en-US" smtClean="0"/>
               <a:pPr/>
-              <a:t>9/9/2021</a:t>
+              <a:t>9/10/2021</a:t>
             </a:fld>
             <a:endParaRPr lang="en-US" dirty="0"/>
           </a:p>
@@ -4074,7 +4164,7 @@
             <a:fld id="{1D8BD707-D9CF-40AE-B4C6-C98DA3205C09}" type="datetimeFigureOut">
               <a:rPr lang="en-US" smtClean="0"/>
               <a:pPr/>
-              <a:t>9/9/2021</a:t>
+              <a:t>9/10/2021</a:t>
             </a:fld>
             <a:endParaRPr lang="en-US" dirty="0"/>
           </a:p>
@@ -4351,7 +4441,7 @@
             <a:fld id="{1D8BD707-D9CF-40AE-B4C6-C98DA3205C09}" type="datetimeFigureOut">
               <a:rPr lang="en-US" smtClean="0"/>
               <a:pPr/>
-              <a:t>9/9/2021</a:t>
+              <a:t>9/10/2021</a:t>
             </a:fld>
             <a:endParaRPr lang="en-US" dirty="0"/>
           </a:p>
@@ -4605,7 +4695,7 @@
             <a:fld id="{1D8BD707-D9CF-40AE-B4C6-C98DA3205C09}" type="datetimeFigureOut">
               <a:rPr lang="en-US" smtClean="0"/>
               <a:pPr/>
-              <a:t>9/9/2021</a:t>
+              <a:t>9/10/2021</a:t>
             </a:fld>
             <a:endParaRPr lang="en-US" dirty="0"/>
           </a:p>
@@ -4818,7 +4908,7 @@
             <a:fld id="{1D8BD707-D9CF-40AE-B4C6-C98DA3205C09}" type="datetimeFigureOut">
               <a:rPr lang="en-US" smtClean="0"/>
               <a:pPr/>
-              <a:t>9/9/2021</a:t>
+              <a:t>9/10/2021</a:t>
             </a:fld>
             <a:endParaRPr lang="en-US" dirty="0"/>
           </a:p>
@@ -8933,8 +9023,8 @@
         </p:nvSpPr>
         <p:spPr>
           <a:xfrm>
-            <a:off x="4191000" y="38475"/>
-            <a:ext cx="3657600" cy="400110"/>
+            <a:off x="3543300" y="32183"/>
+            <a:ext cx="5105400" cy="400110"/>
           </a:xfrm>
           <a:prstGeom prst="rect">
             <a:avLst/>
@@ -9057,7 +9147,163 @@
             <a:pPr algn="ctr"/>
             <a:r>
               <a:rPr lang="en-US" sz="2000" dirty="0"/>
-              <a:t>Spring Security for User Sign-in</a:t>
+              <a:t>Running Your Web Services App without Eclipse</a:t>
+            </a:r>
+          </a:p>
+        </p:txBody>
+      </p:sp>
+      <p:pic>
+        <p:nvPicPr>
+          <p:cNvPr id="4" name="Picture 3">
+            <a:extLst>
+              <a:ext uri="{FF2B5EF4-FFF2-40B4-BE49-F238E27FC236}">
+                <a16:creationId xmlns:a16="http://schemas.microsoft.com/office/drawing/2014/main" id="{3AC89A69-61F4-4D8F-A1A2-7A241F003310}"/>
+              </a:ext>
+            </a:extLst>
+          </p:cNvPr>
+          <p:cNvPicPr>
+            <a:picLocks noChangeAspect="1"/>
+          </p:cNvPicPr>
+          <p:nvPr/>
+        </p:nvPicPr>
+        <p:blipFill>
+          <a:blip r:embed="rId3"/>
+          <a:stretch>
+            <a:fillRect/>
+          </a:stretch>
+        </p:blipFill>
+        <p:spPr>
+          <a:xfrm>
+            <a:off x="613835" y="1329948"/>
+            <a:ext cx="8449854" cy="2219635"/>
+          </a:xfrm>
+          <a:prstGeom prst="rect">
+            <a:avLst/>
+          </a:prstGeom>
+        </p:spPr>
+      </p:pic>
+      <p:pic>
+        <p:nvPicPr>
+          <p:cNvPr id="5" name="Picture 4">
+            <a:extLst>
+              <a:ext uri="{FF2B5EF4-FFF2-40B4-BE49-F238E27FC236}">
+                <a16:creationId xmlns:a16="http://schemas.microsoft.com/office/drawing/2014/main" id="{097CDB82-8DD2-49A8-AB01-2B2226F0679B}"/>
+              </a:ext>
+            </a:extLst>
+          </p:cNvPr>
+          <p:cNvPicPr>
+            <a:picLocks noChangeAspect="1"/>
+          </p:cNvPicPr>
+          <p:nvPr/>
+        </p:nvPicPr>
+        <p:blipFill>
+          <a:blip r:embed="rId4"/>
+          <a:stretch>
+            <a:fillRect/>
+          </a:stretch>
+        </p:blipFill>
+        <p:spPr>
+          <a:xfrm>
+            <a:off x="613835" y="4607241"/>
+            <a:ext cx="9040487" cy="2029108"/>
+          </a:xfrm>
+          <a:prstGeom prst="rect">
+            <a:avLst/>
+          </a:prstGeom>
+        </p:spPr>
+      </p:pic>
+      <p:sp>
+        <p:nvSpPr>
+          <p:cNvPr id="7" name="Rectangle 6">
+            <a:extLst>
+              <a:ext uri="{FF2B5EF4-FFF2-40B4-BE49-F238E27FC236}">
+                <a16:creationId xmlns:a16="http://schemas.microsoft.com/office/drawing/2014/main" id="{2DBD187F-53E4-4191-8243-F5CCFA2A0F74}"/>
+              </a:ext>
+            </a:extLst>
+          </p:cNvPr>
+          <p:cNvSpPr/>
+          <p:nvPr/>
+        </p:nvSpPr>
+        <p:spPr>
+          <a:xfrm>
+            <a:off x="620461" y="714092"/>
+            <a:ext cx="7151939" cy="470000"/>
+          </a:xfrm>
+          <a:prstGeom prst="rect">
+            <a:avLst/>
+          </a:prstGeom>
+        </p:spPr>
+        <p:style>
+          <a:lnRef idx="2">
+            <a:schemeClr val="accent5"/>
+          </a:lnRef>
+          <a:fillRef idx="1">
+            <a:schemeClr val="lt1"/>
+          </a:fillRef>
+          <a:effectRef idx="0">
+            <a:schemeClr val="accent5"/>
+          </a:effectRef>
+          <a:fontRef idx="minor">
+            <a:schemeClr val="dk1"/>
+          </a:fontRef>
+        </p:style>
+        <p:txBody>
+          <a:bodyPr wrap="square">
+            <a:spAutoFit/>
+          </a:bodyPr>
+          <a:lstStyle/>
+          <a:p>
+            <a:r>
+              <a:rPr lang="en-US" dirty="0"/>
+              <a:t>D:\eclipse\workspace\SpringBootDemo&gt;mvn install</a:t>
+            </a:r>
+          </a:p>
+        </p:txBody>
+      </p:sp>
+      <p:sp>
+        <p:nvSpPr>
+          <p:cNvPr id="8" name="Rectangle 7">
+            <a:extLst>
+              <a:ext uri="{FF2B5EF4-FFF2-40B4-BE49-F238E27FC236}">
+                <a16:creationId xmlns:a16="http://schemas.microsoft.com/office/drawing/2014/main" id="{F44C6C45-9CCB-49F8-9924-A5E927EDB6F8}"/>
+              </a:ext>
+            </a:extLst>
+          </p:cNvPr>
+          <p:cNvSpPr/>
+          <p:nvPr/>
+        </p:nvSpPr>
+        <p:spPr>
+          <a:xfrm>
+            <a:off x="552543" y="3777433"/>
+            <a:ext cx="8572438" cy="470000"/>
+          </a:xfrm>
+          <a:prstGeom prst="rect">
+            <a:avLst/>
+          </a:prstGeom>
+        </p:spPr>
+        <p:style>
+          <a:lnRef idx="2">
+            <a:schemeClr val="accent5"/>
+          </a:lnRef>
+          <a:fillRef idx="1">
+            <a:schemeClr val="lt1"/>
+          </a:fillRef>
+          <a:effectRef idx="0">
+            <a:schemeClr val="accent5"/>
+          </a:effectRef>
+          <a:fontRef idx="minor">
+            <a:schemeClr val="dk1"/>
+          </a:fontRef>
+        </p:style>
+        <p:txBody>
+          <a:bodyPr wrap="square">
+            <a:spAutoFit/>
+          </a:bodyPr>
+          <a:lstStyle/>
+          <a:p>
+            <a:r>
+              <a:rPr lang="en-US" dirty="0"/>
+              <a:t>D:\eclipse\workspace\SpringBootDemo&gt;mvn spring-boot:run</a:t>
             </a:r>
           </a:p>
         </p:txBody>
@@ -10795,6 +11041,290 @@
     <p:extLst>
       <p:ext uri="{BB962C8B-B14F-4D97-AF65-F5344CB8AC3E}">
         <p14:creationId xmlns:p14="http://schemas.microsoft.com/office/powerpoint/2010/main" val="1254293136"/>
+      </p:ext>
+    </p:extLst>
+  </p:cSld>
+  <p:clrMapOvr>
+    <a:masterClrMapping/>
+  </p:clrMapOvr>
+</p:sld>
+</file>
+
+<file path=ppt/slides/slide20.xml><?xml version="1.0" encoding="utf-8"?>
+<p:sld xmlns:a="http://schemas.openxmlformats.org/drawingml/2006/main" xmlns:r="http://schemas.openxmlformats.org/officeDocument/2006/relationships" xmlns:p="http://schemas.openxmlformats.org/presentationml/2006/main">
+  <p:cSld>
+    <p:spTree>
+      <p:nvGrpSpPr>
+        <p:cNvPr id="1" name=""/>
+        <p:cNvGrpSpPr/>
+        <p:nvPr/>
+      </p:nvGrpSpPr>
+      <p:grpSpPr>
+        <a:xfrm>
+          <a:off x="0" y="0"/>
+          <a:ext cx="0" cy="0"/>
+          <a:chOff x="0" y="0"/>
+          <a:chExt cx="0" cy="0"/>
+        </a:xfrm>
+      </p:grpSpPr>
+      <p:sp>
+        <p:nvSpPr>
+          <p:cNvPr id="3" name="AutoShape 2" descr="data:image/png;base64,iVBORw0KGgoAAAANSUhEUgAAANEAAADxCAMAAABiSKLrAAAAbFBMVEWIiIj////6+vr29vb19fX4+Pj5+fnu7u77+/v39/f9/f3z8/P+/v709PT8/Pyqqqrt7e3v7+/w8PDx8fHy8vK+vr7Q0NCjo6OBgYHY2Njk5OTHx8eNjY3c3NzGxsbn5+eWlpa1tbWcnJx6enob4+f+AAAIqklEQVR4nO3dCZuaOhQGYEZAh0FkX2W1//8/lkVMICeIkRmOPHz22lYg5OVEZLFzJRNrnC+xSGt3nJvQekMUYktnEiM1ouDrjCs/pukLkzoRtpjmNRcloRUFoiS8oo5UvLwsYpEgCaXoHLYiMRJqkRAJt0iEhFwkQMIqCgJRElpRLErCL3r1oxavSJSEWCRIQikyOtGQNPd8CaXICc04FiXhFomQkIsESChFbmhmwiT0opf3eBivMzSjLuORnh49oKxRKxIloayR24oESShFRScSI6EUJaGZCJNwiwhp/skFcpFAlbCLXiehF71MQisSJiEVVYkwqRP9oEpXI1HSXXRuWjo/2jz3f3v8YfjS7871lbU1EiT1IjrAKrvX/2iurzisijkk8OQC5ah7iERIyEUCJOyi10noRU9J490DUpFPRAApniJhFVnzSaOdOF6RKAmlKGhFgiTMohdIyYeIhEh30aV99E9NLo8VXLqn++Q/mIuIREid6DJsv32s91Ityi1hEtJRl5+ESX2NMKUR2ZYoCbNIjIRV5FiiJIyicx7mriVEKnCKfvxadBIloRQ1NTqJkcICpcgPr7rjOPYJZnFNbZVwikw/YHNlXmDi4xW9kU70jSnNqOu/xL4R0aWg3yNMgNHWp0I66i7Dy5PsdXFuApw1Eg8RndfuykLZa4Q/512EPrsIfzYtOmwje43wh4h+1u7KQvm5bk601wh9NlijXYQ+uwh/HqLrZkTXh+h4PDQP8lQ/PvAlSrT2xl0oRHQ5biOXXYQ+uwh/dhH+7CL82bRI3Ua2XKPvtTfuQvneReizi/BnF+HPLsKfTYu0bYQWsd5PfImIDmtv3IVy2EXos4vwZxfhzy7CH0okbyO7CH+2/D46rr1xF8pxF6HPLsKfXYQ/uwh/KJGyjWxatPZwWShEpK69cReKuovQZxfhzy7Cn12EP0SkGduItmHRzFF3P3r63ZHzTl4YdYqsHg/e/YdF2e7xcFRVrba109gMFp2evGhmjzpFVZLcvJVpl7K8hWaVB1liNVNdJh7VZ4Wd7P4aaa5I866lFEnDRHWksC5eVgtH8VWy8PHGTE5V/rr+QqSocTnm9CpTM+SMmRhVVJcPKbPYv5VFcs7x1F3P1eeikl1sXZHGB0lRLH+eSI75ICk6KZ8nctkOkaQN+cNEWjBRIimU0YpkHY4hmxOgqNIMHRaRJo6giLO+dyM/F1nsvpfqWVAv92Eihe0u3bNE+TgR/FkURfWhUHPMIBsguh6N0yKNs7o/EGkVIEpj+XA8fltJ0GzqDxMdQwBka+2gqQ/p9FYkpaNIiEXuje3OddQfg738rFCTcYmME9sdKXntbY1MBOy802JrotJ6bSUiInLia7y2+aZEbXuyxXbn5vXXGQazDs+6xUWGoql2kXU/DDrOssLWNFmZ65oQufeflwvU6PHDdO8ki/0xu/Rb7RVRvZNJgupW7y3bU+T6JLnej97MPLNUhbPIbJEV9U2y/eknHds5lfhfNMo/sb23oRX5LQXWGUmpGdtz3nxEpOiep7eP+5MFUEZJj+0SCnsCVX/CkrZUQFRvQG+8RkNOzHTi5LL0rW6x8YL0bwolGtdolqir0fQxAyQCNrdsVczFmdFS6fXp+4kSecPMEqntrAYkkklTYI288frkYKI+j+XCYtzRUdCIdMV/7mkWTDNmY6AU6bo5C9QknqwSEpFuzAdJUjZFQiJSoFMWfhIDu0ievDjD5ubquEV6AjVet3krU3B/Hvn8cYdDBJxUSlKVaJqmWvENMiXcImEQKcCYi26W1nZaN9SAXXFkcos0JZpxXLeICDpLDnVSBDkDusAtEhGN72p5J78LcMbn9+nudemgiDSlASLF66cC20NKbZ3qCnAnIfKp9gcxiIjVPj8/8mbVCBY9VsNes42C4YgBrgyUJ06NpkRdCuD8yB418pYIOkl2hyuQ2SOkKOMMO4M76vrBB4sG84Cjjrr5Cooeo4TdLwyGbLsC4IKgD93dHY66lUQye7gQxfqgfdcDhr7JeSOtLoL2dOn4KEdX2E+s0hp24j3RaUERsPnLLBmlYPceaYJVBB0Bja85p8ANn3rXgFX02kEqaSGAeywoGs7zjghYdqYoxyp68USCtMDZfX+wqHomav53fkBcWDSYx4NEBpkuAyLj3oSwSDIVsMM6ETVAp/3V/KG2tP/xRPRccI1IW7Comyr8PupE9052bbW/0yLHpX/1T1wRmQuskULa4oqcd/Z1pjLu6li0zqgDP49m5fmo+2NR3z50zFBYczLsBB6Rxx6y8Q5wRoE7LCaylhM5BnTs7cGdmZP1RZzdygeLXOjW9fg94jYXUnjjbBHRcJ5nImVKBA67fFgkL/HzIE4KRW7vM0/i/kQ0WSPHg75KldHdqc+h7pfZ0jKs/GuDM3hvNSLizSEqoroE1Yia7ELf00kIWS/o09z+EmLA6bC3hMh9TwRskDq51x47e4Zzhc73Qt64wyByPOjmUVT6cZZkcQV+0zxNflX05qgD36tSe3MilcCr1FLEe9sPRDYYjmgwD1wjMl1hm4h0ugF43PETVd6wB3RbKES2Pu+2cr9waHFBWESO+8JtyxrkckFYRDa8dxAAoRHNH3hRNTHkUIlsY9Z3TqR6LzcFokScSsKi4TzPRMYske0VT78XJJkJZ8uTzojV6FdEtmNkE9/diqLUzJTpAtmzalQyF6FvI5ETA9+OpraQwTYhwRvQMYqryX6sNn8vq8AynnqoGuXuCY7N/vMR3R7N47DzePR04J+gjJt4rM7V3SzwzbC8FzYtb2Z1jQtDd3nLDOLmD1E9v90++qfT4Lfh5N+cq/508shXb5st6Ll1cWa2RYu2EUo0p6QfkF2EP7sIf3YR/hCRs3ZXFoqzYdEGR92su1D4Q486yzq1D/L0iS85W67R2l1ZKLsIfzYs4l05+bg8rpxU/lZS3UXbyvZE/wFXu+LXNTDaDQAAAABJRU5ErkJggg=="/>
+          <p:cNvSpPr>
+            <a:spLocks noChangeAspect="1" noChangeArrowheads="1"/>
+          </p:cNvSpPr>
+          <p:nvPr/>
+        </p:nvSpPr>
+        <p:spPr bwMode="auto">
+          <a:xfrm>
+            <a:off x="207436" y="-116412"/>
+            <a:ext cx="406400" cy="406402"/>
+          </a:xfrm>
+          <a:prstGeom prst="rect">
+            <a:avLst/>
+          </a:prstGeom>
+          <a:noFill/>
+          <a:extLst>
+            <a:ext uri="{909E8E84-426E-40DD-AFC4-6F175D3DCCD1}">
+              <a14:hiddenFill xmlns:a14="http://schemas.microsoft.com/office/drawing/2010/main">
+                <a:solidFill>
+                  <a:srgbClr val="FFFFFF"/>
+                </a:solidFill>
+              </a14:hiddenFill>
+            </a:ext>
+          </a:extLst>
+        </p:spPr>
+        <p:txBody>
+          <a:bodyPr vert="horz" wrap="square" lIns="121920" tIns="60960" rIns="121920" bIns="60960" numCol="1" anchor="t" anchorCtr="0" compatLnSpc="1">
+            <a:prstTxWarp prst="textNoShape">
+              <a:avLst/>
+            </a:prstTxWarp>
+          </a:bodyPr>
+          <a:lstStyle/>
+          <a:p>
+            <a:endParaRPr lang="en-US" sz="1600" dirty="0"/>
+          </a:p>
+        </p:txBody>
+      </p:sp>
+      <p:sp>
+        <p:nvSpPr>
+          <p:cNvPr id="2" name="AutoShape 2" descr="Image result for file"/>
+          <p:cNvSpPr>
+            <a:spLocks noChangeAspect="1" noChangeArrowheads="1"/>
+          </p:cNvSpPr>
+          <p:nvPr/>
+        </p:nvSpPr>
+        <p:spPr bwMode="auto">
+          <a:xfrm>
+            <a:off x="410635" y="86789"/>
+            <a:ext cx="406400" cy="406402"/>
+          </a:xfrm>
+          <a:prstGeom prst="rect">
+            <a:avLst/>
+          </a:prstGeom>
+          <a:noFill/>
+          <a:extLst>
+            <a:ext uri="{909E8E84-426E-40DD-AFC4-6F175D3DCCD1}">
+              <a14:hiddenFill xmlns:a14="http://schemas.microsoft.com/office/drawing/2010/main">
+                <a:solidFill>
+                  <a:srgbClr val="FFFFFF"/>
+                </a:solidFill>
+              </a14:hiddenFill>
+            </a:ext>
+          </a:extLst>
+        </p:spPr>
+        <p:txBody>
+          <a:bodyPr vert="horz" wrap="square" lIns="121920" tIns="60960" rIns="121920" bIns="60960" numCol="1" anchor="t" anchorCtr="0" compatLnSpc="1">
+            <a:prstTxWarp prst="textNoShape">
+              <a:avLst/>
+            </a:prstTxWarp>
+          </a:bodyPr>
+          <a:lstStyle/>
+          <a:p>
+            <a:endParaRPr lang="en-US" sz="2400" dirty="0"/>
+          </a:p>
+        </p:txBody>
+      </p:sp>
+      <p:sp>
+        <p:nvSpPr>
+          <p:cNvPr id="6" name="AutoShape 2" descr="Image result for activemq image"/>
+          <p:cNvSpPr>
+            <a:spLocks noChangeAspect="1" noChangeArrowheads="1"/>
+          </p:cNvSpPr>
+          <p:nvPr/>
+        </p:nvSpPr>
+        <p:spPr bwMode="auto">
+          <a:xfrm>
+            <a:off x="1020234" y="289990"/>
+            <a:ext cx="406400" cy="406402"/>
+          </a:xfrm>
+          <a:prstGeom prst="rect">
+            <a:avLst/>
+          </a:prstGeom>
+          <a:noFill/>
+          <a:extLst>
+            <a:ext uri="{909E8E84-426E-40DD-AFC4-6F175D3DCCD1}">
+              <a14:hiddenFill xmlns:a14="http://schemas.microsoft.com/office/drawing/2010/main">
+                <a:solidFill>
+                  <a:srgbClr val="FFFFFF"/>
+                </a:solidFill>
+              </a14:hiddenFill>
+            </a:ext>
+          </a:extLst>
+        </p:spPr>
+        <p:txBody>
+          <a:bodyPr vert="horz" wrap="square" lIns="121920" tIns="60960" rIns="121920" bIns="60960" numCol="1" anchor="t" anchorCtr="0" compatLnSpc="1">
+            <a:prstTxWarp prst="textNoShape">
+              <a:avLst/>
+            </a:prstTxWarp>
+          </a:bodyPr>
+          <a:lstStyle/>
+          <a:p>
+            <a:endParaRPr lang="en-US" sz="2400" dirty="0"/>
+          </a:p>
+        </p:txBody>
+      </p:sp>
+      <p:sp>
+        <p:nvSpPr>
+          <p:cNvPr id="14" name="Rectangle 13"/>
+          <p:cNvSpPr/>
+          <p:nvPr/>
+        </p:nvSpPr>
+        <p:spPr>
+          <a:xfrm>
+            <a:off x="4191000" y="38475"/>
+            <a:ext cx="3657600" cy="400110"/>
+          </a:xfrm>
+          <a:prstGeom prst="rect">
+            <a:avLst/>
+          </a:prstGeom>
+        </p:spPr>
+        <p:style>
+          <a:lnRef idx="1">
+            <a:schemeClr val="accent4"/>
+          </a:lnRef>
+          <a:fillRef idx="3">
+            <a:schemeClr val="accent4"/>
+          </a:fillRef>
+          <a:effectRef idx="2">
+            <a:schemeClr val="accent4"/>
+          </a:effectRef>
+          <a:fontRef idx="minor">
+            <a:schemeClr val="lt1"/>
+          </a:fontRef>
+        </p:style>
+        <p:txBody>
+          <a:bodyPr wrap="square">
+            <a:spAutoFit/>
+          </a:bodyPr>
+          <a:lstStyle>
+            <a:defPPr>
+              <a:defRPr lang="en-US"/>
+            </a:defPPr>
+            <a:lvl1pPr marL="0" algn="l" defTabSz="914400" rtl="0" eaLnBrk="1" latinLnBrk="0" hangingPunct="1">
+              <a:defRPr sz="1800" kern="1200">
+                <a:solidFill>
+                  <a:schemeClr val="lt1"/>
+                </a:solidFill>
+                <a:latin typeface="+mn-lt"/>
+                <a:ea typeface="+mn-ea"/>
+                <a:cs typeface="+mn-cs"/>
+              </a:defRPr>
+            </a:lvl1pPr>
+            <a:lvl2pPr marL="457200" algn="l" defTabSz="914400" rtl="0" eaLnBrk="1" latinLnBrk="0" hangingPunct="1">
+              <a:defRPr sz="1800" kern="1200">
+                <a:solidFill>
+                  <a:schemeClr val="lt1"/>
+                </a:solidFill>
+                <a:latin typeface="+mn-lt"/>
+                <a:ea typeface="+mn-ea"/>
+                <a:cs typeface="+mn-cs"/>
+              </a:defRPr>
+            </a:lvl2pPr>
+            <a:lvl3pPr marL="914400" algn="l" defTabSz="914400" rtl="0" eaLnBrk="1" latinLnBrk="0" hangingPunct="1">
+              <a:defRPr sz="1800" kern="1200">
+                <a:solidFill>
+                  <a:schemeClr val="lt1"/>
+                </a:solidFill>
+                <a:latin typeface="+mn-lt"/>
+                <a:ea typeface="+mn-ea"/>
+                <a:cs typeface="+mn-cs"/>
+              </a:defRPr>
+            </a:lvl3pPr>
+            <a:lvl4pPr marL="1371600" algn="l" defTabSz="914400" rtl="0" eaLnBrk="1" latinLnBrk="0" hangingPunct="1">
+              <a:defRPr sz="1800" kern="1200">
+                <a:solidFill>
+                  <a:schemeClr val="lt1"/>
+                </a:solidFill>
+                <a:latin typeface="+mn-lt"/>
+                <a:ea typeface="+mn-ea"/>
+                <a:cs typeface="+mn-cs"/>
+              </a:defRPr>
+            </a:lvl4pPr>
+            <a:lvl5pPr marL="1828800" algn="l" defTabSz="914400" rtl="0" eaLnBrk="1" latinLnBrk="0" hangingPunct="1">
+              <a:defRPr sz="1800" kern="1200">
+                <a:solidFill>
+                  <a:schemeClr val="lt1"/>
+                </a:solidFill>
+                <a:latin typeface="+mn-lt"/>
+                <a:ea typeface="+mn-ea"/>
+                <a:cs typeface="+mn-cs"/>
+              </a:defRPr>
+            </a:lvl5pPr>
+            <a:lvl6pPr marL="2286000" algn="l" defTabSz="914400" rtl="0" eaLnBrk="1" latinLnBrk="0" hangingPunct="1">
+              <a:defRPr sz="1800" kern="1200">
+                <a:solidFill>
+                  <a:schemeClr val="lt1"/>
+                </a:solidFill>
+                <a:latin typeface="+mn-lt"/>
+                <a:ea typeface="+mn-ea"/>
+                <a:cs typeface="+mn-cs"/>
+              </a:defRPr>
+            </a:lvl6pPr>
+            <a:lvl7pPr marL="2743200" algn="l" defTabSz="914400" rtl="0" eaLnBrk="1" latinLnBrk="0" hangingPunct="1">
+              <a:defRPr sz="1800" kern="1200">
+                <a:solidFill>
+                  <a:schemeClr val="lt1"/>
+                </a:solidFill>
+                <a:latin typeface="+mn-lt"/>
+                <a:ea typeface="+mn-ea"/>
+                <a:cs typeface="+mn-cs"/>
+              </a:defRPr>
+            </a:lvl7pPr>
+            <a:lvl8pPr marL="3200400" algn="l" defTabSz="914400" rtl="0" eaLnBrk="1" latinLnBrk="0" hangingPunct="1">
+              <a:defRPr sz="1800" kern="1200">
+                <a:solidFill>
+                  <a:schemeClr val="lt1"/>
+                </a:solidFill>
+                <a:latin typeface="+mn-lt"/>
+                <a:ea typeface="+mn-ea"/>
+                <a:cs typeface="+mn-cs"/>
+              </a:defRPr>
+            </a:lvl8pPr>
+            <a:lvl9pPr marL="3657600" algn="l" defTabSz="914400" rtl="0" eaLnBrk="1" latinLnBrk="0" hangingPunct="1">
+              <a:defRPr sz="1800" kern="1200">
+                <a:solidFill>
+                  <a:schemeClr val="lt1"/>
+                </a:solidFill>
+                <a:latin typeface="+mn-lt"/>
+                <a:ea typeface="+mn-ea"/>
+                <a:cs typeface="+mn-cs"/>
+              </a:defRPr>
+            </a:lvl9pPr>
+          </a:lstStyle>
+          <a:p>
+            <a:pPr algn="ctr"/>
+            <a:r>
+              <a:rPr lang="en-US" sz="2000" dirty="0"/>
+              <a:t>Spring Security for User Sign-in</a:t>
+            </a:r>
+          </a:p>
+        </p:txBody>
+      </p:sp>
+    </p:spTree>
+    <p:extLst>
+      <p:ext uri="{BB962C8B-B14F-4D97-AF65-F5344CB8AC3E}">
+        <p14:creationId xmlns:p14="http://schemas.microsoft.com/office/powerpoint/2010/main" val="2137344527"/>
       </p:ext>
     </p:extLst>
   </p:cSld>

--- a/Java_2021/SpringBoot_Signup_Signin/User_Signin_Signup_Security.pptx
+++ b/Java_2021/SpringBoot_Signup_Signin/User_Signin_Signup_Security.pptx
@@ -241,7 +241,7 @@
           <a:p>
             <a:fld id="{62274EC6-3890-417B-9308-14EFBD00FA63}" type="datetimeFigureOut">
               <a:rPr lang="en-US" smtClean="0"/>
-              <a:t>9/10/2021</a:t>
+              <a:t>9/11/2021</a:t>
             </a:fld>
             <a:endParaRPr lang="en-US" dirty="0"/>
           </a:p>
@@ -2468,7 +2468,7 @@
             <a:fld id="{1D8BD707-D9CF-40AE-B4C6-C98DA3205C09}" type="datetimeFigureOut">
               <a:rPr lang="en-US" smtClean="0"/>
               <a:pPr/>
-              <a:t>9/10/2021</a:t>
+              <a:t>9/11/2021</a:t>
             </a:fld>
             <a:endParaRPr lang="en-US" dirty="0"/>
           </a:p>
@@ -2638,7 +2638,7 @@
             <a:fld id="{1D8BD707-D9CF-40AE-B4C6-C98DA3205C09}" type="datetimeFigureOut">
               <a:rPr lang="en-US" smtClean="0"/>
               <a:pPr/>
-              <a:t>9/10/2021</a:t>
+              <a:t>9/11/2021</a:t>
             </a:fld>
             <a:endParaRPr lang="en-US" dirty="0"/>
           </a:p>
@@ -2818,7 +2818,7 @@
             <a:fld id="{1D8BD707-D9CF-40AE-B4C6-C98DA3205C09}" type="datetimeFigureOut">
               <a:rPr lang="en-US" smtClean="0"/>
               <a:pPr/>
-              <a:t>9/10/2021</a:t>
+              <a:t>9/11/2021</a:t>
             </a:fld>
             <a:endParaRPr lang="en-US" dirty="0"/>
           </a:p>
@@ -2988,7 +2988,7 @@
             <a:fld id="{1D8BD707-D9CF-40AE-B4C6-C98DA3205C09}" type="datetimeFigureOut">
               <a:rPr lang="en-US" smtClean="0"/>
               <a:pPr/>
-              <a:t>9/10/2021</a:t>
+              <a:t>9/11/2021</a:t>
             </a:fld>
             <a:endParaRPr lang="en-US" dirty="0"/>
           </a:p>
@@ -3235,7 +3235,7 @@
             <a:fld id="{1D8BD707-D9CF-40AE-B4C6-C98DA3205C09}" type="datetimeFigureOut">
               <a:rPr lang="en-US" smtClean="0"/>
               <a:pPr/>
-              <a:t>9/10/2021</a:t>
+              <a:t>9/11/2021</a:t>
             </a:fld>
             <a:endParaRPr lang="en-US" dirty="0"/>
           </a:p>
@@ -3522,7 +3522,7 @@
             <a:fld id="{1D8BD707-D9CF-40AE-B4C6-C98DA3205C09}" type="datetimeFigureOut">
               <a:rPr lang="en-US" smtClean="0"/>
               <a:pPr/>
-              <a:t>9/10/2021</a:t>
+              <a:t>9/11/2021</a:t>
             </a:fld>
             <a:endParaRPr lang="en-US" dirty="0"/>
           </a:p>
@@ -3948,7 +3948,7 @@
             <a:fld id="{1D8BD707-D9CF-40AE-B4C6-C98DA3205C09}" type="datetimeFigureOut">
               <a:rPr lang="en-US" smtClean="0"/>
               <a:pPr/>
-              <a:t>9/10/2021</a:t>
+              <a:t>9/11/2021</a:t>
             </a:fld>
             <a:endParaRPr lang="en-US" dirty="0"/>
           </a:p>
@@ -4067,7 +4067,7 @@
             <a:fld id="{1D8BD707-D9CF-40AE-B4C6-C98DA3205C09}" type="datetimeFigureOut">
               <a:rPr lang="en-US" smtClean="0"/>
               <a:pPr/>
-              <a:t>9/10/2021</a:t>
+              <a:t>9/11/2021</a:t>
             </a:fld>
             <a:endParaRPr lang="en-US" dirty="0"/>
           </a:p>
@@ -4164,7 +4164,7 @@
             <a:fld id="{1D8BD707-D9CF-40AE-B4C6-C98DA3205C09}" type="datetimeFigureOut">
               <a:rPr lang="en-US" smtClean="0"/>
               <a:pPr/>
-              <a:t>9/10/2021</a:t>
+              <a:t>9/11/2021</a:t>
             </a:fld>
             <a:endParaRPr lang="en-US" dirty="0"/>
           </a:p>
@@ -4441,7 +4441,7 @@
             <a:fld id="{1D8BD707-D9CF-40AE-B4C6-C98DA3205C09}" type="datetimeFigureOut">
               <a:rPr lang="en-US" smtClean="0"/>
               <a:pPr/>
-              <a:t>9/10/2021</a:t>
+              <a:t>9/11/2021</a:t>
             </a:fld>
             <a:endParaRPr lang="en-US" dirty="0"/>
           </a:p>
@@ -4695,7 +4695,7 @@
             <a:fld id="{1D8BD707-D9CF-40AE-B4C6-C98DA3205C09}" type="datetimeFigureOut">
               <a:rPr lang="en-US" smtClean="0"/>
               <a:pPr/>
-              <a:t>9/10/2021</a:t>
+              <a:t>9/11/2021</a:t>
             </a:fld>
             <a:endParaRPr lang="en-US" dirty="0"/>
           </a:p>
@@ -4908,7 +4908,7 @@
             <a:fld id="{1D8BD707-D9CF-40AE-B4C6-C98DA3205C09}" type="datetimeFigureOut">
               <a:rPr lang="en-US" smtClean="0"/>
               <a:pPr/>
-              <a:t>9/10/2021</a:t>
+              <a:t>9/11/2021</a:t>
             </a:fld>
             <a:endParaRPr lang="en-US" dirty="0"/>
           </a:p>
@@ -9463,8 +9463,8 @@
         </p:nvSpPr>
         <p:spPr>
           <a:xfrm>
-            <a:off x="4191000" y="38475"/>
-            <a:ext cx="3657600" cy="400110"/>
+            <a:off x="2362200" y="38475"/>
+            <a:ext cx="7162800" cy="400110"/>
           </a:xfrm>
           <a:prstGeom prst="rect">
             <a:avLst/>
@@ -9587,11 +9587,115 @@
             <a:pPr algn="ctr"/>
             <a:r>
               <a:rPr lang="en-US" sz="2000" dirty="0"/>
-              <a:t>Spring Security for User Sign-in</a:t>
-            </a:r>
-          </a:p>
-        </p:txBody>
-      </p:sp>
+              <a:t>Run Your Spring boot Application as a stand-alone Java application</a:t>
+            </a:r>
+          </a:p>
+        </p:txBody>
+      </p:sp>
+      <p:pic>
+        <p:nvPicPr>
+          <p:cNvPr id="4" name="Picture 3">
+            <a:extLst>
+              <a:ext uri="{FF2B5EF4-FFF2-40B4-BE49-F238E27FC236}">
+                <a16:creationId xmlns:a16="http://schemas.microsoft.com/office/drawing/2014/main" id="{C453ABEF-3E0F-4F3D-9118-4A639FB511B0}"/>
+              </a:ext>
+            </a:extLst>
+          </p:cNvPr>
+          <p:cNvPicPr>
+            <a:picLocks noChangeAspect="1"/>
+          </p:cNvPicPr>
+          <p:nvPr/>
+        </p:nvPicPr>
+        <p:blipFill>
+          <a:blip r:embed="rId3"/>
+          <a:stretch>
+            <a:fillRect/>
+          </a:stretch>
+        </p:blipFill>
+        <p:spPr>
+          <a:xfrm>
+            <a:off x="2918969" y="947179"/>
+            <a:ext cx="6354062" cy="2514951"/>
+          </a:xfrm>
+          <a:prstGeom prst="rect">
+            <a:avLst/>
+          </a:prstGeom>
+        </p:spPr>
+        <p:style>
+          <a:lnRef idx="1">
+            <a:schemeClr val="accent4"/>
+          </a:lnRef>
+          <a:fillRef idx="3">
+            <a:schemeClr val="accent4"/>
+          </a:fillRef>
+          <a:effectRef idx="2">
+            <a:schemeClr val="accent4"/>
+          </a:effectRef>
+          <a:fontRef idx="minor">
+            <a:schemeClr val="lt1"/>
+          </a:fontRef>
+        </p:style>
+      </p:pic>
+      <p:pic>
+        <p:nvPicPr>
+          <p:cNvPr id="5" name="Picture 4">
+            <a:extLst>
+              <a:ext uri="{FF2B5EF4-FFF2-40B4-BE49-F238E27FC236}">
+                <a16:creationId xmlns:a16="http://schemas.microsoft.com/office/drawing/2014/main" id="{87987998-36BB-4733-BDB9-E2B39E071B5F}"/>
+              </a:ext>
+            </a:extLst>
+          </p:cNvPr>
+          <p:cNvPicPr>
+            <a:picLocks noChangeAspect="1"/>
+          </p:cNvPicPr>
+          <p:nvPr/>
+        </p:nvPicPr>
+        <p:blipFill>
+          <a:blip r:embed="rId4"/>
+          <a:stretch>
+            <a:fillRect/>
+          </a:stretch>
+        </p:blipFill>
+        <p:spPr>
+          <a:xfrm>
+            <a:off x="447078" y="5105400"/>
+            <a:ext cx="4391638" cy="552527"/>
+          </a:xfrm>
+          <a:prstGeom prst="rect">
+            <a:avLst/>
+          </a:prstGeom>
+        </p:spPr>
+      </p:pic>
+      <p:pic>
+        <p:nvPicPr>
+          <p:cNvPr id="7" name="Picture 6">
+            <a:extLst>
+              <a:ext uri="{FF2B5EF4-FFF2-40B4-BE49-F238E27FC236}">
+                <a16:creationId xmlns:a16="http://schemas.microsoft.com/office/drawing/2014/main" id="{ED22AC34-E0C8-4834-9723-E9A0212FEE63}"/>
+              </a:ext>
+            </a:extLst>
+          </p:cNvPr>
+          <p:cNvPicPr>
+            <a:picLocks noChangeAspect="1"/>
+          </p:cNvPicPr>
+          <p:nvPr/>
+        </p:nvPicPr>
+        <p:blipFill>
+          <a:blip r:embed="rId5"/>
+          <a:stretch>
+            <a:fillRect/>
+          </a:stretch>
+        </p:blipFill>
+        <p:spPr>
+          <a:xfrm>
+            <a:off x="6096000" y="4128951"/>
+            <a:ext cx="5125165" cy="1952898"/>
+          </a:xfrm>
+          <a:prstGeom prst="rect">
+            <a:avLst/>
+          </a:prstGeom>
+        </p:spPr>
+      </p:pic>
     </p:spTree>
     <p:extLst>
       <p:ext uri="{BB962C8B-B14F-4D97-AF65-F5344CB8AC3E}">
